--- a/A_Organisation/EpreuvesOralesCPGE.pptx
+++ b/A_Organisation/EpreuvesOralesCPGE.pptx
@@ -5,7 +5,7 @@
     <p:sldMasterId id="2147483648" r:id="rId1"/>
   </p:sldMasterIdLst>
   <p:notesMasterIdLst>
-    <p:notesMasterId r:id="rId16"/>
+    <p:notesMasterId r:id="rId22"/>
   </p:notesMasterIdLst>
   <p:sldIdLst>
     <p:sldId id="256" r:id="rId2"/>
@@ -20,8 +20,14 @@
     <p:sldId id="276" r:id="rId11"/>
     <p:sldId id="277" r:id="rId12"/>
     <p:sldId id="278" r:id="rId13"/>
-    <p:sldId id="279" r:id="rId14"/>
-    <p:sldId id="270" r:id="rId15"/>
+    <p:sldId id="270" r:id="rId14"/>
+    <p:sldId id="279" r:id="rId15"/>
+    <p:sldId id="280" r:id="rId16"/>
+    <p:sldId id="281" r:id="rId17"/>
+    <p:sldId id="282" r:id="rId18"/>
+    <p:sldId id="283" r:id="rId19"/>
+    <p:sldId id="284" r:id="rId20"/>
+    <p:sldId id="285" r:id="rId21"/>
   </p:sldIdLst>
   <p:sldSz cx="12192000" cy="6858000"/>
   <p:notesSz cx="6858000" cy="9144000"/>
@@ -4620,7 +4626,7 @@
           <p:cNvPr id="2" name="Titre 1">
             <a:extLst>
               <a:ext uri="{FF2B5EF4-FFF2-40B4-BE49-F238E27FC236}">
-                <a16:creationId xmlns:a16="http://schemas.microsoft.com/office/drawing/2014/main" id="{A5D08DF1-01A9-74AA-6321-9FDB6ADE6849}"/>
+                <a16:creationId xmlns:a16="http://schemas.microsoft.com/office/drawing/2014/main" id="{A09B31E3-01AB-F935-FB8C-8F91AD78A038}"/>
               </a:ext>
             </a:extLst>
           </p:cNvPr>
@@ -4638,7 +4644,7 @@
           <a:p>
             <a:r>
               <a:rPr lang="fr-FR" dirty="0"/>
-              <a:t>Synthèse</a:t>
+              <a:t>Concours Commun Mines Ponts</a:t>
             </a:r>
           </a:p>
         </p:txBody>
@@ -4648,7 +4654,7 @@
           <p:cNvPr id="3" name="Espace réservé du contenu 2">
             <a:extLst>
               <a:ext uri="{FF2B5EF4-FFF2-40B4-BE49-F238E27FC236}">
-                <a16:creationId xmlns:a16="http://schemas.microsoft.com/office/drawing/2014/main" id="{1EBC4D71-5E4C-DE49-7C8A-CD7A87E236BF}"/>
+                <a16:creationId xmlns:a16="http://schemas.microsoft.com/office/drawing/2014/main" id="{4868902B-CF04-07FB-9AE7-14DABF12DE9B}"/>
               </a:ext>
             </a:extLst>
           </p:cNvPr>
@@ -4664,7 +4670,44 @@
           <a:bodyPr/>
           <a:lstStyle/>
           <a:p>
+            <a:r>
+              <a:rPr lang="fr-FR" dirty="0"/>
+              <a:t>Epreuve : Epreuve mixte de Sciences Industrielles</a:t>
+            </a:r>
+          </a:p>
+          <a:p>
+            <a:r>
+              <a:rPr lang="fr-FR" dirty="0"/>
+              <a:t>Durée : 3 heures 30</a:t>
+            </a:r>
+          </a:p>
+          <a:p>
+            <a:r>
+              <a:rPr lang="fr-FR" dirty="0"/>
+              <a:t>Lieu : Mines de Paris, 66 boulevard Saint Michel, Paris</a:t>
+            </a:r>
+          </a:p>
+          <a:p>
+            <a:r>
+              <a:rPr lang="fr-FR" dirty="0"/>
+              <a:t>Examinateurs : 2</a:t>
+            </a:r>
+          </a:p>
+          <a:p>
             <a:endParaRPr lang="fr-FR" dirty="0"/>
+          </a:p>
+          <a:p>
+            <a:r>
+              <a:rPr lang="fr-FR" dirty="0"/>
+              <a:t>Remarque : </a:t>
+            </a:r>
+          </a:p>
+          <a:p>
+            <a:pPr lvl="1"/>
+            <a:r>
+              <a:rPr lang="fr-FR" dirty="0"/>
+              <a:t>L’épreuve mixte est une épreuve « tirée au sort ». Lorsque le candidat reçoit sa convocation, il y est indiqué TP PSI ou TP Physique (à Telecom Paris, Palaiseau).</a:t>
+            </a:r>
           </a:p>
         </p:txBody>
       </p:sp>
@@ -4673,7 +4716,7 @@
           <p:cNvPr id="4" name="Espace réservé du pied de page 3">
             <a:extLst>
               <a:ext uri="{FF2B5EF4-FFF2-40B4-BE49-F238E27FC236}">
-                <a16:creationId xmlns:a16="http://schemas.microsoft.com/office/drawing/2014/main" id="{DBFDA42E-3035-54E3-A6A2-7F3B57864C22}"/>
+                <a16:creationId xmlns:a16="http://schemas.microsoft.com/office/drawing/2014/main" id="{B7E3913A-446C-1E02-3DA5-0BE3BBA29D9D}"/>
               </a:ext>
             </a:extLst>
           </p:cNvPr>
@@ -4696,10 +4739,40 @@
           </a:p>
         </p:txBody>
       </p:sp>
+      <p:pic>
+        <p:nvPicPr>
+          <p:cNvPr id="6" name="Image 5">
+            <a:extLst>
+              <a:ext uri="{FF2B5EF4-FFF2-40B4-BE49-F238E27FC236}">
+                <a16:creationId xmlns:a16="http://schemas.microsoft.com/office/drawing/2014/main" id="{8C5CA10B-D7B0-22D9-6D14-DA26135DCBFA}"/>
+              </a:ext>
+            </a:extLst>
+          </p:cNvPr>
+          <p:cNvPicPr>
+            <a:picLocks noChangeAspect="1"/>
+          </p:cNvPicPr>
+          <p:nvPr/>
+        </p:nvPicPr>
+        <p:blipFill>
+          <a:blip r:embed="rId2"/>
+          <a:stretch>
+            <a:fillRect/>
+          </a:stretch>
+        </p:blipFill>
+        <p:spPr>
+          <a:xfrm>
+            <a:off x="0" y="5821680"/>
+            <a:ext cx="860887" cy="1036319"/>
+          </a:xfrm>
+          <a:prstGeom prst="rect">
+            <a:avLst/>
+          </a:prstGeom>
+        </p:spPr>
+      </p:pic>
     </p:spTree>
     <p:extLst>
       <p:ext uri="{BB962C8B-B14F-4D97-AF65-F5344CB8AC3E}">
-        <p14:creationId xmlns:p14="http://schemas.microsoft.com/office/powerpoint/2010/main" val="3934467301"/>
+        <p14:creationId xmlns:p14="http://schemas.microsoft.com/office/powerpoint/2010/main" val="1154396574"/>
       </p:ext>
     </p:extLst>
   </p:cSld>
@@ -4731,7 +4804,7 @@
           <p:cNvPr id="2" name="Titre 1">
             <a:extLst>
               <a:ext uri="{FF2B5EF4-FFF2-40B4-BE49-F238E27FC236}">
-                <a16:creationId xmlns:a16="http://schemas.microsoft.com/office/drawing/2014/main" id="{A09B31E3-01AB-F935-FB8C-8F91AD78A038}"/>
+                <a16:creationId xmlns:a16="http://schemas.microsoft.com/office/drawing/2014/main" id="{EDAFB433-DA30-A27F-F49E-5823D68441C6}"/>
               </a:ext>
             </a:extLst>
           </p:cNvPr>
@@ -4749,7 +4822,7 @@
           <a:p>
             <a:r>
               <a:rPr lang="fr-FR" dirty="0"/>
-              <a:t>Concours Commun Mines Ponts</a:t>
+              <a:t>Déroulé de l’épreuve</a:t>
             </a:r>
           </a:p>
         </p:txBody>
@@ -4759,7 +4832,7 @@
           <p:cNvPr id="3" name="Espace réservé du contenu 2">
             <a:extLst>
               <a:ext uri="{FF2B5EF4-FFF2-40B4-BE49-F238E27FC236}">
-                <a16:creationId xmlns:a16="http://schemas.microsoft.com/office/drawing/2014/main" id="{4868902B-CF04-07FB-9AE7-14DABF12DE9B}"/>
+                <a16:creationId xmlns:a16="http://schemas.microsoft.com/office/drawing/2014/main" id="{EDB73E94-7BB2-1058-7115-281F00257617}"/>
               </a:ext>
             </a:extLst>
           </p:cNvPr>
@@ -4770,26 +4843,27 @@
             <p:ph idx="1"/>
           </p:nvPr>
         </p:nvSpPr>
-        <p:spPr/>
-        <p:txBody>
-          <a:bodyPr/>
-          <a:lstStyle/>
-          <a:p>
-            <a:r>
-              <a:rPr lang="fr-FR" dirty="0"/>
-              <a:t>Epreuve : Epreuve mixte de Sciences Industrielles</a:t>
-            </a:r>
-          </a:p>
-          <a:p>
-            <a:r>
-              <a:rPr lang="fr-FR" dirty="0"/>
-              <a:t>Durée : 3 heures 30</a:t>
-            </a:r>
-          </a:p>
-          <a:p>
-            <a:r>
-              <a:rPr lang="fr-FR" dirty="0"/>
-              <a:t>Lieu : Mines de Paris, 66 boulevard Saint Michel, Paris</a:t>
+        <p:spPr>
+          <a:xfrm>
+            <a:off x="232229" y="1248228"/>
+            <a:ext cx="7839539" cy="5110161"/>
+          </a:xfrm>
+        </p:spPr>
+        <p:txBody>
+          <a:bodyPr>
+            <a:normAutofit fontScale="92500" lnSpcReduction="10000"/>
+          </a:bodyPr>
+          <a:lstStyle/>
+          <a:p>
+            <a:r>
+              <a:rPr lang="fr-FR" dirty="0"/>
+              <a:t>Présentation de l’épreuve via un diaporama</a:t>
+            </a:r>
+          </a:p>
+          <a:p>
+            <a:r>
+              <a:rPr lang="fr-FR" dirty="0"/>
+              <a:t>Un support de TP est tiré au sort (de façon visible par le candidat ? Ou non ?)</a:t>
             </a:r>
           </a:p>
           <a:p>
@@ -4798,27 +4872,56 @@
           <a:p>
             <a:r>
               <a:rPr lang="fr-FR" dirty="0"/>
-              <a:t>Remarque : </a:t>
+              <a:t>Organisation de l’épreuve par pôles</a:t>
             </a:r>
           </a:p>
           <a:p>
             <a:pPr lvl="1"/>
             <a:r>
               <a:rPr lang="fr-FR" dirty="0"/>
-              <a:t>L’épreuve mixte est une épreuve « tirée au sort ». Lorsque le candidat reçoit sa convocation, </a:t>
-            </a:r>
-            <a:r>
-              <a:rPr lang="fr-FR"/>
-              <a:t>il y est </a:t>
-            </a:r>
-            <a:r>
-              <a:rPr lang="fr-FR" dirty="0"/>
-              <a:t>indiqué TP PSI ou TP Physique (à Telecom Paris, </a:t>
-            </a:r>
-            <a:r>
-              <a:rPr lang="fr-FR"/>
-              <a:t>Palaiseau).</a:t>
-            </a:r>
+              <a:t>Pôle 1 : Découverte du système</a:t>
+            </a:r>
+          </a:p>
+          <a:p>
+            <a:pPr lvl="1"/>
+            <a:r>
+              <a:rPr lang="fr-FR" dirty="0"/>
+              <a:t>Pôles suivants : choisis par l’examinateur, chaque pôle permet de répondre à une problématique.</a:t>
+            </a:r>
+          </a:p>
+          <a:p>
+            <a:pPr lvl="1"/>
+            <a:endParaRPr lang="fr-FR" dirty="0"/>
+          </a:p>
+          <a:p>
+            <a:r>
+              <a:rPr lang="fr-FR" dirty="0"/>
+              <a:t>Evaluation </a:t>
+            </a:r>
+          </a:p>
+          <a:p>
+            <a:pPr lvl="1"/>
+            <a:r>
+              <a:rPr lang="fr-FR" dirty="0"/>
+              <a:t>Les examinateurs consignent régulièrement les échanges avec le candidat</a:t>
+            </a:r>
+          </a:p>
+          <a:p>
+            <a:pPr lvl="1"/>
+            <a:r>
+              <a:rPr lang="fr-FR" dirty="0"/>
+              <a:t>Les examinateurs délibèrent</a:t>
+            </a:r>
+          </a:p>
+          <a:p>
+            <a:pPr lvl="1"/>
+            <a:r>
+              <a:rPr lang="fr-FR" dirty="0"/>
+              <a:t>Correction du compte-rendu</a:t>
+            </a:r>
+          </a:p>
+          <a:p>
+            <a:pPr lvl="1"/>
             <a:endParaRPr lang="fr-FR" dirty="0"/>
           </a:p>
         </p:txBody>
@@ -4828,7 +4931,7 @@
           <p:cNvPr id="4" name="Espace réservé du pied de page 3">
             <a:extLst>
               <a:ext uri="{FF2B5EF4-FFF2-40B4-BE49-F238E27FC236}">
-                <a16:creationId xmlns:a16="http://schemas.microsoft.com/office/drawing/2014/main" id="{B7E3913A-446C-1E02-3DA5-0BE3BBA29D9D}"/>
+                <a16:creationId xmlns:a16="http://schemas.microsoft.com/office/drawing/2014/main" id="{3EFF286E-1C62-D77A-B296-3857FF206E18}"/>
               </a:ext>
             </a:extLst>
           </p:cNvPr>
@@ -4851,10 +4954,1316 @@
           </a:p>
         </p:txBody>
       </p:sp>
+      <p:pic>
+        <p:nvPicPr>
+          <p:cNvPr id="6" name="Image 5">
+            <a:extLst>
+              <a:ext uri="{FF2B5EF4-FFF2-40B4-BE49-F238E27FC236}">
+                <a16:creationId xmlns:a16="http://schemas.microsoft.com/office/drawing/2014/main" id="{27DE34E1-77B6-C48F-467E-2D44C70D955E}"/>
+              </a:ext>
+            </a:extLst>
+          </p:cNvPr>
+          <p:cNvPicPr>
+            <a:picLocks noChangeAspect="1"/>
+          </p:cNvPicPr>
+          <p:nvPr/>
+        </p:nvPicPr>
+        <p:blipFill>
+          <a:blip r:embed="rId2"/>
+          <a:stretch>
+            <a:fillRect/>
+          </a:stretch>
+        </p:blipFill>
+        <p:spPr>
+          <a:xfrm>
+            <a:off x="8071768" y="1889760"/>
+            <a:ext cx="4120232" cy="3597218"/>
+          </a:xfrm>
+          <a:prstGeom prst="rect">
+            <a:avLst/>
+          </a:prstGeom>
+        </p:spPr>
+      </p:pic>
+      <p:pic>
+        <p:nvPicPr>
+          <p:cNvPr id="7" name="Image 6">
+            <a:extLst>
+              <a:ext uri="{FF2B5EF4-FFF2-40B4-BE49-F238E27FC236}">
+                <a16:creationId xmlns:a16="http://schemas.microsoft.com/office/drawing/2014/main" id="{0601ABF6-CBE1-6E34-719B-8D70FD4A18C8}"/>
+              </a:ext>
+            </a:extLst>
+          </p:cNvPr>
+          <p:cNvPicPr>
+            <a:picLocks noChangeAspect="1"/>
+          </p:cNvPicPr>
+          <p:nvPr/>
+        </p:nvPicPr>
+        <p:blipFill>
+          <a:blip r:embed="rId3"/>
+          <a:stretch>
+            <a:fillRect/>
+          </a:stretch>
+        </p:blipFill>
+        <p:spPr>
+          <a:xfrm>
+            <a:off x="0" y="5831840"/>
+            <a:ext cx="860887" cy="1036319"/>
+          </a:xfrm>
+          <a:prstGeom prst="rect">
+            <a:avLst/>
+          </a:prstGeom>
+        </p:spPr>
+      </p:pic>
     </p:spTree>
     <p:extLst>
       <p:ext uri="{BB962C8B-B14F-4D97-AF65-F5344CB8AC3E}">
-        <p14:creationId xmlns:p14="http://schemas.microsoft.com/office/powerpoint/2010/main" val="1154396574"/>
+        <p14:creationId xmlns:p14="http://schemas.microsoft.com/office/powerpoint/2010/main" val="2135854740"/>
+      </p:ext>
+    </p:extLst>
+  </p:cSld>
+  <p:clrMapOvr>
+    <a:masterClrMapping/>
+  </p:clrMapOvr>
+</p:sld>
+</file>
+
+<file path=ppt/slides/slide15.xml><?xml version="1.0" encoding="utf-8"?>
+<p:sld xmlns:a="http://schemas.openxmlformats.org/drawingml/2006/main" xmlns:r="http://schemas.openxmlformats.org/officeDocument/2006/relationships" xmlns:p="http://schemas.openxmlformats.org/presentationml/2006/main">
+  <p:cSld>
+    <p:spTree>
+      <p:nvGrpSpPr>
+        <p:cNvPr id="1" name=""/>
+        <p:cNvGrpSpPr/>
+        <p:nvPr/>
+      </p:nvGrpSpPr>
+      <p:grpSpPr>
+        <a:xfrm>
+          <a:off x="0" y="0"/>
+          <a:ext cx="0" cy="0"/>
+          <a:chOff x="0" y="0"/>
+          <a:chExt cx="0" cy="0"/>
+        </a:xfrm>
+      </p:grpSpPr>
+      <p:sp>
+        <p:nvSpPr>
+          <p:cNvPr id="2" name="Titre 1">
+            <a:extLst>
+              <a:ext uri="{FF2B5EF4-FFF2-40B4-BE49-F238E27FC236}">
+                <a16:creationId xmlns:a16="http://schemas.microsoft.com/office/drawing/2014/main" id="{CBE4907F-968C-D0C2-3EDF-CEB733AFD3AF}"/>
+              </a:ext>
+            </a:extLst>
+          </p:cNvPr>
+          <p:cNvSpPr>
+            <a:spLocks noGrp="1"/>
+          </p:cNvSpPr>
+          <p:nvPr>
+            <p:ph type="title"/>
+          </p:nvPr>
+        </p:nvSpPr>
+        <p:spPr/>
+        <p:txBody>
+          <a:bodyPr/>
+          <a:lstStyle/>
+          <a:p>
+            <a:r>
+              <a:rPr lang="fr-FR" dirty="0"/>
+              <a:t>Constats 2021</a:t>
+            </a:r>
+          </a:p>
+        </p:txBody>
+      </p:sp>
+      <p:sp>
+        <p:nvSpPr>
+          <p:cNvPr id="3" name="Espace réservé du contenu 2">
+            <a:extLst>
+              <a:ext uri="{FF2B5EF4-FFF2-40B4-BE49-F238E27FC236}">
+                <a16:creationId xmlns:a16="http://schemas.microsoft.com/office/drawing/2014/main" id="{2351E0EF-6A42-F1D6-CB7D-559860AEBA3E}"/>
+              </a:ext>
+            </a:extLst>
+          </p:cNvPr>
+          <p:cNvSpPr>
+            <a:spLocks noGrp="1"/>
+          </p:cNvSpPr>
+          <p:nvPr>
+            <p:ph idx="1"/>
+          </p:nvPr>
+        </p:nvSpPr>
+        <p:spPr/>
+        <p:txBody>
+          <a:bodyPr/>
+          <a:lstStyle/>
+          <a:p>
+            <a:r>
+              <a:rPr lang="fr-FR" dirty="0"/>
+              <a:t>L’épreuve n’est pas une course aux pôles qui doivent être traités de façon exhaustive</a:t>
+            </a:r>
+          </a:p>
+          <a:p>
+            <a:r>
+              <a:rPr lang="fr-FR" dirty="0"/>
+              <a:t>Chaîne d’acquisition et systèmes à événements discrets mal maîtrisés</a:t>
+            </a:r>
+          </a:p>
+          <a:p>
+            <a:r>
+              <a:rPr lang="fr-FR" dirty="0"/>
+              <a:t>Avis critique sur les valeurs trouvées</a:t>
+            </a:r>
+          </a:p>
+        </p:txBody>
+      </p:sp>
+      <p:sp>
+        <p:nvSpPr>
+          <p:cNvPr id="4" name="Espace réservé du pied de page 3">
+            <a:extLst>
+              <a:ext uri="{FF2B5EF4-FFF2-40B4-BE49-F238E27FC236}">
+                <a16:creationId xmlns:a16="http://schemas.microsoft.com/office/drawing/2014/main" id="{28E44DEE-D414-9FB1-37DB-98098FF5D05C}"/>
+              </a:ext>
+            </a:extLst>
+          </p:cNvPr>
+          <p:cNvSpPr>
+            <a:spLocks noGrp="1"/>
+          </p:cNvSpPr>
+          <p:nvPr>
+            <p:ph type="ftr" sz="quarter" idx="11"/>
+          </p:nvPr>
+        </p:nvSpPr>
+        <p:spPr/>
+        <p:txBody>
+          <a:bodyPr/>
+          <a:lstStyle/>
+          <a:p>
+            <a:r>
+              <a:rPr lang="fr-FR"/>
+              <a:t>Xavier PESSOLES</a:t>
+            </a:r>
+          </a:p>
+        </p:txBody>
+      </p:sp>
+      <p:pic>
+        <p:nvPicPr>
+          <p:cNvPr id="5" name="Image 4">
+            <a:extLst>
+              <a:ext uri="{FF2B5EF4-FFF2-40B4-BE49-F238E27FC236}">
+                <a16:creationId xmlns:a16="http://schemas.microsoft.com/office/drawing/2014/main" id="{4DF80488-21D4-57AA-4C61-B54E379ED67C}"/>
+              </a:ext>
+            </a:extLst>
+          </p:cNvPr>
+          <p:cNvPicPr>
+            <a:picLocks noChangeAspect="1"/>
+          </p:cNvPicPr>
+          <p:nvPr/>
+        </p:nvPicPr>
+        <p:blipFill>
+          <a:blip r:embed="rId2"/>
+          <a:stretch>
+            <a:fillRect/>
+          </a:stretch>
+        </p:blipFill>
+        <p:spPr>
+          <a:xfrm>
+            <a:off x="0" y="5821680"/>
+            <a:ext cx="860887" cy="1036319"/>
+          </a:xfrm>
+          <a:prstGeom prst="rect">
+            <a:avLst/>
+          </a:prstGeom>
+        </p:spPr>
+      </p:pic>
+    </p:spTree>
+    <p:extLst>
+      <p:ext uri="{BB962C8B-B14F-4D97-AF65-F5344CB8AC3E}">
+        <p14:creationId xmlns:p14="http://schemas.microsoft.com/office/powerpoint/2010/main" val="3161187048"/>
+      </p:ext>
+    </p:extLst>
+  </p:cSld>
+  <p:clrMapOvr>
+    <a:masterClrMapping/>
+  </p:clrMapOvr>
+</p:sld>
+</file>
+
+<file path=ppt/slides/slide16.xml><?xml version="1.0" encoding="utf-8"?>
+<p:sld xmlns:a="http://schemas.openxmlformats.org/drawingml/2006/main" xmlns:r="http://schemas.openxmlformats.org/officeDocument/2006/relationships" xmlns:p="http://schemas.openxmlformats.org/presentationml/2006/main">
+  <p:cSld>
+    <p:spTree>
+      <p:nvGrpSpPr>
+        <p:cNvPr id="1" name=""/>
+        <p:cNvGrpSpPr/>
+        <p:nvPr/>
+      </p:nvGrpSpPr>
+      <p:grpSpPr>
+        <a:xfrm>
+          <a:off x="0" y="0"/>
+          <a:ext cx="0" cy="0"/>
+          <a:chOff x="0" y="0"/>
+          <a:chExt cx="0" cy="0"/>
+        </a:xfrm>
+      </p:grpSpPr>
+      <p:sp>
+        <p:nvSpPr>
+          <p:cNvPr id="2" name="Titre 1">
+            <a:extLst>
+              <a:ext uri="{FF2B5EF4-FFF2-40B4-BE49-F238E27FC236}">
+                <a16:creationId xmlns:a16="http://schemas.microsoft.com/office/drawing/2014/main" id="{D250C392-AB33-6A70-CF5B-CC853D18ECF1}"/>
+              </a:ext>
+            </a:extLst>
+          </p:cNvPr>
+          <p:cNvSpPr>
+            <a:spLocks noGrp="1"/>
+          </p:cNvSpPr>
+          <p:nvPr>
+            <p:ph type="title"/>
+          </p:nvPr>
+        </p:nvSpPr>
+        <p:spPr/>
+        <p:txBody>
+          <a:bodyPr/>
+          <a:lstStyle/>
+          <a:p>
+            <a:r>
+              <a:rPr lang="fr-FR" dirty="0"/>
+              <a:t>Conseils 2022</a:t>
+            </a:r>
+          </a:p>
+        </p:txBody>
+      </p:sp>
+      <p:sp>
+        <p:nvSpPr>
+          <p:cNvPr id="3" name="Espace réservé du contenu 2">
+            <a:extLst>
+              <a:ext uri="{FF2B5EF4-FFF2-40B4-BE49-F238E27FC236}">
+                <a16:creationId xmlns:a16="http://schemas.microsoft.com/office/drawing/2014/main" id="{F8301EBC-1329-F572-A970-B3F1C3967A0E}"/>
+              </a:ext>
+            </a:extLst>
+          </p:cNvPr>
+          <p:cNvSpPr>
+            <a:spLocks noGrp="1"/>
+          </p:cNvSpPr>
+          <p:nvPr>
+            <p:ph idx="1"/>
+          </p:nvPr>
+        </p:nvSpPr>
+        <p:spPr/>
+        <p:txBody>
+          <a:bodyPr>
+            <a:normAutofit lnSpcReduction="10000"/>
+          </a:bodyPr>
+          <a:lstStyle/>
+          <a:p>
+            <a:r>
+              <a:rPr lang="fr-FR" dirty="0"/>
+              <a:t>Maîtriser la lecture des diagrammes </a:t>
+            </a:r>
+            <a:r>
+              <a:rPr lang="fr-FR" dirty="0" err="1"/>
+              <a:t>SysML</a:t>
+            </a:r>
+            <a:endParaRPr lang="fr-FR" dirty="0"/>
+          </a:p>
+          <a:p>
+            <a:r>
+              <a:rPr lang="fr-FR" dirty="0"/>
+              <a:t>Maîtriser la représentation des chaînes d’énergie et d’information</a:t>
+            </a:r>
+          </a:p>
+          <a:p>
+            <a:r>
+              <a:rPr lang="fr-FR" dirty="0"/>
+              <a:t>Culture des composants (potentiomètres, codeurs …)</a:t>
+            </a:r>
+          </a:p>
+          <a:p>
+            <a:endParaRPr lang="fr-FR" dirty="0"/>
+          </a:p>
+          <a:p>
+            <a:r>
+              <a:rPr lang="fr-FR" dirty="0"/>
+              <a:t>Observer le système (et pas juste l’interface logicielle)</a:t>
+            </a:r>
+          </a:p>
+          <a:p>
+            <a:r>
+              <a:rPr lang="fr-FR" dirty="0"/>
+              <a:t>Mettre en œuvre les logiciels fondamentaux (lesquels ?)</a:t>
+            </a:r>
+          </a:p>
+          <a:p>
+            <a:r>
+              <a:rPr lang="fr-FR" dirty="0"/>
+              <a:t>Exploiter les courbes imprimées</a:t>
+            </a:r>
+          </a:p>
+          <a:p>
+            <a:pPr lvl="1"/>
+            <a:r>
+              <a:rPr lang="fr-FR" dirty="0"/>
+              <a:t>Analyser les variations, mettre en évidence les grandeurs extraites</a:t>
+            </a:r>
+          </a:p>
+          <a:p>
+            <a:r>
+              <a:rPr lang="fr-FR" dirty="0"/>
+              <a:t>Confronter les résultats expérimentaux et ceux issus de la simulation</a:t>
+            </a:r>
+          </a:p>
+          <a:p>
+            <a:endParaRPr lang="fr-FR" dirty="0"/>
+          </a:p>
+          <a:p>
+            <a:r>
+              <a:rPr lang="fr-FR" dirty="0"/>
+              <a:t>Faire de beaux et gros schémas cinématiques paramétrés</a:t>
+            </a:r>
+          </a:p>
+          <a:p>
+            <a:endParaRPr lang="fr-FR" dirty="0"/>
+          </a:p>
+          <a:p>
+            <a:endParaRPr lang="fr-FR" dirty="0"/>
+          </a:p>
+        </p:txBody>
+      </p:sp>
+      <p:sp>
+        <p:nvSpPr>
+          <p:cNvPr id="4" name="Espace réservé du pied de page 3">
+            <a:extLst>
+              <a:ext uri="{FF2B5EF4-FFF2-40B4-BE49-F238E27FC236}">
+                <a16:creationId xmlns:a16="http://schemas.microsoft.com/office/drawing/2014/main" id="{75999B69-2DE1-CA9C-B45B-895D531BF637}"/>
+              </a:ext>
+            </a:extLst>
+          </p:cNvPr>
+          <p:cNvSpPr>
+            <a:spLocks noGrp="1"/>
+          </p:cNvSpPr>
+          <p:nvPr>
+            <p:ph type="ftr" sz="quarter" idx="11"/>
+          </p:nvPr>
+        </p:nvSpPr>
+        <p:spPr/>
+        <p:txBody>
+          <a:bodyPr/>
+          <a:lstStyle/>
+          <a:p>
+            <a:r>
+              <a:rPr lang="fr-FR"/>
+              <a:t>Xavier PESSOLES</a:t>
+            </a:r>
+          </a:p>
+        </p:txBody>
+      </p:sp>
+      <p:pic>
+        <p:nvPicPr>
+          <p:cNvPr id="5" name="Image 4">
+            <a:extLst>
+              <a:ext uri="{FF2B5EF4-FFF2-40B4-BE49-F238E27FC236}">
+                <a16:creationId xmlns:a16="http://schemas.microsoft.com/office/drawing/2014/main" id="{DDF9F367-B31C-4E79-0211-4DCF3E33F3BD}"/>
+              </a:ext>
+            </a:extLst>
+          </p:cNvPr>
+          <p:cNvPicPr>
+            <a:picLocks noChangeAspect="1"/>
+          </p:cNvPicPr>
+          <p:nvPr/>
+        </p:nvPicPr>
+        <p:blipFill>
+          <a:blip r:embed="rId2"/>
+          <a:stretch>
+            <a:fillRect/>
+          </a:stretch>
+        </p:blipFill>
+        <p:spPr>
+          <a:xfrm>
+            <a:off x="0" y="5821680"/>
+            <a:ext cx="860887" cy="1036319"/>
+          </a:xfrm>
+          <a:prstGeom prst="rect">
+            <a:avLst/>
+          </a:prstGeom>
+        </p:spPr>
+      </p:pic>
+    </p:spTree>
+    <p:extLst>
+      <p:ext uri="{BB962C8B-B14F-4D97-AF65-F5344CB8AC3E}">
+        <p14:creationId xmlns:p14="http://schemas.microsoft.com/office/powerpoint/2010/main" val="822243264"/>
+      </p:ext>
+    </p:extLst>
+  </p:cSld>
+  <p:clrMapOvr>
+    <a:masterClrMapping/>
+  </p:clrMapOvr>
+</p:sld>
+</file>
+
+<file path=ppt/slides/slide17.xml><?xml version="1.0" encoding="utf-8"?>
+<p:sld xmlns:a="http://schemas.openxmlformats.org/drawingml/2006/main" xmlns:r="http://schemas.openxmlformats.org/officeDocument/2006/relationships" xmlns:p="http://schemas.openxmlformats.org/presentationml/2006/main">
+  <p:cSld>
+    <p:spTree>
+      <p:nvGrpSpPr>
+        <p:cNvPr id="1" name=""/>
+        <p:cNvGrpSpPr/>
+        <p:nvPr/>
+      </p:nvGrpSpPr>
+      <p:grpSpPr>
+        <a:xfrm>
+          <a:off x="0" y="0"/>
+          <a:ext cx="0" cy="0"/>
+          <a:chOff x="0" y="0"/>
+          <a:chExt cx="0" cy="0"/>
+        </a:xfrm>
+      </p:grpSpPr>
+      <p:sp>
+        <p:nvSpPr>
+          <p:cNvPr id="2" name="Titre 1">
+            <a:extLst>
+              <a:ext uri="{FF2B5EF4-FFF2-40B4-BE49-F238E27FC236}">
+                <a16:creationId xmlns:a16="http://schemas.microsoft.com/office/drawing/2014/main" id="{A92131F1-7DCA-EA6F-E3D3-017D1CF9E6DA}"/>
+              </a:ext>
+            </a:extLst>
+          </p:cNvPr>
+          <p:cNvSpPr>
+            <a:spLocks noGrp="1"/>
+          </p:cNvSpPr>
+          <p:nvPr>
+            <p:ph type="title"/>
+          </p:nvPr>
+        </p:nvSpPr>
+        <p:spPr/>
+        <p:txBody>
+          <a:bodyPr/>
+          <a:lstStyle/>
+          <a:p>
+            <a:r>
+              <a:rPr lang="fr-FR" dirty="0" err="1"/>
+              <a:t>CCINP</a:t>
+            </a:r>
+            <a:endParaRPr lang="fr-FR" dirty="0"/>
+          </a:p>
+        </p:txBody>
+      </p:sp>
+      <p:sp>
+        <p:nvSpPr>
+          <p:cNvPr id="3" name="Espace réservé du contenu 2">
+            <a:extLst>
+              <a:ext uri="{FF2B5EF4-FFF2-40B4-BE49-F238E27FC236}">
+                <a16:creationId xmlns:a16="http://schemas.microsoft.com/office/drawing/2014/main" id="{005E30A0-B478-0D21-AC19-299D61920C7D}"/>
+              </a:ext>
+            </a:extLst>
+          </p:cNvPr>
+          <p:cNvSpPr>
+            <a:spLocks noGrp="1"/>
+          </p:cNvSpPr>
+          <p:nvPr>
+            <p:ph idx="1"/>
+          </p:nvPr>
+        </p:nvSpPr>
+        <p:spPr/>
+        <p:txBody>
+          <a:bodyPr/>
+          <a:lstStyle/>
+          <a:p>
+            <a:r>
+              <a:rPr lang="fr-FR" dirty="0"/>
+              <a:t>Epreuve : TP de Sciences Industrielles de l’Ingénieur</a:t>
+            </a:r>
+          </a:p>
+          <a:p>
+            <a:r>
+              <a:rPr lang="fr-FR" dirty="0"/>
+              <a:t>Durée : 1h45 – 2h </a:t>
+            </a:r>
+          </a:p>
+          <a:p>
+            <a:r>
+              <a:rPr lang="fr-FR" dirty="0"/>
+              <a:t>Lieu : 2021 : lycée Chaptal (Paris)</a:t>
+            </a:r>
+          </a:p>
+          <a:p>
+            <a:r>
+              <a:rPr lang="fr-FR" dirty="0"/>
+              <a:t>Examinateur 1</a:t>
+            </a:r>
+          </a:p>
+          <a:p>
+            <a:r>
+              <a:rPr lang="fr-FR" dirty="0"/>
+              <a:t>Supports (2021)</a:t>
+            </a:r>
+          </a:p>
+          <a:p>
+            <a:endParaRPr lang="fr-FR" dirty="0"/>
+          </a:p>
+          <a:p>
+            <a:endParaRPr lang="fr-FR" dirty="0"/>
+          </a:p>
+        </p:txBody>
+      </p:sp>
+      <p:sp>
+        <p:nvSpPr>
+          <p:cNvPr id="4" name="Espace réservé du pied de page 3">
+            <a:extLst>
+              <a:ext uri="{FF2B5EF4-FFF2-40B4-BE49-F238E27FC236}">
+                <a16:creationId xmlns:a16="http://schemas.microsoft.com/office/drawing/2014/main" id="{C4857459-C03F-9D68-7550-BC169E4436FC}"/>
+              </a:ext>
+            </a:extLst>
+          </p:cNvPr>
+          <p:cNvSpPr>
+            <a:spLocks noGrp="1"/>
+          </p:cNvSpPr>
+          <p:nvPr>
+            <p:ph type="ftr" sz="quarter" idx="11"/>
+          </p:nvPr>
+        </p:nvSpPr>
+        <p:spPr/>
+        <p:txBody>
+          <a:bodyPr/>
+          <a:lstStyle/>
+          <a:p>
+            <a:r>
+              <a:rPr lang="fr-FR"/>
+              <a:t>Xavier PESSOLES</a:t>
+            </a:r>
+          </a:p>
+        </p:txBody>
+      </p:sp>
+      <p:sp>
+        <p:nvSpPr>
+          <p:cNvPr id="5" name="ZoneTexte 4">
+            <a:extLst>
+              <a:ext uri="{FF2B5EF4-FFF2-40B4-BE49-F238E27FC236}">
+                <a16:creationId xmlns:a16="http://schemas.microsoft.com/office/drawing/2014/main" id="{4FED2240-D0D5-10AE-BE80-670F2CC17F00}"/>
+              </a:ext>
+            </a:extLst>
+          </p:cNvPr>
+          <p:cNvSpPr txBox="1"/>
+          <p:nvPr/>
+        </p:nvSpPr>
+        <p:spPr>
+          <a:xfrm>
+            <a:off x="914400" y="3803308"/>
+            <a:ext cx="10718800" cy="2031325"/>
+          </a:xfrm>
+          <a:prstGeom prst="rect">
+            <a:avLst/>
+          </a:prstGeom>
+          <a:noFill/>
+        </p:spPr>
+        <p:txBody>
+          <a:bodyPr wrap="square" numCol="2" rtlCol="0">
+            <a:spAutoFit/>
+          </a:bodyPr>
+          <a:lstStyle/>
+          <a:p>
+            <a:pPr marL="285750" indent="-285750">
+              <a:buFont typeface="Arial" panose="020B0604020202020204" pitchFamily="34" charset="0"/>
+              <a:buChar char="•"/>
+            </a:pPr>
+            <a:r>
+              <a:rPr lang="fr-FR" dirty="0"/>
+              <a:t>automate de prélèvement sanguin ;</a:t>
+            </a:r>
+          </a:p>
+          <a:p>
+            <a:pPr marL="285750" indent="-285750">
+              <a:buFont typeface="Arial" panose="020B0604020202020204" pitchFamily="34" charset="0"/>
+              <a:buChar char="•"/>
+            </a:pPr>
+            <a:r>
+              <a:rPr lang="fr-FR" dirty="0"/>
+              <a:t>cordeuse de raquettes ;</a:t>
+            </a:r>
+          </a:p>
+          <a:p>
+            <a:pPr marL="285750" indent="-285750">
+              <a:buFont typeface="Arial" panose="020B0604020202020204" pitchFamily="34" charset="0"/>
+              <a:buChar char="•"/>
+            </a:pPr>
+            <a:r>
+              <a:rPr lang="fr-FR" dirty="0" err="1"/>
+              <a:t>drône</a:t>
+            </a:r>
+            <a:r>
+              <a:rPr lang="fr-FR" dirty="0"/>
+              <a:t> ;</a:t>
+            </a:r>
+          </a:p>
+          <a:p>
+            <a:pPr marL="285750" indent="-285750">
+              <a:buFont typeface="Arial" panose="020B0604020202020204" pitchFamily="34" charset="0"/>
+              <a:buChar char="•"/>
+            </a:pPr>
+            <a:r>
+              <a:rPr lang="fr-FR" dirty="0"/>
+              <a:t>berceur d’enfant automatisé ;</a:t>
+            </a:r>
+          </a:p>
+          <a:p>
+            <a:pPr marL="285750" indent="-285750">
+              <a:buFont typeface="Arial" panose="020B0604020202020204" pitchFamily="34" charset="0"/>
+              <a:buChar char="•"/>
+            </a:pPr>
+            <a:r>
+              <a:rPr lang="fr-FR" dirty="0"/>
+              <a:t>cheville de robot humanoïde ;</a:t>
+            </a:r>
+          </a:p>
+          <a:p>
+            <a:pPr marL="285750" indent="-285750">
+              <a:buFont typeface="Arial" panose="020B0604020202020204" pitchFamily="34" charset="0"/>
+              <a:buChar char="•"/>
+            </a:pPr>
+            <a:r>
+              <a:rPr lang="fr-FR" dirty="0"/>
+              <a:t>robot NAO ;</a:t>
+            </a:r>
+          </a:p>
+          <a:p>
+            <a:pPr marL="285750" indent="-285750">
+              <a:buFont typeface="Arial" panose="020B0604020202020204" pitchFamily="34" charset="0"/>
+              <a:buChar char="•"/>
+            </a:pPr>
+            <a:r>
+              <a:rPr lang="fr-FR" dirty="0"/>
+              <a:t>robot </a:t>
+            </a:r>
+            <a:r>
+              <a:rPr lang="fr-FR" dirty="0" err="1"/>
+              <a:t>Maxpid</a:t>
+            </a:r>
+            <a:r>
+              <a:rPr lang="fr-FR" dirty="0"/>
+              <a:t> ;</a:t>
+            </a:r>
+          </a:p>
+          <a:p>
+            <a:pPr marL="285750" indent="-285750">
+              <a:buFont typeface="Arial" panose="020B0604020202020204" pitchFamily="34" charset="0"/>
+              <a:buChar char="•"/>
+            </a:pPr>
+            <a:r>
+              <a:rPr lang="fr-FR" dirty="0"/>
+              <a:t>barrière de péage automatique </a:t>
+            </a:r>
+            <a:r>
+              <a:rPr lang="fr-FR" dirty="0" err="1"/>
+              <a:t>Sympact</a:t>
+            </a:r>
+            <a:r>
+              <a:rPr lang="fr-FR" dirty="0"/>
+              <a:t> ;</a:t>
+            </a:r>
+          </a:p>
+          <a:p>
+            <a:pPr marL="285750" indent="-285750">
+              <a:buFont typeface="Arial" panose="020B0604020202020204" pitchFamily="34" charset="0"/>
+              <a:buChar char="•"/>
+            </a:pPr>
+            <a:r>
+              <a:rPr lang="fr-FR" dirty="0"/>
+              <a:t>robot Jockey ;</a:t>
+            </a:r>
+          </a:p>
+          <a:p>
+            <a:pPr marL="285750" indent="-285750">
+              <a:buFont typeface="Arial" panose="020B0604020202020204" pitchFamily="34" charset="0"/>
+              <a:buChar char="•"/>
+            </a:pPr>
+            <a:r>
+              <a:rPr lang="fr-FR" dirty="0"/>
+              <a:t>axe linéaire horizontal asservi </a:t>
+            </a:r>
+            <a:r>
+              <a:rPr lang="fr-FR" dirty="0" err="1"/>
+              <a:t>Control’X</a:t>
+            </a:r>
+            <a:endParaRPr lang="fr-FR" dirty="0"/>
+          </a:p>
+          <a:p>
+            <a:pPr marL="285750" indent="-285750">
+              <a:buFont typeface="Arial" panose="020B0604020202020204" pitchFamily="34" charset="0"/>
+              <a:buChar char="•"/>
+            </a:pPr>
+            <a:r>
+              <a:rPr lang="fr-FR" dirty="0"/>
+              <a:t>trieuse de pièces ;</a:t>
+            </a:r>
+          </a:p>
+          <a:p>
+            <a:pPr marL="285750" indent="-285750">
+              <a:buFont typeface="Arial" panose="020B0604020202020204" pitchFamily="34" charset="0"/>
+              <a:buChar char="•"/>
+            </a:pPr>
+            <a:r>
+              <a:rPr lang="fr-FR" dirty="0"/>
+              <a:t>robot Haptique ;</a:t>
+            </a:r>
+          </a:p>
+          <a:p>
+            <a:pPr marL="285750" indent="-285750">
+              <a:buFont typeface="Arial" panose="020B0604020202020204" pitchFamily="34" charset="0"/>
+              <a:buChar char="•"/>
+            </a:pPr>
+            <a:r>
+              <a:rPr lang="fr-FR" dirty="0"/>
+              <a:t>mini robot Darwin ;</a:t>
+            </a:r>
+          </a:p>
+          <a:p>
+            <a:pPr marL="285750" indent="-285750">
+              <a:buFont typeface="Arial" panose="020B0604020202020204" pitchFamily="34" charset="0"/>
+              <a:buChar char="•"/>
+            </a:pPr>
+            <a:r>
+              <a:rPr lang="fr-FR" dirty="0"/>
+              <a:t>banc moteur industriel à courant continu.</a:t>
+            </a:r>
+          </a:p>
+        </p:txBody>
+      </p:sp>
+    </p:spTree>
+    <p:extLst>
+      <p:ext uri="{BB962C8B-B14F-4D97-AF65-F5344CB8AC3E}">
+        <p14:creationId xmlns:p14="http://schemas.microsoft.com/office/powerpoint/2010/main" val="2779144685"/>
+      </p:ext>
+    </p:extLst>
+  </p:cSld>
+  <p:clrMapOvr>
+    <a:masterClrMapping/>
+  </p:clrMapOvr>
+</p:sld>
+</file>
+
+<file path=ppt/slides/slide18.xml><?xml version="1.0" encoding="utf-8"?>
+<p:sld xmlns:a="http://schemas.openxmlformats.org/drawingml/2006/main" xmlns:r="http://schemas.openxmlformats.org/officeDocument/2006/relationships" xmlns:p="http://schemas.openxmlformats.org/presentationml/2006/main">
+  <p:cSld>
+    <p:spTree>
+      <p:nvGrpSpPr>
+        <p:cNvPr id="1" name=""/>
+        <p:cNvGrpSpPr/>
+        <p:nvPr/>
+      </p:nvGrpSpPr>
+      <p:grpSpPr>
+        <a:xfrm>
+          <a:off x="0" y="0"/>
+          <a:ext cx="0" cy="0"/>
+          <a:chOff x="0" y="0"/>
+          <a:chExt cx="0" cy="0"/>
+        </a:xfrm>
+      </p:grpSpPr>
+      <p:sp>
+        <p:nvSpPr>
+          <p:cNvPr id="2" name="Titre 1">
+            <a:extLst>
+              <a:ext uri="{FF2B5EF4-FFF2-40B4-BE49-F238E27FC236}">
+                <a16:creationId xmlns:a16="http://schemas.microsoft.com/office/drawing/2014/main" id="{F7C275E8-893D-A399-5920-0CC3FE7BDB46}"/>
+              </a:ext>
+            </a:extLst>
+          </p:cNvPr>
+          <p:cNvSpPr>
+            <a:spLocks noGrp="1"/>
+          </p:cNvSpPr>
+          <p:nvPr>
+            <p:ph type="title"/>
+          </p:nvPr>
+        </p:nvSpPr>
+        <p:spPr/>
+        <p:txBody>
+          <a:bodyPr/>
+          <a:lstStyle/>
+          <a:p>
+            <a:r>
+              <a:rPr lang="fr-FR" dirty="0"/>
+              <a:t>Déroulé de l’épreuve</a:t>
+            </a:r>
+          </a:p>
+        </p:txBody>
+      </p:sp>
+      <p:sp>
+        <p:nvSpPr>
+          <p:cNvPr id="3" name="Espace réservé du contenu 2">
+            <a:extLst>
+              <a:ext uri="{FF2B5EF4-FFF2-40B4-BE49-F238E27FC236}">
+                <a16:creationId xmlns:a16="http://schemas.microsoft.com/office/drawing/2014/main" id="{435EC620-4562-D834-E1E1-8C7CA932F564}"/>
+              </a:ext>
+            </a:extLst>
+          </p:cNvPr>
+          <p:cNvSpPr>
+            <a:spLocks noGrp="1"/>
+          </p:cNvSpPr>
+          <p:nvPr>
+            <p:ph idx="1"/>
+          </p:nvPr>
+        </p:nvSpPr>
+        <p:spPr>
+          <a:xfrm>
+            <a:off x="232229" y="1248228"/>
+            <a:ext cx="7113451" cy="5110161"/>
+          </a:xfrm>
+        </p:spPr>
+        <p:txBody>
+          <a:bodyPr>
+            <a:normAutofit fontScale="92500"/>
+          </a:bodyPr>
+          <a:lstStyle/>
+          <a:p>
+            <a:r>
+              <a:rPr lang="fr-FR" dirty="0"/>
+              <a:t>L’environnement du candidat est constitué des éléments suivants :</a:t>
+            </a:r>
+          </a:p>
+          <a:p>
+            <a:pPr lvl="1"/>
+            <a:r>
+              <a:rPr lang="fr-FR" dirty="0"/>
+              <a:t>un système réel instrumenté équipé d’un dispositif d’acquisition de mesures relié à un ordinateur ;</a:t>
+            </a:r>
+          </a:p>
+          <a:p>
+            <a:pPr lvl="1"/>
+            <a:r>
+              <a:rPr lang="fr-FR" dirty="0"/>
+              <a:t>un ordinateur équipé de logiciels de pilotage et de simulation ;</a:t>
+            </a:r>
+          </a:p>
+          <a:p>
+            <a:pPr lvl="1"/>
+            <a:r>
+              <a:rPr lang="fr-FR" dirty="0"/>
+              <a:t>les modèles numériques complets ou partiels du système ;</a:t>
+            </a:r>
+          </a:p>
+          <a:p>
+            <a:pPr lvl="1"/>
+            <a:r>
+              <a:rPr lang="fr-FR" dirty="0"/>
+              <a:t>du matériel permettant d’effectuer des mesures externes si nécessaire (multimètre, tachymètre, oscilloscope…) ;</a:t>
+            </a:r>
+          </a:p>
+          <a:p>
+            <a:pPr lvl="1"/>
+            <a:r>
+              <a:rPr lang="fr-FR" dirty="0"/>
+              <a:t>un dossier présentant le système et contenant les informations nécessaires à l’utilisation des logiciels ;</a:t>
+            </a:r>
+          </a:p>
+          <a:p>
+            <a:pPr lvl="1"/>
+            <a:r>
+              <a:rPr lang="fr-FR" dirty="0"/>
+              <a:t>un sujet présentant la démarche et les questions posées au candidat.</a:t>
+            </a:r>
+          </a:p>
+        </p:txBody>
+      </p:sp>
+      <p:sp>
+        <p:nvSpPr>
+          <p:cNvPr id="4" name="Espace réservé du pied de page 3">
+            <a:extLst>
+              <a:ext uri="{FF2B5EF4-FFF2-40B4-BE49-F238E27FC236}">
+                <a16:creationId xmlns:a16="http://schemas.microsoft.com/office/drawing/2014/main" id="{2B627BB4-659E-522B-0026-3253EDE0B7EE}"/>
+              </a:ext>
+            </a:extLst>
+          </p:cNvPr>
+          <p:cNvSpPr>
+            <a:spLocks noGrp="1"/>
+          </p:cNvSpPr>
+          <p:nvPr>
+            <p:ph type="ftr" sz="quarter" idx="11"/>
+          </p:nvPr>
+        </p:nvSpPr>
+        <p:spPr/>
+        <p:txBody>
+          <a:bodyPr/>
+          <a:lstStyle/>
+          <a:p>
+            <a:r>
+              <a:rPr lang="fr-FR"/>
+              <a:t>Xavier PESSOLES</a:t>
+            </a:r>
+          </a:p>
+        </p:txBody>
+      </p:sp>
+      <p:sp>
+        <p:nvSpPr>
+          <p:cNvPr id="5" name="Espace réservé du contenu 2">
+            <a:extLst>
+              <a:ext uri="{FF2B5EF4-FFF2-40B4-BE49-F238E27FC236}">
+                <a16:creationId xmlns:a16="http://schemas.microsoft.com/office/drawing/2014/main" id="{6604ADF6-2D3C-74D3-B28B-913C59FC42B9}"/>
+              </a:ext>
+            </a:extLst>
+          </p:cNvPr>
+          <p:cNvSpPr txBox="1">
+            <a:spLocks/>
+          </p:cNvSpPr>
+          <p:nvPr/>
+        </p:nvSpPr>
+        <p:spPr>
+          <a:xfrm>
+            <a:off x="7223760" y="1248227"/>
+            <a:ext cx="4571982" cy="5110161"/>
+          </a:xfrm>
+          <a:prstGeom prst="rect">
+            <a:avLst/>
+          </a:prstGeom>
+        </p:spPr>
+        <p:txBody>
+          <a:bodyPr vert="horz" lIns="91440" tIns="45720" rIns="91440" bIns="45720" rtlCol="0">
+            <a:normAutofit/>
+          </a:bodyPr>
+          <a:lstStyle>
+            <a:lvl1pPr marL="228600" indent="-228600" algn="l" defTabSz="914400" rtl="0" eaLnBrk="1" latinLnBrk="0" hangingPunct="1">
+              <a:lnSpc>
+                <a:spcPct val="90000"/>
+              </a:lnSpc>
+              <a:spcBef>
+                <a:spcPts val="1000"/>
+              </a:spcBef>
+              <a:buFont typeface="Arial" panose="020B0604020202020204" pitchFamily="34" charset="0"/>
+              <a:buChar char="•"/>
+              <a:defRPr sz="2800" kern="1200">
+                <a:solidFill>
+                  <a:schemeClr val="tx1"/>
+                </a:solidFill>
+                <a:latin typeface="+mn-lt"/>
+                <a:ea typeface="+mn-ea"/>
+                <a:cs typeface="+mn-cs"/>
+              </a:defRPr>
+            </a:lvl1pPr>
+            <a:lvl2pPr marL="685800" indent="-228600" algn="l" defTabSz="914400" rtl="0" eaLnBrk="1" latinLnBrk="0" hangingPunct="1">
+              <a:lnSpc>
+                <a:spcPct val="90000"/>
+              </a:lnSpc>
+              <a:spcBef>
+                <a:spcPts val="500"/>
+              </a:spcBef>
+              <a:buFont typeface="Arial" panose="020B0604020202020204" pitchFamily="34" charset="0"/>
+              <a:buChar char="•"/>
+              <a:defRPr sz="2400" kern="1200">
+                <a:solidFill>
+                  <a:schemeClr val="tx1"/>
+                </a:solidFill>
+                <a:latin typeface="+mn-lt"/>
+                <a:ea typeface="+mn-ea"/>
+                <a:cs typeface="+mn-cs"/>
+              </a:defRPr>
+            </a:lvl2pPr>
+            <a:lvl3pPr marL="1143000" indent="-228600" algn="l" defTabSz="914400" rtl="0" eaLnBrk="1" latinLnBrk="0" hangingPunct="1">
+              <a:lnSpc>
+                <a:spcPct val="90000"/>
+              </a:lnSpc>
+              <a:spcBef>
+                <a:spcPts val="500"/>
+              </a:spcBef>
+              <a:buFont typeface="Arial" panose="020B0604020202020204" pitchFamily="34" charset="0"/>
+              <a:buChar char="•"/>
+              <a:defRPr sz="2000" kern="1200">
+                <a:solidFill>
+                  <a:schemeClr val="tx1"/>
+                </a:solidFill>
+                <a:latin typeface="+mn-lt"/>
+                <a:ea typeface="+mn-ea"/>
+                <a:cs typeface="+mn-cs"/>
+              </a:defRPr>
+            </a:lvl3pPr>
+            <a:lvl4pPr marL="1600200" indent="-228600" algn="l" defTabSz="914400" rtl="0" eaLnBrk="1" latinLnBrk="0" hangingPunct="1">
+              <a:lnSpc>
+                <a:spcPct val="90000"/>
+              </a:lnSpc>
+              <a:spcBef>
+                <a:spcPts val="500"/>
+              </a:spcBef>
+              <a:buFont typeface="Arial" panose="020B0604020202020204" pitchFamily="34" charset="0"/>
+              <a:buChar char="•"/>
+              <a:defRPr sz="1800" kern="1200">
+                <a:solidFill>
+                  <a:schemeClr val="tx1"/>
+                </a:solidFill>
+                <a:latin typeface="+mn-lt"/>
+                <a:ea typeface="+mn-ea"/>
+                <a:cs typeface="+mn-cs"/>
+              </a:defRPr>
+            </a:lvl4pPr>
+            <a:lvl5pPr marL="2057400" indent="-228600" algn="l" defTabSz="914400" rtl="0" eaLnBrk="1" latinLnBrk="0" hangingPunct="1">
+              <a:lnSpc>
+                <a:spcPct val="90000"/>
+              </a:lnSpc>
+              <a:spcBef>
+                <a:spcPts val="500"/>
+              </a:spcBef>
+              <a:buFont typeface="Arial" panose="020B0604020202020204" pitchFamily="34" charset="0"/>
+              <a:buChar char="•"/>
+              <a:defRPr sz="1800" kern="1200">
+                <a:solidFill>
+                  <a:schemeClr val="tx1"/>
+                </a:solidFill>
+                <a:latin typeface="+mn-lt"/>
+                <a:ea typeface="+mn-ea"/>
+                <a:cs typeface="+mn-cs"/>
+              </a:defRPr>
+            </a:lvl5pPr>
+            <a:lvl6pPr marL="2514600" indent="-228600" algn="l" defTabSz="914400" rtl="0" eaLnBrk="1" latinLnBrk="0" hangingPunct="1">
+              <a:lnSpc>
+                <a:spcPct val="90000"/>
+              </a:lnSpc>
+              <a:spcBef>
+                <a:spcPts val="500"/>
+              </a:spcBef>
+              <a:buFont typeface="Arial" panose="020B0604020202020204" pitchFamily="34" charset="0"/>
+              <a:buChar char="•"/>
+              <a:defRPr sz="1800" kern="1200">
+                <a:solidFill>
+                  <a:schemeClr val="tx1"/>
+                </a:solidFill>
+                <a:latin typeface="+mn-lt"/>
+                <a:ea typeface="+mn-ea"/>
+                <a:cs typeface="+mn-cs"/>
+              </a:defRPr>
+            </a:lvl6pPr>
+            <a:lvl7pPr marL="2971800" indent="-228600" algn="l" defTabSz="914400" rtl="0" eaLnBrk="1" latinLnBrk="0" hangingPunct="1">
+              <a:lnSpc>
+                <a:spcPct val="90000"/>
+              </a:lnSpc>
+              <a:spcBef>
+                <a:spcPts val="500"/>
+              </a:spcBef>
+              <a:buFont typeface="Arial" panose="020B0604020202020204" pitchFamily="34" charset="0"/>
+              <a:buChar char="•"/>
+              <a:defRPr sz="1800" kern="1200">
+                <a:solidFill>
+                  <a:schemeClr val="tx1"/>
+                </a:solidFill>
+                <a:latin typeface="+mn-lt"/>
+                <a:ea typeface="+mn-ea"/>
+                <a:cs typeface="+mn-cs"/>
+              </a:defRPr>
+            </a:lvl7pPr>
+            <a:lvl8pPr marL="3429000" indent="-228600" algn="l" defTabSz="914400" rtl="0" eaLnBrk="1" latinLnBrk="0" hangingPunct="1">
+              <a:lnSpc>
+                <a:spcPct val="90000"/>
+              </a:lnSpc>
+              <a:spcBef>
+                <a:spcPts val="500"/>
+              </a:spcBef>
+              <a:buFont typeface="Arial" panose="020B0604020202020204" pitchFamily="34" charset="0"/>
+              <a:buChar char="•"/>
+              <a:defRPr sz="1800" kern="1200">
+                <a:solidFill>
+                  <a:schemeClr val="tx1"/>
+                </a:solidFill>
+                <a:latin typeface="+mn-lt"/>
+                <a:ea typeface="+mn-ea"/>
+                <a:cs typeface="+mn-cs"/>
+              </a:defRPr>
+            </a:lvl8pPr>
+            <a:lvl9pPr marL="3886200" indent="-228600" algn="l" defTabSz="914400" rtl="0" eaLnBrk="1" latinLnBrk="0" hangingPunct="1">
+              <a:lnSpc>
+                <a:spcPct val="90000"/>
+              </a:lnSpc>
+              <a:spcBef>
+                <a:spcPts val="500"/>
+              </a:spcBef>
+              <a:buFont typeface="Arial" panose="020B0604020202020204" pitchFamily="34" charset="0"/>
+              <a:buChar char="•"/>
+              <a:defRPr sz="1800" kern="1200">
+                <a:solidFill>
+                  <a:schemeClr val="tx1"/>
+                </a:solidFill>
+                <a:latin typeface="+mn-lt"/>
+                <a:ea typeface="+mn-ea"/>
+                <a:cs typeface="+mn-cs"/>
+              </a:defRPr>
+            </a:lvl9pPr>
+          </a:lstStyle>
+          <a:p>
+            <a:r>
+              <a:rPr lang="fr-FR" sz="2400" dirty="0"/>
+              <a:t>Première phase : prise en main du système (25 minutes)</a:t>
+            </a:r>
+          </a:p>
+          <a:p>
+            <a:endParaRPr lang="fr-FR" sz="2400" dirty="0"/>
+          </a:p>
+          <a:p>
+            <a:r>
+              <a:rPr lang="fr-FR" sz="2400" dirty="0"/>
+              <a:t>Deuxième phase : activités d’expérimentations et de simulations visant à répondre à la problématique.</a:t>
+            </a:r>
+          </a:p>
+          <a:p>
+            <a:endParaRPr lang="fr-FR" sz="2400" dirty="0"/>
+          </a:p>
+          <a:p>
+            <a:r>
+              <a:rPr lang="fr-FR" sz="2400" dirty="0"/>
+              <a:t>Synthèse des activités</a:t>
+            </a:r>
+          </a:p>
+          <a:p>
+            <a:endParaRPr lang="fr-FR" sz="2400" dirty="0"/>
+          </a:p>
+        </p:txBody>
+      </p:sp>
+    </p:spTree>
+    <p:extLst>
+      <p:ext uri="{BB962C8B-B14F-4D97-AF65-F5344CB8AC3E}">
+        <p14:creationId xmlns:p14="http://schemas.microsoft.com/office/powerpoint/2010/main" val="106346178"/>
+      </p:ext>
+    </p:extLst>
+  </p:cSld>
+  <p:clrMapOvr>
+    <a:masterClrMapping/>
+  </p:clrMapOvr>
+</p:sld>
+</file>
+
+<file path=ppt/slides/slide19.xml><?xml version="1.0" encoding="utf-8"?>
+<p:sld xmlns:a="http://schemas.openxmlformats.org/drawingml/2006/main" xmlns:r="http://schemas.openxmlformats.org/officeDocument/2006/relationships" xmlns:p="http://schemas.openxmlformats.org/presentationml/2006/main">
+  <p:cSld>
+    <p:spTree>
+      <p:nvGrpSpPr>
+        <p:cNvPr id="1" name=""/>
+        <p:cNvGrpSpPr/>
+        <p:nvPr/>
+      </p:nvGrpSpPr>
+      <p:grpSpPr>
+        <a:xfrm>
+          <a:off x="0" y="0"/>
+          <a:ext cx="0" cy="0"/>
+          <a:chOff x="0" y="0"/>
+          <a:chExt cx="0" cy="0"/>
+        </a:xfrm>
+      </p:grpSpPr>
+      <p:sp>
+        <p:nvSpPr>
+          <p:cNvPr id="2" name="Titre 1">
+            <a:extLst>
+              <a:ext uri="{FF2B5EF4-FFF2-40B4-BE49-F238E27FC236}">
+                <a16:creationId xmlns:a16="http://schemas.microsoft.com/office/drawing/2014/main" id="{02438034-255A-CF48-7B88-D675F07F01C5}"/>
+              </a:ext>
+            </a:extLst>
+          </p:cNvPr>
+          <p:cNvSpPr>
+            <a:spLocks noGrp="1"/>
+          </p:cNvSpPr>
+          <p:nvPr>
+            <p:ph type="title"/>
+          </p:nvPr>
+        </p:nvSpPr>
+        <p:spPr/>
+        <p:txBody>
+          <a:bodyPr/>
+          <a:lstStyle/>
+          <a:p>
+            <a:r>
+              <a:rPr lang="fr-FR" dirty="0"/>
+              <a:t>Conseils</a:t>
+            </a:r>
+          </a:p>
+        </p:txBody>
+      </p:sp>
+      <p:sp>
+        <p:nvSpPr>
+          <p:cNvPr id="3" name="Espace réservé du contenu 2">
+            <a:extLst>
+              <a:ext uri="{FF2B5EF4-FFF2-40B4-BE49-F238E27FC236}">
+                <a16:creationId xmlns:a16="http://schemas.microsoft.com/office/drawing/2014/main" id="{3B7D986E-C664-CA30-5E33-8DA77AB38E9F}"/>
+              </a:ext>
+            </a:extLst>
+          </p:cNvPr>
+          <p:cNvSpPr>
+            <a:spLocks noGrp="1"/>
+          </p:cNvSpPr>
+          <p:nvPr>
+            <p:ph idx="1"/>
+          </p:nvPr>
+        </p:nvSpPr>
+        <p:spPr/>
+        <p:txBody>
+          <a:bodyPr>
+            <a:normAutofit lnSpcReduction="10000"/>
+          </a:bodyPr>
+          <a:lstStyle/>
+          <a:p>
+            <a:r>
+              <a:rPr lang="fr-FR" dirty="0"/>
+              <a:t>Les conseils listés précédemment restent valables…</a:t>
+            </a:r>
+          </a:p>
+          <a:p>
+            <a:endParaRPr lang="fr-FR" dirty="0"/>
+          </a:p>
+          <a:p>
+            <a:r>
+              <a:rPr lang="fr-FR" dirty="0"/>
+              <a:t>Gérer son temps (en respectant les temps indiqués)</a:t>
+            </a:r>
+          </a:p>
+          <a:p>
+            <a:r>
+              <a:rPr lang="fr-FR" dirty="0"/>
+              <a:t>Aborder toutes les parties traitées lors des phases de dialogue avec l’examinateur</a:t>
+            </a:r>
+          </a:p>
+          <a:p>
+            <a:endParaRPr lang="fr-FR" dirty="0"/>
+          </a:p>
+          <a:p>
+            <a:r>
+              <a:rPr lang="fr-FR" dirty="0"/>
+              <a:t>Maitriser les mesures simples (temps de réponse à 5%, erreur statique, dépassement), réaliser plusieurs essais pour obtenir une valeur moyenne</a:t>
+            </a:r>
+          </a:p>
+          <a:p>
+            <a:endParaRPr lang="fr-FR" dirty="0"/>
+          </a:p>
+          <a:p>
+            <a:r>
+              <a:rPr lang="fr-FR" dirty="0"/>
+              <a:t>Maîtriser les outils de modélisation multiphysique, savoir renseigner dans le modèle des valeurs </a:t>
+            </a:r>
+            <a:r>
+              <a:rPr lang="fr-FR"/>
+              <a:t>déterminées expérimentalement</a:t>
+            </a:r>
+          </a:p>
+          <a:p>
+            <a:endParaRPr lang="fr-FR" dirty="0"/>
+          </a:p>
+        </p:txBody>
+      </p:sp>
+      <p:sp>
+        <p:nvSpPr>
+          <p:cNvPr id="4" name="Espace réservé du pied de page 3">
+            <a:extLst>
+              <a:ext uri="{FF2B5EF4-FFF2-40B4-BE49-F238E27FC236}">
+                <a16:creationId xmlns:a16="http://schemas.microsoft.com/office/drawing/2014/main" id="{65FC26C1-B231-7AE4-6464-C35C2CF94D68}"/>
+              </a:ext>
+            </a:extLst>
+          </p:cNvPr>
+          <p:cNvSpPr>
+            <a:spLocks noGrp="1"/>
+          </p:cNvSpPr>
+          <p:nvPr>
+            <p:ph type="ftr" sz="quarter" idx="11"/>
+          </p:nvPr>
+        </p:nvSpPr>
+        <p:spPr/>
+        <p:txBody>
+          <a:bodyPr/>
+          <a:lstStyle/>
+          <a:p>
+            <a:r>
+              <a:rPr lang="fr-FR"/>
+              <a:t>Xavier PESSOLES</a:t>
+            </a:r>
+          </a:p>
+        </p:txBody>
+      </p:sp>
+    </p:spTree>
+    <p:extLst>
+      <p:ext uri="{BB962C8B-B14F-4D97-AF65-F5344CB8AC3E}">
+        <p14:creationId xmlns:p14="http://schemas.microsoft.com/office/powerpoint/2010/main" val="840489872"/>
       </p:ext>
     </p:extLst>
   </p:cSld>
@@ -5026,6 +6435,857 @@
     <p:extLst>
       <p:ext uri="{BB962C8B-B14F-4D97-AF65-F5344CB8AC3E}">
         <p14:creationId xmlns:p14="http://schemas.microsoft.com/office/powerpoint/2010/main" val="61539236"/>
+      </p:ext>
+    </p:extLst>
+  </p:cSld>
+  <p:clrMapOvr>
+    <a:masterClrMapping/>
+  </p:clrMapOvr>
+</p:sld>
+</file>
+
+<file path=ppt/slides/slide20.xml><?xml version="1.0" encoding="utf-8"?>
+<p:sld xmlns:a="http://schemas.openxmlformats.org/drawingml/2006/main" xmlns:r="http://schemas.openxmlformats.org/officeDocument/2006/relationships" xmlns:p="http://schemas.openxmlformats.org/presentationml/2006/main">
+  <p:cSld>
+    <p:spTree>
+      <p:nvGrpSpPr>
+        <p:cNvPr id="1" name=""/>
+        <p:cNvGrpSpPr/>
+        <p:nvPr/>
+      </p:nvGrpSpPr>
+      <p:grpSpPr>
+        <a:xfrm>
+          <a:off x="0" y="0"/>
+          <a:ext cx="0" cy="0"/>
+          <a:chOff x="0" y="0"/>
+          <a:chExt cx="0" cy="0"/>
+        </a:xfrm>
+      </p:grpSpPr>
+      <p:sp>
+        <p:nvSpPr>
+          <p:cNvPr id="2" name="Titre 1">
+            <a:extLst>
+              <a:ext uri="{FF2B5EF4-FFF2-40B4-BE49-F238E27FC236}">
+                <a16:creationId xmlns:a16="http://schemas.microsoft.com/office/drawing/2014/main" id="{A1DF5CC0-F116-16F2-164E-9E5F55E87E68}"/>
+              </a:ext>
+            </a:extLst>
+          </p:cNvPr>
+          <p:cNvSpPr>
+            <a:spLocks noGrp="1"/>
+          </p:cNvSpPr>
+          <p:nvPr>
+            <p:ph type="title"/>
+          </p:nvPr>
+        </p:nvSpPr>
+        <p:spPr/>
+        <p:txBody>
+          <a:bodyPr/>
+          <a:lstStyle/>
+          <a:p>
+            <a:r>
+              <a:rPr lang="fr-FR" dirty="0"/>
+              <a:t>Concours X – ENS</a:t>
+            </a:r>
+          </a:p>
+        </p:txBody>
+      </p:sp>
+      <p:sp>
+        <p:nvSpPr>
+          <p:cNvPr id="3" name="Espace réservé du contenu 2">
+            <a:extLst>
+              <a:ext uri="{FF2B5EF4-FFF2-40B4-BE49-F238E27FC236}">
+                <a16:creationId xmlns:a16="http://schemas.microsoft.com/office/drawing/2014/main" id="{B70BE735-CC5E-77E4-C44A-49AA5A6C4A94}"/>
+              </a:ext>
+            </a:extLst>
+          </p:cNvPr>
+          <p:cNvSpPr>
+            <a:spLocks noGrp="1"/>
+          </p:cNvSpPr>
+          <p:nvPr>
+            <p:ph idx="1"/>
+          </p:nvPr>
+        </p:nvSpPr>
+        <p:spPr>
+          <a:xfrm>
+            <a:off x="232229" y="1971040"/>
+            <a:ext cx="5487851" cy="4387349"/>
+          </a:xfrm>
+        </p:spPr>
+        <p:txBody>
+          <a:bodyPr/>
+          <a:lstStyle/>
+          <a:p>
+            <a:r>
+              <a:rPr lang="fr-FR" dirty="0"/>
+              <a:t>Un TP de SI – 4h </a:t>
+            </a:r>
+          </a:p>
+          <a:p>
+            <a:endParaRPr lang="fr-FR" dirty="0"/>
+          </a:p>
+          <a:p>
+            <a:r>
+              <a:rPr lang="fr-FR" dirty="0"/>
+              <a:t>Une analyse de document scientifique</a:t>
+            </a:r>
+          </a:p>
+          <a:p>
+            <a:pPr lvl="1"/>
+            <a:r>
+              <a:rPr lang="fr-FR" dirty="0"/>
+              <a:t>2h de préparation</a:t>
+            </a:r>
+          </a:p>
+          <a:p>
+            <a:endParaRPr lang="fr-FR" dirty="0"/>
+          </a:p>
+        </p:txBody>
+      </p:sp>
+      <p:sp>
+        <p:nvSpPr>
+          <p:cNvPr id="4" name="Espace réservé du pied de page 3">
+            <a:extLst>
+              <a:ext uri="{FF2B5EF4-FFF2-40B4-BE49-F238E27FC236}">
+                <a16:creationId xmlns:a16="http://schemas.microsoft.com/office/drawing/2014/main" id="{B0572CD3-D1F2-9803-C811-D5C9AA865073}"/>
+              </a:ext>
+            </a:extLst>
+          </p:cNvPr>
+          <p:cNvSpPr>
+            <a:spLocks noGrp="1"/>
+          </p:cNvSpPr>
+          <p:nvPr>
+            <p:ph type="ftr" sz="quarter" idx="11"/>
+          </p:nvPr>
+        </p:nvSpPr>
+        <p:spPr/>
+        <p:txBody>
+          <a:bodyPr/>
+          <a:lstStyle/>
+          <a:p>
+            <a:r>
+              <a:rPr lang="fr-FR"/>
+              <a:t>Xavier PESSOLES</a:t>
+            </a:r>
+          </a:p>
+        </p:txBody>
+      </p:sp>
+      <p:sp>
+        <p:nvSpPr>
+          <p:cNvPr id="9" name="Espace réservé du contenu 2">
+            <a:extLst>
+              <a:ext uri="{FF2B5EF4-FFF2-40B4-BE49-F238E27FC236}">
+                <a16:creationId xmlns:a16="http://schemas.microsoft.com/office/drawing/2014/main" id="{C51B7E75-7AED-DB27-BAD3-237E328ED49E}"/>
+              </a:ext>
+            </a:extLst>
+          </p:cNvPr>
+          <p:cNvSpPr txBox="1">
+            <a:spLocks/>
+          </p:cNvSpPr>
+          <p:nvPr/>
+        </p:nvSpPr>
+        <p:spPr>
+          <a:xfrm>
+            <a:off x="6307891" y="1971039"/>
+            <a:ext cx="5487851" cy="4387349"/>
+          </a:xfrm>
+          <a:prstGeom prst="rect">
+            <a:avLst/>
+          </a:prstGeom>
+        </p:spPr>
+        <p:txBody>
+          <a:bodyPr vert="horz" lIns="91440" tIns="45720" rIns="91440" bIns="45720" rtlCol="0">
+            <a:normAutofit/>
+          </a:bodyPr>
+          <a:lstStyle>
+            <a:lvl1pPr marL="228600" indent="-228600" algn="l" defTabSz="914400" rtl="0" eaLnBrk="1" latinLnBrk="0" hangingPunct="1">
+              <a:lnSpc>
+                <a:spcPct val="90000"/>
+              </a:lnSpc>
+              <a:spcBef>
+                <a:spcPts val="1000"/>
+              </a:spcBef>
+              <a:buFont typeface="Arial" panose="020B0604020202020204" pitchFamily="34" charset="0"/>
+              <a:buChar char="•"/>
+              <a:defRPr sz="2800" kern="1200">
+                <a:solidFill>
+                  <a:schemeClr val="tx1"/>
+                </a:solidFill>
+                <a:latin typeface="+mn-lt"/>
+                <a:ea typeface="+mn-ea"/>
+                <a:cs typeface="+mn-cs"/>
+              </a:defRPr>
+            </a:lvl1pPr>
+            <a:lvl2pPr marL="685800" indent="-228600" algn="l" defTabSz="914400" rtl="0" eaLnBrk="1" latinLnBrk="0" hangingPunct="1">
+              <a:lnSpc>
+                <a:spcPct val="90000"/>
+              </a:lnSpc>
+              <a:spcBef>
+                <a:spcPts val="500"/>
+              </a:spcBef>
+              <a:buFont typeface="Arial" panose="020B0604020202020204" pitchFamily="34" charset="0"/>
+              <a:buChar char="•"/>
+              <a:defRPr sz="2400" kern="1200">
+                <a:solidFill>
+                  <a:schemeClr val="tx1"/>
+                </a:solidFill>
+                <a:latin typeface="+mn-lt"/>
+                <a:ea typeface="+mn-ea"/>
+                <a:cs typeface="+mn-cs"/>
+              </a:defRPr>
+            </a:lvl2pPr>
+            <a:lvl3pPr marL="1143000" indent="-228600" algn="l" defTabSz="914400" rtl="0" eaLnBrk="1" latinLnBrk="0" hangingPunct="1">
+              <a:lnSpc>
+                <a:spcPct val="90000"/>
+              </a:lnSpc>
+              <a:spcBef>
+                <a:spcPts val="500"/>
+              </a:spcBef>
+              <a:buFont typeface="Arial" panose="020B0604020202020204" pitchFamily="34" charset="0"/>
+              <a:buChar char="•"/>
+              <a:defRPr sz="2000" kern="1200">
+                <a:solidFill>
+                  <a:schemeClr val="tx1"/>
+                </a:solidFill>
+                <a:latin typeface="+mn-lt"/>
+                <a:ea typeface="+mn-ea"/>
+                <a:cs typeface="+mn-cs"/>
+              </a:defRPr>
+            </a:lvl3pPr>
+            <a:lvl4pPr marL="1600200" indent="-228600" algn="l" defTabSz="914400" rtl="0" eaLnBrk="1" latinLnBrk="0" hangingPunct="1">
+              <a:lnSpc>
+                <a:spcPct val="90000"/>
+              </a:lnSpc>
+              <a:spcBef>
+                <a:spcPts val="500"/>
+              </a:spcBef>
+              <a:buFont typeface="Arial" panose="020B0604020202020204" pitchFamily="34" charset="0"/>
+              <a:buChar char="•"/>
+              <a:defRPr sz="1800" kern="1200">
+                <a:solidFill>
+                  <a:schemeClr val="tx1"/>
+                </a:solidFill>
+                <a:latin typeface="+mn-lt"/>
+                <a:ea typeface="+mn-ea"/>
+                <a:cs typeface="+mn-cs"/>
+              </a:defRPr>
+            </a:lvl4pPr>
+            <a:lvl5pPr marL="2057400" indent="-228600" algn="l" defTabSz="914400" rtl="0" eaLnBrk="1" latinLnBrk="0" hangingPunct="1">
+              <a:lnSpc>
+                <a:spcPct val="90000"/>
+              </a:lnSpc>
+              <a:spcBef>
+                <a:spcPts val="500"/>
+              </a:spcBef>
+              <a:buFont typeface="Arial" panose="020B0604020202020204" pitchFamily="34" charset="0"/>
+              <a:buChar char="•"/>
+              <a:defRPr sz="1800" kern="1200">
+                <a:solidFill>
+                  <a:schemeClr val="tx1"/>
+                </a:solidFill>
+                <a:latin typeface="+mn-lt"/>
+                <a:ea typeface="+mn-ea"/>
+                <a:cs typeface="+mn-cs"/>
+              </a:defRPr>
+            </a:lvl5pPr>
+            <a:lvl6pPr marL="2514600" indent="-228600" algn="l" defTabSz="914400" rtl="0" eaLnBrk="1" latinLnBrk="0" hangingPunct="1">
+              <a:lnSpc>
+                <a:spcPct val="90000"/>
+              </a:lnSpc>
+              <a:spcBef>
+                <a:spcPts val="500"/>
+              </a:spcBef>
+              <a:buFont typeface="Arial" panose="020B0604020202020204" pitchFamily="34" charset="0"/>
+              <a:buChar char="•"/>
+              <a:defRPr sz="1800" kern="1200">
+                <a:solidFill>
+                  <a:schemeClr val="tx1"/>
+                </a:solidFill>
+                <a:latin typeface="+mn-lt"/>
+                <a:ea typeface="+mn-ea"/>
+                <a:cs typeface="+mn-cs"/>
+              </a:defRPr>
+            </a:lvl6pPr>
+            <a:lvl7pPr marL="2971800" indent="-228600" algn="l" defTabSz="914400" rtl="0" eaLnBrk="1" latinLnBrk="0" hangingPunct="1">
+              <a:lnSpc>
+                <a:spcPct val="90000"/>
+              </a:lnSpc>
+              <a:spcBef>
+                <a:spcPts val="500"/>
+              </a:spcBef>
+              <a:buFont typeface="Arial" panose="020B0604020202020204" pitchFamily="34" charset="0"/>
+              <a:buChar char="•"/>
+              <a:defRPr sz="1800" kern="1200">
+                <a:solidFill>
+                  <a:schemeClr val="tx1"/>
+                </a:solidFill>
+                <a:latin typeface="+mn-lt"/>
+                <a:ea typeface="+mn-ea"/>
+                <a:cs typeface="+mn-cs"/>
+              </a:defRPr>
+            </a:lvl7pPr>
+            <a:lvl8pPr marL="3429000" indent="-228600" algn="l" defTabSz="914400" rtl="0" eaLnBrk="1" latinLnBrk="0" hangingPunct="1">
+              <a:lnSpc>
+                <a:spcPct val="90000"/>
+              </a:lnSpc>
+              <a:spcBef>
+                <a:spcPts val="500"/>
+              </a:spcBef>
+              <a:buFont typeface="Arial" panose="020B0604020202020204" pitchFamily="34" charset="0"/>
+              <a:buChar char="•"/>
+              <a:defRPr sz="1800" kern="1200">
+                <a:solidFill>
+                  <a:schemeClr val="tx1"/>
+                </a:solidFill>
+                <a:latin typeface="+mn-lt"/>
+                <a:ea typeface="+mn-ea"/>
+                <a:cs typeface="+mn-cs"/>
+              </a:defRPr>
+            </a:lvl8pPr>
+            <a:lvl9pPr marL="3886200" indent="-228600" algn="l" defTabSz="914400" rtl="0" eaLnBrk="1" latinLnBrk="0" hangingPunct="1">
+              <a:lnSpc>
+                <a:spcPct val="90000"/>
+              </a:lnSpc>
+              <a:spcBef>
+                <a:spcPts val="500"/>
+              </a:spcBef>
+              <a:buFont typeface="Arial" panose="020B0604020202020204" pitchFamily="34" charset="0"/>
+              <a:buChar char="•"/>
+              <a:defRPr sz="1800" kern="1200">
+                <a:solidFill>
+                  <a:schemeClr val="tx1"/>
+                </a:solidFill>
+                <a:latin typeface="+mn-lt"/>
+                <a:ea typeface="+mn-ea"/>
+                <a:cs typeface="+mn-cs"/>
+              </a:defRPr>
+            </a:lvl9pPr>
+          </a:lstStyle>
+          <a:p>
+            <a:r>
+              <a:rPr lang="fr-FR" dirty="0"/>
+              <a:t>Un TP de SI – 4h </a:t>
+            </a:r>
+          </a:p>
+          <a:p>
+            <a:endParaRPr lang="fr-FR" dirty="0"/>
+          </a:p>
+          <a:p>
+            <a:r>
+              <a:rPr lang="fr-FR" dirty="0"/>
+              <a:t>TIPE</a:t>
+            </a:r>
+          </a:p>
+          <a:p>
+            <a:pPr lvl="1"/>
+            <a:r>
+              <a:rPr lang="fr-FR" dirty="0"/>
+              <a:t>Analyse de document scientifique</a:t>
+            </a:r>
+          </a:p>
+          <a:p>
+            <a:pPr lvl="2"/>
+            <a:r>
+              <a:rPr lang="fr-FR" dirty="0"/>
+              <a:t>Préparation 1h</a:t>
+            </a:r>
+          </a:p>
+          <a:p>
+            <a:pPr lvl="2"/>
+            <a:r>
+              <a:rPr lang="fr-FR" dirty="0"/>
+              <a:t>Présentation 10 (?) minutes</a:t>
+            </a:r>
+          </a:p>
+          <a:p>
+            <a:pPr lvl="1"/>
+            <a:r>
+              <a:rPr lang="fr-FR" dirty="0"/>
+              <a:t>TIPE préparé pendant l’année</a:t>
+            </a:r>
+          </a:p>
+          <a:p>
+            <a:pPr lvl="2"/>
+            <a:r>
+              <a:rPr lang="fr-FR" dirty="0"/>
+              <a:t>15 minutes de présentation (il faut imprimer le TIPE sur feuille en couleur)</a:t>
+            </a:r>
+          </a:p>
+          <a:p>
+            <a:pPr lvl="2"/>
+            <a:r>
+              <a:rPr lang="fr-FR" dirty="0"/>
+              <a:t>10 minutes de question</a:t>
+            </a:r>
+          </a:p>
+          <a:p>
+            <a:pPr lvl="1"/>
+            <a:endParaRPr lang="fr-FR" dirty="0"/>
+          </a:p>
+          <a:p>
+            <a:endParaRPr lang="fr-FR" dirty="0"/>
+          </a:p>
+        </p:txBody>
+      </p:sp>
+      <p:sp>
+        <p:nvSpPr>
+          <p:cNvPr id="11" name="Espace réservé du contenu 2">
+            <a:extLst>
+              <a:ext uri="{FF2B5EF4-FFF2-40B4-BE49-F238E27FC236}">
+                <a16:creationId xmlns:a16="http://schemas.microsoft.com/office/drawing/2014/main" id="{37133004-F776-0D1F-9A0C-F8B674702FE4}"/>
+              </a:ext>
+            </a:extLst>
+          </p:cNvPr>
+          <p:cNvSpPr txBox="1">
+            <a:spLocks/>
+          </p:cNvSpPr>
+          <p:nvPr/>
+        </p:nvSpPr>
+        <p:spPr>
+          <a:xfrm>
+            <a:off x="232229" y="1367404"/>
+            <a:ext cx="5487851" cy="603635"/>
+          </a:xfrm>
+          <a:prstGeom prst="rect">
+            <a:avLst/>
+          </a:prstGeom>
+        </p:spPr>
+        <p:txBody>
+          <a:bodyPr vert="horz" lIns="91440" tIns="45720" rIns="91440" bIns="45720" rtlCol="0">
+            <a:normAutofit/>
+          </a:bodyPr>
+          <a:lstStyle>
+            <a:lvl1pPr marL="228600" indent="-228600" algn="l" defTabSz="914400" rtl="0" eaLnBrk="1" latinLnBrk="0" hangingPunct="1">
+              <a:lnSpc>
+                <a:spcPct val="90000"/>
+              </a:lnSpc>
+              <a:spcBef>
+                <a:spcPts val="1000"/>
+              </a:spcBef>
+              <a:buFont typeface="Arial" panose="020B0604020202020204" pitchFamily="34" charset="0"/>
+              <a:buChar char="•"/>
+              <a:defRPr sz="2800" kern="1200">
+                <a:solidFill>
+                  <a:schemeClr val="tx1"/>
+                </a:solidFill>
+                <a:latin typeface="+mn-lt"/>
+                <a:ea typeface="+mn-ea"/>
+                <a:cs typeface="+mn-cs"/>
+              </a:defRPr>
+            </a:lvl1pPr>
+            <a:lvl2pPr marL="685800" indent="-228600" algn="l" defTabSz="914400" rtl="0" eaLnBrk="1" latinLnBrk="0" hangingPunct="1">
+              <a:lnSpc>
+                <a:spcPct val="90000"/>
+              </a:lnSpc>
+              <a:spcBef>
+                <a:spcPts val="500"/>
+              </a:spcBef>
+              <a:buFont typeface="Arial" panose="020B0604020202020204" pitchFamily="34" charset="0"/>
+              <a:buChar char="•"/>
+              <a:defRPr sz="2400" kern="1200">
+                <a:solidFill>
+                  <a:schemeClr val="tx1"/>
+                </a:solidFill>
+                <a:latin typeface="+mn-lt"/>
+                <a:ea typeface="+mn-ea"/>
+                <a:cs typeface="+mn-cs"/>
+              </a:defRPr>
+            </a:lvl2pPr>
+            <a:lvl3pPr marL="1143000" indent="-228600" algn="l" defTabSz="914400" rtl="0" eaLnBrk="1" latinLnBrk="0" hangingPunct="1">
+              <a:lnSpc>
+                <a:spcPct val="90000"/>
+              </a:lnSpc>
+              <a:spcBef>
+                <a:spcPts val="500"/>
+              </a:spcBef>
+              <a:buFont typeface="Arial" panose="020B0604020202020204" pitchFamily="34" charset="0"/>
+              <a:buChar char="•"/>
+              <a:defRPr sz="2000" kern="1200">
+                <a:solidFill>
+                  <a:schemeClr val="tx1"/>
+                </a:solidFill>
+                <a:latin typeface="+mn-lt"/>
+                <a:ea typeface="+mn-ea"/>
+                <a:cs typeface="+mn-cs"/>
+              </a:defRPr>
+            </a:lvl3pPr>
+            <a:lvl4pPr marL="1600200" indent="-228600" algn="l" defTabSz="914400" rtl="0" eaLnBrk="1" latinLnBrk="0" hangingPunct="1">
+              <a:lnSpc>
+                <a:spcPct val="90000"/>
+              </a:lnSpc>
+              <a:spcBef>
+                <a:spcPts val="500"/>
+              </a:spcBef>
+              <a:buFont typeface="Arial" panose="020B0604020202020204" pitchFamily="34" charset="0"/>
+              <a:buChar char="•"/>
+              <a:defRPr sz="1800" kern="1200">
+                <a:solidFill>
+                  <a:schemeClr val="tx1"/>
+                </a:solidFill>
+                <a:latin typeface="+mn-lt"/>
+                <a:ea typeface="+mn-ea"/>
+                <a:cs typeface="+mn-cs"/>
+              </a:defRPr>
+            </a:lvl4pPr>
+            <a:lvl5pPr marL="2057400" indent="-228600" algn="l" defTabSz="914400" rtl="0" eaLnBrk="1" latinLnBrk="0" hangingPunct="1">
+              <a:lnSpc>
+                <a:spcPct val="90000"/>
+              </a:lnSpc>
+              <a:spcBef>
+                <a:spcPts val="500"/>
+              </a:spcBef>
+              <a:buFont typeface="Arial" panose="020B0604020202020204" pitchFamily="34" charset="0"/>
+              <a:buChar char="•"/>
+              <a:defRPr sz="1800" kern="1200">
+                <a:solidFill>
+                  <a:schemeClr val="tx1"/>
+                </a:solidFill>
+                <a:latin typeface="+mn-lt"/>
+                <a:ea typeface="+mn-ea"/>
+                <a:cs typeface="+mn-cs"/>
+              </a:defRPr>
+            </a:lvl5pPr>
+            <a:lvl6pPr marL="2514600" indent="-228600" algn="l" defTabSz="914400" rtl="0" eaLnBrk="1" latinLnBrk="0" hangingPunct="1">
+              <a:lnSpc>
+                <a:spcPct val="90000"/>
+              </a:lnSpc>
+              <a:spcBef>
+                <a:spcPts val="500"/>
+              </a:spcBef>
+              <a:buFont typeface="Arial" panose="020B0604020202020204" pitchFamily="34" charset="0"/>
+              <a:buChar char="•"/>
+              <a:defRPr sz="1800" kern="1200">
+                <a:solidFill>
+                  <a:schemeClr val="tx1"/>
+                </a:solidFill>
+                <a:latin typeface="+mn-lt"/>
+                <a:ea typeface="+mn-ea"/>
+                <a:cs typeface="+mn-cs"/>
+              </a:defRPr>
+            </a:lvl6pPr>
+            <a:lvl7pPr marL="2971800" indent="-228600" algn="l" defTabSz="914400" rtl="0" eaLnBrk="1" latinLnBrk="0" hangingPunct="1">
+              <a:lnSpc>
+                <a:spcPct val="90000"/>
+              </a:lnSpc>
+              <a:spcBef>
+                <a:spcPts val="500"/>
+              </a:spcBef>
+              <a:buFont typeface="Arial" panose="020B0604020202020204" pitchFamily="34" charset="0"/>
+              <a:buChar char="•"/>
+              <a:defRPr sz="1800" kern="1200">
+                <a:solidFill>
+                  <a:schemeClr val="tx1"/>
+                </a:solidFill>
+                <a:latin typeface="+mn-lt"/>
+                <a:ea typeface="+mn-ea"/>
+                <a:cs typeface="+mn-cs"/>
+              </a:defRPr>
+            </a:lvl7pPr>
+            <a:lvl8pPr marL="3429000" indent="-228600" algn="l" defTabSz="914400" rtl="0" eaLnBrk="1" latinLnBrk="0" hangingPunct="1">
+              <a:lnSpc>
+                <a:spcPct val="90000"/>
+              </a:lnSpc>
+              <a:spcBef>
+                <a:spcPts val="500"/>
+              </a:spcBef>
+              <a:buFont typeface="Arial" panose="020B0604020202020204" pitchFamily="34" charset="0"/>
+              <a:buChar char="•"/>
+              <a:defRPr sz="1800" kern="1200">
+                <a:solidFill>
+                  <a:schemeClr val="tx1"/>
+                </a:solidFill>
+                <a:latin typeface="+mn-lt"/>
+                <a:ea typeface="+mn-ea"/>
+                <a:cs typeface="+mn-cs"/>
+              </a:defRPr>
+            </a:lvl8pPr>
+            <a:lvl9pPr marL="3886200" indent="-228600" algn="l" defTabSz="914400" rtl="0" eaLnBrk="1" latinLnBrk="0" hangingPunct="1">
+              <a:lnSpc>
+                <a:spcPct val="90000"/>
+              </a:lnSpc>
+              <a:spcBef>
+                <a:spcPts val="500"/>
+              </a:spcBef>
+              <a:buFont typeface="Arial" panose="020B0604020202020204" pitchFamily="34" charset="0"/>
+              <a:buChar char="•"/>
+              <a:defRPr sz="1800" kern="1200">
+                <a:solidFill>
+                  <a:schemeClr val="tx1"/>
+                </a:solidFill>
+                <a:latin typeface="+mn-lt"/>
+                <a:ea typeface="+mn-ea"/>
+                <a:cs typeface="+mn-cs"/>
+              </a:defRPr>
+            </a:lvl9pPr>
+          </a:lstStyle>
+          <a:p>
+            <a:pPr marL="0" indent="0" algn="ctr">
+              <a:buNone/>
+            </a:pPr>
+            <a:r>
+              <a:rPr lang="fr-FR" b="1" dirty="0"/>
+              <a:t>X (Polytechnique)</a:t>
+            </a:r>
+          </a:p>
+        </p:txBody>
+      </p:sp>
+      <p:sp>
+        <p:nvSpPr>
+          <p:cNvPr id="12" name="Espace réservé du contenu 2">
+            <a:extLst>
+              <a:ext uri="{FF2B5EF4-FFF2-40B4-BE49-F238E27FC236}">
+                <a16:creationId xmlns:a16="http://schemas.microsoft.com/office/drawing/2014/main" id="{CBC07BAF-3824-B6AA-596C-E3D39CEAD4F6}"/>
+              </a:ext>
+            </a:extLst>
+          </p:cNvPr>
+          <p:cNvSpPr txBox="1">
+            <a:spLocks/>
+          </p:cNvSpPr>
+          <p:nvPr/>
+        </p:nvSpPr>
+        <p:spPr>
+          <a:xfrm>
+            <a:off x="6307891" y="1367403"/>
+            <a:ext cx="5487851" cy="603635"/>
+          </a:xfrm>
+          <a:prstGeom prst="rect">
+            <a:avLst/>
+          </a:prstGeom>
+        </p:spPr>
+        <p:txBody>
+          <a:bodyPr vert="horz" lIns="91440" tIns="45720" rIns="91440" bIns="45720" rtlCol="0">
+            <a:normAutofit/>
+          </a:bodyPr>
+          <a:lstStyle>
+            <a:lvl1pPr marL="228600" indent="-228600" algn="l" defTabSz="914400" rtl="0" eaLnBrk="1" latinLnBrk="0" hangingPunct="1">
+              <a:lnSpc>
+                <a:spcPct val="90000"/>
+              </a:lnSpc>
+              <a:spcBef>
+                <a:spcPts val="1000"/>
+              </a:spcBef>
+              <a:buFont typeface="Arial" panose="020B0604020202020204" pitchFamily="34" charset="0"/>
+              <a:buChar char="•"/>
+              <a:defRPr sz="2800" kern="1200">
+                <a:solidFill>
+                  <a:schemeClr val="tx1"/>
+                </a:solidFill>
+                <a:latin typeface="+mn-lt"/>
+                <a:ea typeface="+mn-ea"/>
+                <a:cs typeface="+mn-cs"/>
+              </a:defRPr>
+            </a:lvl1pPr>
+            <a:lvl2pPr marL="685800" indent="-228600" algn="l" defTabSz="914400" rtl="0" eaLnBrk="1" latinLnBrk="0" hangingPunct="1">
+              <a:lnSpc>
+                <a:spcPct val="90000"/>
+              </a:lnSpc>
+              <a:spcBef>
+                <a:spcPts val="500"/>
+              </a:spcBef>
+              <a:buFont typeface="Arial" panose="020B0604020202020204" pitchFamily="34" charset="0"/>
+              <a:buChar char="•"/>
+              <a:defRPr sz="2400" kern="1200">
+                <a:solidFill>
+                  <a:schemeClr val="tx1"/>
+                </a:solidFill>
+                <a:latin typeface="+mn-lt"/>
+                <a:ea typeface="+mn-ea"/>
+                <a:cs typeface="+mn-cs"/>
+              </a:defRPr>
+            </a:lvl2pPr>
+            <a:lvl3pPr marL="1143000" indent="-228600" algn="l" defTabSz="914400" rtl="0" eaLnBrk="1" latinLnBrk="0" hangingPunct="1">
+              <a:lnSpc>
+                <a:spcPct val="90000"/>
+              </a:lnSpc>
+              <a:spcBef>
+                <a:spcPts val="500"/>
+              </a:spcBef>
+              <a:buFont typeface="Arial" panose="020B0604020202020204" pitchFamily="34" charset="0"/>
+              <a:buChar char="•"/>
+              <a:defRPr sz="2000" kern="1200">
+                <a:solidFill>
+                  <a:schemeClr val="tx1"/>
+                </a:solidFill>
+                <a:latin typeface="+mn-lt"/>
+                <a:ea typeface="+mn-ea"/>
+                <a:cs typeface="+mn-cs"/>
+              </a:defRPr>
+            </a:lvl3pPr>
+            <a:lvl4pPr marL="1600200" indent="-228600" algn="l" defTabSz="914400" rtl="0" eaLnBrk="1" latinLnBrk="0" hangingPunct="1">
+              <a:lnSpc>
+                <a:spcPct val="90000"/>
+              </a:lnSpc>
+              <a:spcBef>
+                <a:spcPts val="500"/>
+              </a:spcBef>
+              <a:buFont typeface="Arial" panose="020B0604020202020204" pitchFamily="34" charset="0"/>
+              <a:buChar char="•"/>
+              <a:defRPr sz="1800" kern="1200">
+                <a:solidFill>
+                  <a:schemeClr val="tx1"/>
+                </a:solidFill>
+                <a:latin typeface="+mn-lt"/>
+                <a:ea typeface="+mn-ea"/>
+                <a:cs typeface="+mn-cs"/>
+              </a:defRPr>
+            </a:lvl4pPr>
+            <a:lvl5pPr marL="2057400" indent="-228600" algn="l" defTabSz="914400" rtl="0" eaLnBrk="1" latinLnBrk="0" hangingPunct="1">
+              <a:lnSpc>
+                <a:spcPct val="90000"/>
+              </a:lnSpc>
+              <a:spcBef>
+                <a:spcPts val="500"/>
+              </a:spcBef>
+              <a:buFont typeface="Arial" panose="020B0604020202020204" pitchFamily="34" charset="0"/>
+              <a:buChar char="•"/>
+              <a:defRPr sz="1800" kern="1200">
+                <a:solidFill>
+                  <a:schemeClr val="tx1"/>
+                </a:solidFill>
+                <a:latin typeface="+mn-lt"/>
+                <a:ea typeface="+mn-ea"/>
+                <a:cs typeface="+mn-cs"/>
+              </a:defRPr>
+            </a:lvl5pPr>
+            <a:lvl6pPr marL="2514600" indent="-228600" algn="l" defTabSz="914400" rtl="0" eaLnBrk="1" latinLnBrk="0" hangingPunct="1">
+              <a:lnSpc>
+                <a:spcPct val="90000"/>
+              </a:lnSpc>
+              <a:spcBef>
+                <a:spcPts val="500"/>
+              </a:spcBef>
+              <a:buFont typeface="Arial" panose="020B0604020202020204" pitchFamily="34" charset="0"/>
+              <a:buChar char="•"/>
+              <a:defRPr sz="1800" kern="1200">
+                <a:solidFill>
+                  <a:schemeClr val="tx1"/>
+                </a:solidFill>
+                <a:latin typeface="+mn-lt"/>
+                <a:ea typeface="+mn-ea"/>
+                <a:cs typeface="+mn-cs"/>
+              </a:defRPr>
+            </a:lvl6pPr>
+            <a:lvl7pPr marL="2971800" indent="-228600" algn="l" defTabSz="914400" rtl="0" eaLnBrk="1" latinLnBrk="0" hangingPunct="1">
+              <a:lnSpc>
+                <a:spcPct val="90000"/>
+              </a:lnSpc>
+              <a:spcBef>
+                <a:spcPts val="500"/>
+              </a:spcBef>
+              <a:buFont typeface="Arial" panose="020B0604020202020204" pitchFamily="34" charset="0"/>
+              <a:buChar char="•"/>
+              <a:defRPr sz="1800" kern="1200">
+                <a:solidFill>
+                  <a:schemeClr val="tx1"/>
+                </a:solidFill>
+                <a:latin typeface="+mn-lt"/>
+                <a:ea typeface="+mn-ea"/>
+                <a:cs typeface="+mn-cs"/>
+              </a:defRPr>
+            </a:lvl7pPr>
+            <a:lvl8pPr marL="3429000" indent="-228600" algn="l" defTabSz="914400" rtl="0" eaLnBrk="1" latinLnBrk="0" hangingPunct="1">
+              <a:lnSpc>
+                <a:spcPct val="90000"/>
+              </a:lnSpc>
+              <a:spcBef>
+                <a:spcPts val="500"/>
+              </a:spcBef>
+              <a:buFont typeface="Arial" panose="020B0604020202020204" pitchFamily="34" charset="0"/>
+              <a:buChar char="•"/>
+              <a:defRPr sz="1800" kern="1200">
+                <a:solidFill>
+                  <a:schemeClr val="tx1"/>
+                </a:solidFill>
+                <a:latin typeface="+mn-lt"/>
+                <a:ea typeface="+mn-ea"/>
+                <a:cs typeface="+mn-cs"/>
+              </a:defRPr>
+            </a:lvl8pPr>
+            <a:lvl9pPr marL="3886200" indent="-228600" algn="l" defTabSz="914400" rtl="0" eaLnBrk="1" latinLnBrk="0" hangingPunct="1">
+              <a:lnSpc>
+                <a:spcPct val="90000"/>
+              </a:lnSpc>
+              <a:spcBef>
+                <a:spcPts val="500"/>
+              </a:spcBef>
+              <a:buFont typeface="Arial" panose="020B0604020202020204" pitchFamily="34" charset="0"/>
+              <a:buChar char="•"/>
+              <a:defRPr sz="1800" kern="1200">
+                <a:solidFill>
+                  <a:schemeClr val="tx1"/>
+                </a:solidFill>
+                <a:latin typeface="+mn-lt"/>
+                <a:ea typeface="+mn-ea"/>
+                <a:cs typeface="+mn-cs"/>
+              </a:defRPr>
+            </a:lvl9pPr>
+          </a:lstStyle>
+          <a:p>
+            <a:pPr marL="0" indent="0" algn="ctr">
+              <a:buNone/>
+            </a:pPr>
+            <a:r>
+              <a:rPr lang="fr-FR" b="1" dirty="0"/>
+              <a:t>ENS</a:t>
+            </a:r>
+          </a:p>
+        </p:txBody>
+      </p:sp>
+      <p:sp>
+        <p:nvSpPr>
+          <p:cNvPr id="13" name="Rectangle 12">
+            <a:extLst>
+              <a:ext uri="{FF2B5EF4-FFF2-40B4-BE49-F238E27FC236}">
+                <a16:creationId xmlns:a16="http://schemas.microsoft.com/office/drawing/2014/main" id="{D4D96818-6C2A-4075-61AE-46C7A0FA6AF9}"/>
+              </a:ext>
+            </a:extLst>
+          </p:cNvPr>
+          <p:cNvSpPr/>
+          <p:nvPr/>
+        </p:nvSpPr>
+        <p:spPr>
+          <a:xfrm>
+            <a:off x="314244" y="1927404"/>
+            <a:ext cx="11399484" cy="603635"/>
+          </a:xfrm>
+          <a:prstGeom prst="rect">
+            <a:avLst/>
+          </a:prstGeom>
+          <a:noFill/>
+          <a:ln w="38100">
+            <a:solidFill>
+              <a:srgbClr val="C00000"/>
+            </a:solidFill>
+          </a:ln>
+        </p:spPr>
+        <p:style>
+          <a:lnRef idx="2">
+            <a:schemeClr val="accent1">
+              <a:shade val="50000"/>
+            </a:schemeClr>
+          </a:lnRef>
+          <a:fillRef idx="1">
+            <a:schemeClr val="accent1"/>
+          </a:fillRef>
+          <a:effectRef idx="0">
+            <a:schemeClr val="accent1"/>
+          </a:effectRef>
+          <a:fontRef idx="minor">
+            <a:schemeClr val="lt1"/>
+          </a:fontRef>
+        </p:style>
+        <p:txBody>
+          <a:bodyPr rtlCol="0" anchor="ctr"/>
+          <a:lstStyle/>
+          <a:p>
+            <a:pPr algn="ctr"/>
+            <a:endParaRPr lang="fr-FR"/>
+          </a:p>
+        </p:txBody>
+      </p:sp>
+    </p:spTree>
+    <p:extLst>
+      <p:ext uri="{BB962C8B-B14F-4D97-AF65-F5344CB8AC3E}">
+        <p14:creationId xmlns:p14="http://schemas.microsoft.com/office/powerpoint/2010/main" val="2547863349"/>
       </p:ext>
     </p:extLst>
   </p:cSld>
@@ -5397,8 +7657,8 @@
         </p:nvSpPr>
         <p:spPr>
           <a:xfrm>
-            <a:off x="396258" y="3587155"/>
-            <a:ext cx="11399484" cy="2585323"/>
+            <a:off x="2225040" y="3587155"/>
+            <a:ext cx="9570702" cy="2862322"/>
           </a:xfrm>
           <a:prstGeom prst="rect">
             <a:avLst/>

--- a/A_Organisation/EpreuvesOralesCPGE.pptx
+++ b/A_Organisation/EpreuvesOralesCPGE.pptx
@@ -5,7 +5,7 @@
     <p:sldMasterId id="2147483648" r:id="rId1"/>
   </p:sldMasterIdLst>
   <p:notesMasterIdLst>
-    <p:notesMasterId r:id="rId22"/>
+    <p:notesMasterId r:id="rId28"/>
   </p:notesMasterIdLst>
   <p:sldIdLst>
     <p:sldId id="256" r:id="rId2"/>
@@ -27,7 +27,13 @@
     <p:sldId id="282" r:id="rId18"/>
     <p:sldId id="283" r:id="rId19"/>
     <p:sldId id="284" r:id="rId20"/>
-    <p:sldId id="285" r:id="rId21"/>
+    <p:sldId id="286" r:id="rId21"/>
+    <p:sldId id="287" r:id="rId22"/>
+    <p:sldId id="288" r:id="rId23"/>
+    <p:sldId id="289" r:id="rId24"/>
+    <p:sldId id="290" r:id="rId25"/>
+    <p:sldId id="291" r:id="rId26"/>
+    <p:sldId id="285" r:id="rId27"/>
   </p:sldIdLst>
   <p:sldSz cx="12192000" cy="6858000"/>
   <p:notesSz cx="6858000" cy="9144000"/>
@@ -216,7 +222,7 @@
           <a:p>
             <a:fld id="{C0C9C2B7-2340-4B17-AD23-4C674DC72124}" type="datetimeFigureOut">
               <a:rPr lang="fr-FR" smtClean="0"/>
-              <a:t>19/06/2022</a:t>
+              <a:t>20/06/2022</a:t>
             </a:fld>
             <a:endParaRPr lang="fr-FR"/>
           </a:p>
@@ -615,7 +621,7 @@
           <a:p>
             <a:fld id="{BE1D80D7-E795-47DF-A270-8934FAE3AB7E}" type="datetime1">
               <a:rPr lang="fr-FR" smtClean="0"/>
-              <a:t>19/06/2022</a:t>
+              <a:t>20/06/2022</a:t>
             </a:fld>
             <a:endParaRPr lang="fr-FR"/>
           </a:p>
@@ -1027,7 +1033,7 @@
           <a:p>
             <a:fld id="{F73B48DC-66E5-4596-9135-7E043A6DB25F}" type="datetime1">
               <a:rPr lang="fr-FR" smtClean="0"/>
-              <a:t>19/06/2022</a:t>
+              <a:t>20/06/2022</a:t>
             </a:fld>
             <a:endParaRPr lang="fr-FR"/>
           </a:p>
@@ -1216,7 +1222,7 @@
           <a:p>
             <a:fld id="{EBFCBD7F-D5DA-4F8D-B651-1A3D9E7B4713}" type="datetime1">
               <a:rPr lang="fr-FR" smtClean="0"/>
-              <a:t>19/06/2022</a:t>
+              <a:t>20/06/2022</a:t>
             </a:fld>
             <a:endParaRPr lang="fr-FR"/>
           </a:p>
@@ -1395,7 +1401,7 @@
           <a:p>
             <a:fld id="{B350EF65-4ABC-49B6-B8C2-CC51A8302A79}" type="datetime1">
               <a:rPr lang="fr-FR" smtClean="0"/>
-              <a:t>19/06/2022</a:t>
+              <a:t>20/06/2022</a:t>
             </a:fld>
             <a:endParaRPr lang="fr-FR"/>
           </a:p>
@@ -1697,7 +1703,7 @@
           <a:p>
             <a:fld id="{EE1FE79D-B2B2-4314-98C2-97D1765D683E}" type="datetime1">
               <a:rPr lang="fr-FR" smtClean="0"/>
-              <a:t>19/06/2022</a:t>
+              <a:t>20/06/2022</a:t>
             </a:fld>
             <a:endParaRPr lang="fr-FR"/>
           </a:p>
@@ -1937,7 +1943,7 @@
           <a:p>
             <a:fld id="{3FA7A77D-18E6-48E1-B98A-CB51CCB05D3E}" type="datetime1">
               <a:rPr lang="fr-FR" smtClean="0"/>
-              <a:t>19/06/2022</a:t>
+              <a:t>20/06/2022</a:t>
             </a:fld>
             <a:endParaRPr lang="fr-FR"/>
           </a:p>
@@ -2358,7 +2364,7 @@
           <a:p>
             <a:fld id="{CA21FB86-5F63-475F-95DE-71FE06FEDD9D}" type="datetime1">
               <a:rPr lang="fr-FR" smtClean="0"/>
-              <a:t>19/06/2022</a:t>
+              <a:t>20/06/2022</a:t>
             </a:fld>
             <a:endParaRPr lang="fr-FR"/>
           </a:p>
@@ -2486,7 +2492,7 @@
           <a:p>
             <a:fld id="{44223160-E747-4298-BF2C-FC1DD17DCC41}" type="datetime1">
               <a:rPr lang="fr-FR" smtClean="0"/>
-              <a:t>19/06/2022</a:t>
+              <a:t>20/06/2022</a:t>
             </a:fld>
             <a:endParaRPr lang="fr-FR"/>
           </a:p>
@@ -2638,7 +2644,7 @@
           <a:p>
             <a:fld id="{1EA20B08-C7D8-4E26-9D27-1835A20019FC}" type="datetime1">
               <a:rPr lang="fr-FR" smtClean="0"/>
-              <a:t>19/06/2022</a:t>
+              <a:t>20/06/2022</a:t>
             </a:fld>
             <a:endParaRPr lang="fr-FR"/>
           </a:p>
@@ -2924,7 +2930,7 @@
           <a:p>
             <a:fld id="{63BA82F3-944C-411F-B3D2-58FB800E25BF}" type="datetime1">
               <a:rPr lang="fr-FR" smtClean="0"/>
-              <a:t>19/06/2022</a:t>
+              <a:t>20/06/2022</a:t>
             </a:fld>
             <a:endParaRPr lang="fr-FR"/>
           </a:p>
@@ -3187,7 +3193,7 @@
           <a:p>
             <a:fld id="{CA59CB88-89C1-4EE1-8CE8-7B5CFB197E54}" type="datetime1">
               <a:rPr lang="fr-FR" smtClean="0"/>
-              <a:t>19/06/2022</a:t>
+              <a:t>20/06/2022</a:t>
             </a:fld>
             <a:endParaRPr lang="fr-FR"/>
           </a:p>
@@ -3409,7 +3415,7 @@
           <a:p>
             <a:fld id="{DD926776-FF8D-4ACB-B9C3-460D6EA75E10}" type="datetime1">
               <a:rPr lang="fr-FR" smtClean="0"/>
-              <a:t>19/06/2022</a:t>
+              <a:t>20/06/2022</a:t>
             </a:fld>
             <a:endParaRPr lang="fr-FR"/>
           </a:p>
@@ -5437,42 +5443,53 @@
               <a:rPr lang="fr-FR" dirty="0" err="1"/>
               <a:t>CCINP</a:t>
             </a:r>
+            <a:r>
+              <a:rPr lang="fr-FR" dirty="0"/>
+              <a:t> – PSI – </a:t>
+            </a:r>
+          </a:p>
+        </p:txBody>
+      </p:sp>
+      <p:sp>
+        <p:nvSpPr>
+          <p:cNvPr id="3" name="Espace réservé du contenu 2">
+            <a:extLst>
+              <a:ext uri="{FF2B5EF4-FFF2-40B4-BE49-F238E27FC236}">
+                <a16:creationId xmlns:a16="http://schemas.microsoft.com/office/drawing/2014/main" id="{005E30A0-B478-0D21-AC19-299D61920C7D}"/>
+              </a:ext>
+            </a:extLst>
+          </p:cNvPr>
+          <p:cNvSpPr>
+            <a:spLocks noGrp="1"/>
+          </p:cNvSpPr>
+          <p:nvPr>
+            <p:ph idx="1"/>
+          </p:nvPr>
+        </p:nvSpPr>
+        <p:spPr/>
+        <p:txBody>
+          <a:bodyPr/>
+          <a:lstStyle/>
+          <a:p>
+            <a:r>
+              <a:rPr lang="fr-FR" dirty="0"/>
+              <a:t>Epreuve : TP de Sciences Industrielles de l’Ingénieur</a:t>
+            </a:r>
+          </a:p>
+          <a:p>
+            <a:r>
+              <a:rPr lang="fr-FR" dirty="0"/>
+              <a:t>Durée : 1h45 – 2h</a:t>
+            </a:r>
+          </a:p>
+          <a:p>
+            <a:pPr lvl="1"/>
+            <a:r>
+              <a:rPr lang="fr-FR"/>
+              <a:t> </a:t>
+            </a:r>
             <a:endParaRPr lang="fr-FR" dirty="0"/>
           </a:p>
-        </p:txBody>
-      </p:sp>
-      <p:sp>
-        <p:nvSpPr>
-          <p:cNvPr id="3" name="Espace réservé du contenu 2">
-            <a:extLst>
-              <a:ext uri="{FF2B5EF4-FFF2-40B4-BE49-F238E27FC236}">
-                <a16:creationId xmlns:a16="http://schemas.microsoft.com/office/drawing/2014/main" id="{005E30A0-B478-0D21-AC19-299D61920C7D}"/>
-              </a:ext>
-            </a:extLst>
-          </p:cNvPr>
-          <p:cNvSpPr>
-            <a:spLocks noGrp="1"/>
-          </p:cNvSpPr>
-          <p:nvPr>
-            <p:ph idx="1"/>
-          </p:nvPr>
-        </p:nvSpPr>
-        <p:spPr/>
-        <p:txBody>
-          <a:bodyPr/>
-          <a:lstStyle/>
-          <a:p>
-            <a:r>
-              <a:rPr lang="fr-FR" dirty="0"/>
-              <a:t>Epreuve : TP de Sciences Industrielles de l’Ingénieur</a:t>
-            </a:r>
-          </a:p>
-          <a:p>
-            <a:r>
-              <a:rPr lang="fr-FR" dirty="0"/>
-              <a:t>Durée : 1h45 – 2h </a:t>
-            </a:r>
-          </a:p>
           <a:p>
             <a:r>
               <a:rPr lang="fr-FR" dirty="0"/>
@@ -5482,7 +5499,14 @@
           <a:p>
             <a:r>
               <a:rPr lang="fr-FR" dirty="0"/>
-              <a:t>Examinateur 1</a:t>
+              <a:t>Examinateur 1 </a:t>
+            </a:r>
+          </a:p>
+          <a:p>
+            <a:pPr lvl="1"/>
+            <a:r>
+              <a:rPr lang="fr-FR" dirty="0"/>
+              <a:t>4 passages</a:t>
             </a:r>
           </a:p>
           <a:p>
@@ -5541,7 +5565,7 @@
         </p:nvSpPr>
         <p:spPr>
           <a:xfrm>
-            <a:off x="914400" y="3803308"/>
+            <a:off x="914400" y="4494424"/>
             <a:ext cx="10718800" cy="2031325"/>
           </a:xfrm>
           <a:prstGeom prst="rect">
@@ -5721,6 +5745,51 @@
           </a:p>
         </p:txBody>
       </p:sp>
+      <p:pic>
+        <p:nvPicPr>
+          <p:cNvPr id="1030" name="Picture 6" descr="Concours commun Institut National Polytechnique (CCINP)/E3A - Vice-rectorat  de Polynésie française">
+            <a:extLst>
+              <a:ext uri="{FF2B5EF4-FFF2-40B4-BE49-F238E27FC236}">
+                <a16:creationId xmlns:a16="http://schemas.microsoft.com/office/drawing/2014/main" id="{D4B3BD05-BCC3-397E-E265-219D32613613}"/>
+              </a:ext>
+            </a:extLst>
+          </p:cNvPr>
+          <p:cNvPicPr>
+            <a:picLocks noChangeAspect="1" noChangeArrowheads="1"/>
+          </p:cNvPicPr>
+          <p:nvPr/>
+        </p:nvPicPr>
+        <p:blipFill rotWithShape="1">
+          <a:blip r:embed="rId2">
+            <a:extLst>
+              <a:ext uri="{28A0092B-C50C-407E-A947-70E740481C1C}">
+                <a14:useLocalDpi xmlns:a14="http://schemas.microsoft.com/office/drawing/2010/main" val="0"/>
+              </a:ext>
+            </a:extLst>
+          </a:blip>
+          <a:srcRect l="17067" t="10387" r="17511" b="10630"/>
+          <a:stretch/>
+        </p:blipFill>
+        <p:spPr bwMode="auto">
+          <a:xfrm>
+            <a:off x="10920518" y="5834633"/>
+            <a:ext cx="1271482" cy="1023367"/>
+          </a:xfrm>
+          <a:prstGeom prst="rect">
+            <a:avLst/>
+          </a:prstGeom>
+          <a:noFill/>
+          <a:extLst>
+            <a:ext uri="{909E8E84-426E-40DD-AFC4-6F175D3DCCD1}">
+              <a14:hiddenFill xmlns:a14="http://schemas.microsoft.com/office/drawing/2010/main">
+                <a:solidFill>
+                  <a:srgbClr val="FFFFFF"/>
+                </a:solidFill>
+              </a14:hiddenFill>
+            </a:ext>
+          </a:extLst>
+        </p:spPr>
+      </p:pic>
     </p:spTree>
     <p:extLst>
       <p:ext uri="{BB962C8B-B14F-4D97-AF65-F5344CB8AC3E}">
@@ -5773,8 +5842,12 @@
           <a:lstStyle/>
           <a:p>
             <a:r>
-              <a:rPr lang="fr-FR" dirty="0"/>
-              <a:t>Déroulé de l’épreuve</a:t>
+              <a:rPr lang="fr-FR" dirty="0" err="1"/>
+              <a:t>CCINP</a:t>
+            </a:r>
+            <a:r>
+              <a:rPr lang="fr-FR" dirty="0"/>
+              <a:t> – PSI – Déroulé de l’épreuve</a:t>
             </a:r>
           </a:p>
         </p:txBody>
@@ -6104,6 +6177,51 @@
           </a:p>
         </p:txBody>
       </p:sp>
+      <p:pic>
+        <p:nvPicPr>
+          <p:cNvPr id="7" name="Picture 6" descr="Concours commun Institut National Polytechnique (CCINP)/E3A - Vice-rectorat  de Polynésie française">
+            <a:extLst>
+              <a:ext uri="{FF2B5EF4-FFF2-40B4-BE49-F238E27FC236}">
+                <a16:creationId xmlns:a16="http://schemas.microsoft.com/office/drawing/2014/main" id="{3C1FB1D4-30CC-F5F4-70EA-AA2D5A9E25C1}"/>
+              </a:ext>
+            </a:extLst>
+          </p:cNvPr>
+          <p:cNvPicPr>
+            <a:picLocks noChangeAspect="1" noChangeArrowheads="1"/>
+          </p:cNvPicPr>
+          <p:nvPr/>
+        </p:nvPicPr>
+        <p:blipFill rotWithShape="1">
+          <a:blip r:embed="rId2">
+            <a:extLst>
+              <a:ext uri="{28A0092B-C50C-407E-A947-70E740481C1C}">
+                <a14:useLocalDpi xmlns:a14="http://schemas.microsoft.com/office/drawing/2010/main" val="0"/>
+              </a:ext>
+            </a:extLst>
+          </a:blip>
+          <a:srcRect l="17067" t="10387" r="17511" b="10630"/>
+          <a:stretch/>
+        </p:blipFill>
+        <p:spPr bwMode="auto">
+          <a:xfrm>
+            <a:off x="10920518" y="5834633"/>
+            <a:ext cx="1271482" cy="1023367"/>
+          </a:xfrm>
+          <a:prstGeom prst="rect">
+            <a:avLst/>
+          </a:prstGeom>
+          <a:noFill/>
+          <a:extLst>
+            <a:ext uri="{909E8E84-426E-40DD-AFC4-6F175D3DCCD1}">
+              <a14:hiddenFill xmlns:a14="http://schemas.microsoft.com/office/drawing/2010/main">
+                <a:solidFill>
+                  <a:srgbClr val="FFFFFF"/>
+                </a:solidFill>
+              </a14:hiddenFill>
+            </a:ext>
+          </a:extLst>
+        </p:spPr>
+      </p:pic>
     </p:spTree>
     <p:extLst>
       <p:ext uri="{BB962C8B-B14F-4D97-AF65-F5344CB8AC3E}">
@@ -6156,8 +6274,12 @@
           <a:lstStyle/>
           <a:p>
             <a:r>
-              <a:rPr lang="fr-FR" dirty="0"/>
-              <a:t>Conseils</a:t>
+              <a:rPr lang="fr-FR" dirty="0" err="1"/>
+              <a:t>CCINP</a:t>
+            </a:r>
+            <a:r>
+              <a:rPr lang="fr-FR" dirty="0"/>
+              <a:t> – PSI – Conseils</a:t>
             </a:r>
           </a:p>
         </p:txBody>
@@ -6187,7 +6309,7 @@
           <a:p>
             <a:r>
               <a:rPr lang="fr-FR" dirty="0"/>
-              <a:t>Les conseils listés précédemment restent valables…</a:t>
+              <a:t>Les conseils listés sur les autres concours précédemment restent valables…</a:t>
             </a:r>
           </a:p>
           <a:p>
@@ -6220,11 +6342,7 @@
           <a:p>
             <a:r>
               <a:rPr lang="fr-FR" dirty="0"/>
-              <a:t>Maîtriser les outils de modélisation multiphysique, savoir renseigner dans le modèle des valeurs </a:t>
-            </a:r>
-            <a:r>
-              <a:rPr lang="fr-FR"/>
-              <a:t>déterminées expérimentalement</a:t>
+              <a:t>Maîtriser les outils de modélisation multiphysique, savoir renseigner dans le modèle des valeurs déterminées expérimentalement</a:t>
             </a:r>
           </a:p>
           <a:p>
@@ -6260,6 +6378,51 @@
           </a:p>
         </p:txBody>
       </p:sp>
+      <p:pic>
+        <p:nvPicPr>
+          <p:cNvPr id="5" name="Picture 6" descr="Concours commun Institut National Polytechnique (CCINP)/E3A - Vice-rectorat  de Polynésie française">
+            <a:extLst>
+              <a:ext uri="{FF2B5EF4-FFF2-40B4-BE49-F238E27FC236}">
+                <a16:creationId xmlns:a16="http://schemas.microsoft.com/office/drawing/2014/main" id="{003365A9-6BDF-187D-6905-F956BD015623}"/>
+              </a:ext>
+            </a:extLst>
+          </p:cNvPr>
+          <p:cNvPicPr>
+            <a:picLocks noChangeAspect="1" noChangeArrowheads="1"/>
+          </p:cNvPicPr>
+          <p:nvPr/>
+        </p:nvPicPr>
+        <p:blipFill rotWithShape="1">
+          <a:blip r:embed="rId2">
+            <a:extLst>
+              <a:ext uri="{28A0092B-C50C-407E-A947-70E740481C1C}">
+                <a14:useLocalDpi xmlns:a14="http://schemas.microsoft.com/office/drawing/2010/main" val="0"/>
+              </a:ext>
+            </a:extLst>
+          </a:blip>
+          <a:srcRect l="17067" t="10387" r="17511" b="10630"/>
+          <a:stretch/>
+        </p:blipFill>
+        <p:spPr bwMode="auto">
+          <a:xfrm>
+            <a:off x="10920518" y="5834633"/>
+            <a:ext cx="1271482" cy="1023367"/>
+          </a:xfrm>
+          <a:prstGeom prst="rect">
+            <a:avLst/>
+          </a:prstGeom>
+          <a:noFill/>
+          <a:extLst>
+            <a:ext uri="{909E8E84-426E-40DD-AFC4-6F175D3DCCD1}">
+              <a14:hiddenFill xmlns:a14="http://schemas.microsoft.com/office/drawing/2010/main">
+                <a:solidFill>
+                  <a:srgbClr val="FFFFFF"/>
+                </a:solidFill>
+              </a14:hiddenFill>
+            </a:ext>
+          </a:extLst>
+        </p:spPr>
+      </p:pic>
     </p:spTree>
     <p:extLst>
       <p:ext uri="{BB962C8B-B14F-4D97-AF65-F5344CB8AC3E}">
@@ -6445,6 +6608,2161 @@
 </file>
 
 <file path=ppt/slides/slide20.xml><?xml version="1.0" encoding="utf-8"?>
+<p:sld xmlns:a="http://schemas.openxmlformats.org/drawingml/2006/main" xmlns:r="http://schemas.openxmlformats.org/officeDocument/2006/relationships" xmlns:p="http://schemas.openxmlformats.org/presentationml/2006/main">
+  <p:cSld>
+    <p:spTree>
+      <p:nvGrpSpPr>
+        <p:cNvPr id="1" name=""/>
+        <p:cNvGrpSpPr/>
+        <p:nvPr/>
+      </p:nvGrpSpPr>
+      <p:grpSpPr>
+        <a:xfrm>
+          <a:off x="0" y="0"/>
+          <a:ext cx="0" cy="0"/>
+          <a:chOff x="0" y="0"/>
+          <a:chExt cx="0" cy="0"/>
+        </a:xfrm>
+      </p:grpSpPr>
+      <p:sp>
+        <p:nvSpPr>
+          <p:cNvPr id="2" name="Titre 1">
+            <a:extLst>
+              <a:ext uri="{FF2B5EF4-FFF2-40B4-BE49-F238E27FC236}">
+                <a16:creationId xmlns:a16="http://schemas.microsoft.com/office/drawing/2014/main" id="{B56FB357-DFD4-D83C-DFD8-5D900D342916}"/>
+              </a:ext>
+            </a:extLst>
+          </p:cNvPr>
+          <p:cNvSpPr>
+            <a:spLocks noGrp="1"/>
+          </p:cNvSpPr>
+          <p:nvPr>
+            <p:ph type="title"/>
+          </p:nvPr>
+        </p:nvSpPr>
+        <p:spPr/>
+        <p:txBody>
+          <a:bodyPr/>
+          <a:lstStyle/>
+          <a:p>
+            <a:r>
+              <a:rPr lang="fr-FR" dirty="0" err="1"/>
+              <a:t>CCINP</a:t>
+            </a:r>
+            <a:r>
+              <a:rPr lang="fr-FR" dirty="0"/>
+              <a:t> – PSI – Exemple</a:t>
+            </a:r>
+          </a:p>
+        </p:txBody>
+      </p:sp>
+      <p:sp>
+        <p:nvSpPr>
+          <p:cNvPr id="4" name="Espace réservé du pied de page 3">
+            <a:extLst>
+              <a:ext uri="{FF2B5EF4-FFF2-40B4-BE49-F238E27FC236}">
+                <a16:creationId xmlns:a16="http://schemas.microsoft.com/office/drawing/2014/main" id="{67A9B591-CE8D-84BA-D2BC-157088BFF730}"/>
+              </a:ext>
+            </a:extLst>
+          </p:cNvPr>
+          <p:cNvSpPr>
+            <a:spLocks noGrp="1"/>
+          </p:cNvSpPr>
+          <p:nvPr>
+            <p:ph type="ftr" sz="quarter" idx="11"/>
+          </p:nvPr>
+        </p:nvSpPr>
+        <p:spPr/>
+        <p:txBody>
+          <a:bodyPr/>
+          <a:lstStyle/>
+          <a:p>
+            <a:r>
+              <a:rPr lang="fr-FR"/>
+              <a:t>Xavier PESSOLES</a:t>
+            </a:r>
+          </a:p>
+        </p:txBody>
+      </p:sp>
+      <p:pic>
+        <p:nvPicPr>
+          <p:cNvPr id="5" name="Picture 6" descr="Concours commun Institut National Polytechnique (CCINP)/E3A - Vice-rectorat  de Polynésie française">
+            <a:extLst>
+              <a:ext uri="{FF2B5EF4-FFF2-40B4-BE49-F238E27FC236}">
+                <a16:creationId xmlns:a16="http://schemas.microsoft.com/office/drawing/2014/main" id="{468A01D4-51D4-0A40-35D0-9F9E6D8DAAC8}"/>
+              </a:ext>
+            </a:extLst>
+          </p:cNvPr>
+          <p:cNvPicPr>
+            <a:picLocks noChangeAspect="1" noChangeArrowheads="1"/>
+          </p:cNvPicPr>
+          <p:nvPr/>
+        </p:nvPicPr>
+        <p:blipFill rotWithShape="1">
+          <a:blip r:embed="rId2">
+            <a:extLst>
+              <a:ext uri="{28A0092B-C50C-407E-A947-70E740481C1C}">
+                <a14:useLocalDpi xmlns:a14="http://schemas.microsoft.com/office/drawing/2010/main" val="0"/>
+              </a:ext>
+            </a:extLst>
+          </a:blip>
+          <a:srcRect l="17067" t="10387" r="17511" b="10630"/>
+          <a:stretch/>
+        </p:blipFill>
+        <p:spPr bwMode="auto">
+          <a:xfrm>
+            <a:off x="10920518" y="5834633"/>
+            <a:ext cx="1271482" cy="1023367"/>
+          </a:xfrm>
+          <a:prstGeom prst="rect">
+            <a:avLst/>
+          </a:prstGeom>
+          <a:noFill/>
+          <a:extLst>
+            <a:ext uri="{909E8E84-426E-40DD-AFC4-6F175D3DCCD1}">
+              <a14:hiddenFill xmlns:a14="http://schemas.microsoft.com/office/drawing/2010/main">
+                <a:solidFill>
+                  <a:srgbClr val="FFFFFF"/>
+                </a:solidFill>
+              </a14:hiddenFill>
+            </a:ext>
+          </a:extLst>
+        </p:spPr>
+      </p:pic>
+      <p:pic>
+        <p:nvPicPr>
+          <p:cNvPr id="12" name="Espace réservé du contenu 11">
+            <a:extLst>
+              <a:ext uri="{FF2B5EF4-FFF2-40B4-BE49-F238E27FC236}">
+                <a16:creationId xmlns:a16="http://schemas.microsoft.com/office/drawing/2014/main" id="{6DCE5D48-8BBD-0344-CC23-FCC3363FEEE0}"/>
+              </a:ext>
+            </a:extLst>
+          </p:cNvPr>
+          <p:cNvPicPr>
+            <a:picLocks noGrp="1" noChangeAspect="1"/>
+          </p:cNvPicPr>
+          <p:nvPr>
+            <p:ph idx="1"/>
+          </p:nvPr>
+        </p:nvPicPr>
+        <p:blipFill>
+          <a:blip r:embed="rId3"/>
+          <a:stretch>
+            <a:fillRect/>
+          </a:stretch>
+        </p:blipFill>
+        <p:spPr>
+          <a:xfrm>
+            <a:off x="110409" y="1021977"/>
+            <a:ext cx="4507361" cy="5381237"/>
+          </a:xfrm>
+        </p:spPr>
+      </p:pic>
+      <p:sp>
+        <p:nvSpPr>
+          <p:cNvPr id="13" name="Rectangle 12">
+            <a:extLst>
+              <a:ext uri="{FF2B5EF4-FFF2-40B4-BE49-F238E27FC236}">
+                <a16:creationId xmlns:a16="http://schemas.microsoft.com/office/drawing/2014/main" id="{76354C45-4998-CC22-FB56-3BE7359A7D97}"/>
+              </a:ext>
+            </a:extLst>
+          </p:cNvPr>
+          <p:cNvSpPr/>
+          <p:nvPr/>
+        </p:nvSpPr>
+        <p:spPr>
+          <a:xfrm>
+            <a:off x="396259" y="1415606"/>
+            <a:ext cx="3891262" cy="2343594"/>
+          </a:xfrm>
+          <a:prstGeom prst="rect">
+            <a:avLst/>
+          </a:prstGeom>
+          <a:noFill/>
+          <a:ln w="28575">
+            <a:solidFill>
+              <a:srgbClr val="1DAE97"/>
+            </a:solidFill>
+            <a:prstDash val="sysDash"/>
+          </a:ln>
+        </p:spPr>
+        <p:style>
+          <a:lnRef idx="2">
+            <a:schemeClr val="accent1">
+              <a:shade val="50000"/>
+            </a:schemeClr>
+          </a:lnRef>
+          <a:fillRef idx="1">
+            <a:schemeClr val="accent1"/>
+          </a:fillRef>
+          <a:effectRef idx="0">
+            <a:schemeClr val="accent1"/>
+          </a:effectRef>
+          <a:fontRef idx="minor">
+            <a:schemeClr val="lt1"/>
+          </a:fontRef>
+        </p:style>
+        <p:txBody>
+          <a:bodyPr rtlCol="0" anchor="ctr"/>
+          <a:lstStyle/>
+          <a:p>
+            <a:pPr algn="ctr"/>
+            <a:endParaRPr lang="fr-FR"/>
+          </a:p>
+        </p:txBody>
+      </p:sp>
+      <p:cxnSp>
+        <p:nvCxnSpPr>
+          <p:cNvPr id="15" name="Connecteur droit 14">
+            <a:extLst>
+              <a:ext uri="{FF2B5EF4-FFF2-40B4-BE49-F238E27FC236}">
+                <a16:creationId xmlns:a16="http://schemas.microsoft.com/office/drawing/2014/main" id="{0F3B2E0F-F147-E615-D67F-537393386569}"/>
+              </a:ext>
+            </a:extLst>
+          </p:cNvPr>
+          <p:cNvCxnSpPr>
+            <a:cxnSpLocks/>
+          </p:cNvCxnSpPr>
+          <p:nvPr/>
+        </p:nvCxnSpPr>
+        <p:spPr>
+          <a:xfrm>
+            <a:off x="4617770" y="5513196"/>
+            <a:ext cx="1285190" cy="0"/>
+          </a:xfrm>
+          <a:prstGeom prst="line">
+            <a:avLst/>
+          </a:prstGeom>
+          <a:noFill/>
+          <a:ln w="28575">
+            <a:solidFill>
+              <a:srgbClr val="FF0000"/>
+            </a:solidFill>
+            <a:prstDash val="sysDash"/>
+          </a:ln>
+        </p:spPr>
+        <p:style>
+          <a:lnRef idx="2">
+            <a:schemeClr val="accent1">
+              <a:shade val="50000"/>
+            </a:schemeClr>
+          </a:lnRef>
+          <a:fillRef idx="1">
+            <a:schemeClr val="accent1"/>
+          </a:fillRef>
+          <a:effectRef idx="0">
+            <a:schemeClr val="accent1"/>
+          </a:effectRef>
+          <a:fontRef idx="minor">
+            <a:schemeClr val="lt1"/>
+          </a:fontRef>
+        </p:style>
+      </p:cxnSp>
+      <p:sp>
+        <p:nvSpPr>
+          <p:cNvPr id="21" name="Rectangle 20">
+            <a:extLst>
+              <a:ext uri="{FF2B5EF4-FFF2-40B4-BE49-F238E27FC236}">
+                <a16:creationId xmlns:a16="http://schemas.microsoft.com/office/drawing/2014/main" id="{05D1990F-C530-19D9-E0DE-6B112EC8C721}"/>
+              </a:ext>
+            </a:extLst>
+          </p:cNvPr>
+          <p:cNvSpPr/>
+          <p:nvPr/>
+        </p:nvSpPr>
+        <p:spPr>
+          <a:xfrm>
+            <a:off x="110409" y="5431916"/>
+            <a:ext cx="4507361" cy="399033"/>
+          </a:xfrm>
+          <a:prstGeom prst="rect">
+            <a:avLst/>
+          </a:prstGeom>
+          <a:noFill/>
+          <a:ln w="28575">
+            <a:solidFill>
+              <a:srgbClr val="FF0000"/>
+            </a:solidFill>
+            <a:prstDash val="sysDash"/>
+          </a:ln>
+        </p:spPr>
+        <p:style>
+          <a:lnRef idx="2">
+            <a:schemeClr val="accent1">
+              <a:shade val="50000"/>
+            </a:schemeClr>
+          </a:lnRef>
+          <a:fillRef idx="1">
+            <a:schemeClr val="accent1"/>
+          </a:fillRef>
+          <a:effectRef idx="0">
+            <a:schemeClr val="accent1"/>
+          </a:effectRef>
+          <a:fontRef idx="minor">
+            <a:schemeClr val="lt1"/>
+          </a:fontRef>
+        </p:style>
+        <p:txBody>
+          <a:bodyPr rtlCol="0" anchor="ctr"/>
+          <a:lstStyle/>
+          <a:p>
+            <a:pPr algn="ctr"/>
+            <a:endParaRPr lang="fr-FR"/>
+          </a:p>
+        </p:txBody>
+      </p:sp>
+      <p:cxnSp>
+        <p:nvCxnSpPr>
+          <p:cNvPr id="23" name="Connecteur droit 22">
+            <a:extLst>
+              <a:ext uri="{FF2B5EF4-FFF2-40B4-BE49-F238E27FC236}">
+                <a16:creationId xmlns:a16="http://schemas.microsoft.com/office/drawing/2014/main" id="{74F20A06-7DE1-B3E1-E3CA-9AEE48DB1FEF}"/>
+              </a:ext>
+            </a:extLst>
+          </p:cNvPr>
+          <p:cNvCxnSpPr/>
+          <p:nvPr/>
+        </p:nvCxnSpPr>
+        <p:spPr>
+          <a:xfrm>
+            <a:off x="5384800" y="1564640"/>
+            <a:ext cx="0" cy="1178560"/>
+          </a:xfrm>
+          <a:prstGeom prst="line">
+            <a:avLst/>
+          </a:prstGeom>
+          <a:noFill/>
+          <a:ln w="28575">
+            <a:solidFill>
+              <a:srgbClr val="1DAE97"/>
+            </a:solidFill>
+            <a:prstDash val="sysDash"/>
+          </a:ln>
+        </p:spPr>
+        <p:style>
+          <a:lnRef idx="2">
+            <a:schemeClr val="accent1">
+              <a:shade val="50000"/>
+            </a:schemeClr>
+          </a:lnRef>
+          <a:fillRef idx="1">
+            <a:schemeClr val="accent1"/>
+          </a:fillRef>
+          <a:effectRef idx="0">
+            <a:schemeClr val="accent1"/>
+          </a:effectRef>
+          <a:fontRef idx="minor">
+            <a:schemeClr val="lt1"/>
+          </a:fontRef>
+        </p:style>
+      </p:cxnSp>
+      <p:sp>
+        <p:nvSpPr>
+          <p:cNvPr id="24" name="ZoneTexte 23">
+            <a:extLst>
+              <a:ext uri="{FF2B5EF4-FFF2-40B4-BE49-F238E27FC236}">
+                <a16:creationId xmlns:a16="http://schemas.microsoft.com/office/drawing/2014/main" id="{7BCCA31E-8F17-C9FE-0003-7BAB63BA27D0}"/>
+              </a:ext>
+            </a:extLst>
+          </p:cNvPr>
+          <p:cNvSpPr txBox="1"/>
+          <p:nvPr/>
+        </p:nvSpPr>
+        <p:spPr>
+          <a:xfrm>
+            <a:off x="5341636" y="1611180"/>
+            <a:ext cx="5730240" cy="1077218"/>
+          </a:xfrm>
+          <a:prstGeom prst="rect">
+            <a:avLst/>
+          </a:prstGeom>
+          <a:noFill/>
+        </p:spPr>
+        <p:txBody>
+          <a:bodyPr wrap="square" rtlCol="0">
+            <a:spAutoFit/>
+          </a:bodyPr>
+          <a:lstStyle/>
+          <a:p>
+            <a:r>
+              <a:rPr lang="fr-FR" sz="1600" dirty="0"/>
+              <a:t>Le système est avant tout tiré d’un contexte commercial, industriel ou autre.</a:t>
+            </a:r>
+          </a:p>
+          <a:p>
+            <a:r>
+              <a:rPr lang="fr-FR" sz="1600" dirty="0"/>
+              <a:t>Il faut être capable de différencier le système réel du système pédagogique (en terme de capteurs, ou de choix technologique)</a:t>
+            </a:r>
+          </a:p>
+        </p:txBody>
+      </p:sp>
+      <p:cxnSp>
+        <p:nvCxnSpPr>
+          <p:cNvPr id="25" name="Connecteur droit 24">
+            <a:extLst>
+              <a:ext uri="{FF2B5EF4-FFF2-40B4-BE49-F238E27FC236}">
+                <a16:creationId xmlns:a16="http://schemas.microsoft.com/office/drawing/2014/main" id="{C824F69A-11D5-6285-3B1C-0DBBA69E0A4B}"/>
+              </a:ext>
+            </a:extLst>
+          </p:cNvPr>
+          <p:cNvCxnSpPr>
+            <a:cxnSpLocks/>
+            <a:stCxn id="24" idx="1"/>
+          </p:cNvCxnSpPr>
+          <p:nvPr/>
+        </p:nvCxnSpPr>
+        <p:spPr>
+          <a:xfrm flipH="1">
+            <a:off x="4287521" y="2149789"/>
+            <a:ext cx="1054115" cy="0"/>
+          </a:xfrm>
+          <a:prstGeom prst="line">
+            <a:avLst/>
+          </a:prstGeom>
+          <a:noFill/>
+          <a:ln w="28575">
+            <a:solidFill>
+              <a:srgbClr val="1DAE97"/>
+            </a:solidFill>
+            <a:prstDash val="sysDash"/>
+          </a:ln>
+        </p:spPr>
+        <p:style>
+          <a:lnRef idx="2">
+            <a:schemeClr val="accent1">
+              <a:shade val="50000"/>
+            </a:schemeClr>
+          </a:lnRef>
+          <a:fillRef idx="1">
+            <a:schemeClr val="accent1"/>
+          </a:fillRef>
+          <a:effectRef idx="0">
+            <a:schemeClr val="accent1"/>
+          </a:effectRef>
+          <a:fontRef idx="minor">
+            <a:schemeClr val="lt1"/>
+          </a:fontRef>
+        </p:style>
+      </p:cxnSp>
+      <p:cxnSp>
+        <p:nvCxnSpPr>
+          <p:cNvPr id="28" name="Connecteur droit 27">
+            <a:extLst>
+              <a:ext uri="{FF2B5EF4-FFF2-40B4-BE49-F238E27FC236}">
+                <a16:creationId xmlns:a16="http://schemas.microsoft.com/office/drawing/2014/main" id="{BA72F860-1115-D2A6-D71D-A5C27862DC9C}"/>
+              </a:ext>
+            </a:extLst>
+          </p:cNvPr>
+          <p:cNvCxnSpPr>
+            <a:cxnSpLocks/>
+          </p:cNvCxnSpPr>
+          <p:nvPr/>
+        </p:nvCxnSpPr>
+        <p:spPr>
+          <a:xfrm>
+            <a:off x="5902960" y="4507510"/>
+            <a:ext cx="0" cy="1323439"/>
+          </a:xfrm>
+          <a:prstGeom prst="line">
+            <a:avLst/>
+          </a:prstGeom>
+          <a:noFill/>
+          <a:ln w="28575">
+            <a:solidFill>
+              <a:srgbClr val="FF0000"/>
+            </a:solidFill>
+            <a:prstDash val="sysDash"/>
+          </a:ln>
+        </p:spPr>
+        <p:style>
+          <a:lnRef idx="2">
+            <a:schemeClr val="accent1">
+              <a:shade val="50000"/>
+            </a:schemeClr>
+          </a:lnRef>
+          <a:fillRef idx="1">
+            <a:schemeClr val="accent1"/>
+          </a:fillRef>
+          <a:effectRef idx="0">
+            <a:schemeClr val="accent1"/>
+          </a:effectRef>
+          <a:fontRef idx="minor">
+            <a:schemeClr val="lt1"/>
+          </a:fontRef>
+        </p:style>
+      </p:cxnSp>
+      <p:sp>
+        <p:nvSpPr>
+          <p:cNvPr id="31" name="ZoneTexte 30">
+            <a:extLst>
+              <a:ext uri="{FF2B5EF4-FFF2-40B4-BE49-F238E27FC236}">
+                <a16:creationId xmlns:a16="http://schemas.microsoft.com/office/drawing/2014/main" id="{F7C06410-B177-43E2-A795-9475F54A7D31}"/>
+              </a:ext>
+            </a:extLst>
+          </p:cNvPr>
+          <p:cNvSpPr txBox="1"/>
+          <p:nvPr/>
+        </p:nvSpPr>
+        <p:spPr>
+          <a:xfrm>
+            <a:off x="5902960" y="4507510"/>
+            <a:ext cx="5730240" cy="1323439"/>
+          </a:xfrm>
+          <a:prstGeom prst="rect">
+            <a:avLst/>
+          </a:prstGeom>
+          <a:noFill/>
+        </p:spPr>
+        <p:txBody>
+          <a:bodyPr wrap="square" rtlCol="0">
+            <a:spAutoFit/>
+          </a:bodyPr>
+          <a:lstStyle/>
+          <a:p>
+            <a:r>
+              <a:rPr lang="fr-FR" sz="1600" dirty="0"/>
+              <a:t>Le but du TP est de répondre à une problématique (problématique technique, économique, commercial, problème de modélisation). </a:t>
+            </a:r>
+          </a:p>
+          <a:p>
+            <a:endParaRPr lang="fr-FR" sz="1600" dirty="0"/>
+          </a:p>
+          <a:p>
+            <a:r>
+              <a:rPr lang="fr-FR" sz="1600" dirty="0"/>
+              <a:t>Il faut garder cette problématique en tête, notamment en début de TP et en phase de synthèse.</a:t>
+            </a:r>
+          </a:p>
+        </p:txBody>
+      </p:sp>
+    </p:spTree>
+    <p:extLst>
+      <p:ext uri="{BB962C8B-B14F-4D97-AF65-F5344CB8AC3E}">
+        <p14:creationId xmlns:p14="http://schemas.microsoft.com/office/powerpoint/2010/main" val="4232286409"/>
+      </p:ext>
+    </p:extLst>
+  </p:cSld>
+  <p:clrMapOvr>
+    <a:masterClrMapping/>
+  </p:clrMapOvr>
+</p:sld>
+</file>
+
+<file path=ppt/slides/slide21.xml><?xml version="1.0" encoding="utf-8"?>
+<p:sld xmlns:a="http://schemas.openxmlformats.org/drawingml/2006/main" xmlns:r="http://schemas.openxmlformats.org/officeDocument/2006/relationships" xmlns:p="http://schemas.openxmlformats.org/presentationml/2006/main">
+  <p:cSld>
+    <p:spTree>
+      <p:nvGrpSpPr>
+        <p:cNvPr id="1" name=""/>
+        <p:cNvGrpSpPr/>
+        <p:nvPr/>
+      </p:nvGrpSpPr>
+      <p:grpSpPr>
+        <a:xfrm>
+          <a:off x="0" y="0"/>
+          <a:ext cx="0" cy="0"/>
+          <a:chOff x="0" y="0"/>
+          <a:chExt cx="0" cy="0"/>
+        </a:xfrm>
+      </p:grpSpPr>
+      <p:sp>
+        <p:nvSpPr>
+          <p:cNvPr id="2" name="Titre 1">
+            <a:extLst>
+              <a:ext uri="{FF2B5EF4-FFF2-40B4-BE49-F238E27FC236}">
+                <a16:creationId xmlns:a16="http://schemas.microsoft.com/office/drawing/2014/main" id="{B56FB357-DFD4-D83C-DFD8-5D900D342916}"/>
+              </a:ext>
+            </a:extLst>
+          </p:cNvPr>
+          <p:cNvSpPr>
+            <a:spLocks noGrp="1"/>
+          </p:cNvSpPr>
+          <p:nvPr>
+            <p:ph type="title"/>
+          </p:nvPr>
+        </p:nvSpPr>
+        <p:spPr/>
+        <p:txBody>
+          <a:bodyPr/>
+          <a:lstStyle/>
+          <a:p>
+            <a:r>
+              <a:rPr lang="fr-FR" dirty="0" err="1"/>
+              <a:t>CCINP</a:t>
+            </a:r>
+            <a:r>
+              <a:rPr lang="fr-FR" dirty="0"/>
+              <a:t> – PSI – Exemple</a:t>
+            </a:r>
+          </a:p>
+        </p:txBody>
+      </p:sp>
+      <p:pic>
+        <p:nvPicPr>
+          <p:cNvPr id="7" name="Espace réservé du contenu 6">
+            <a:extLst>
+              <a:ext uri="{FF2B5EF4-FFF2-40B4-BE49-F238E27FC236}">
+                <a16:creationId xmlns:a16="http://schemas.microsoft.com/office/drawing/2014/main" id="{6E99317A-FA77-D12B-59E3-572E8D98AEB8}"/>
+              </a:ext>
+            </a:extLst>
+          </p:cNvPr>
+          <p:cNvPicPr>
+            <a:picLocks noGrp="1" noChangeAspect="1"/>
+          </p:cNvPicPr>
+          <p:nvPr>
+            <p:ph idx="1"/>
+          </p:nvPr>
+        </p:nvPicPr>
+        <p:blipFill>
+          <a:blip r:embed="rId2"/>
+          <a:stretch>
+            <a:fillRect/>
+          </a:stretch>
+        </p:blipFill>
+        <p:spPr>
+          <a:xfrm>
+            <a:off x="197813" y="1265298"/>
+            <a:ext cx="7643435" cy="4932302"/>
+          </a:xfrm>
+        </p:spPr>
+      </p:pic>
+      <p:sp>
+        <p:nvSpPr>
+          <p:cNvPr id="4" name="Espace réservé du pied de page 3">
+            <a:extLst>
+              <a:ext uri="{FF2B5EF4-FFF2-40B4-BE49-F238E27FC236}">
+                <a16:creationId xmlns:a16="http://schemas.microsoft.com/office/drawing/2014/main" id="{67A9B591-CE8D-84BA-D2BC-157088BFF730}"/>
+              </a:ext>
+            </a:extLst>
+          </p:cNvPr>
+          <p:cNvSpPr>
+            <a:spLocks noGrp="1"/>
+          </p:cNvSpPr>
+          <p:nvPr>
+            <p:ph type="ftr" sz="quarter" idx="11"/>
+          </p:nvPr>
+        </p:nvSpPr>
+        <p:spPr/>
+        <p:txBody>
+          <a:bodyPr/>
+          <a:lstStyle/>
+          <a:p>
+            <a:r>
+              <a:rPr lang="fr-FR"/>
+              <a:t>Xavier PESSOLES</a:t>
+            </a:r>
+          </a:p>
+        </p:txBody>
+      </p:sp>
+      <p:pic>
+        <p:nvPicPr>
+          <p:cNvPr id="5" name="Picture 6" descr="Concours commun Institut National Polytechnique (CCINP)/E3A - Vice-rectorat  de Polynésie française">
+            <a:extLst>
+              <a:ext uri="{FF2B5EF4-FFF2-40B4-BE49-F238E27FC236}">
+                <a16:creationId xmlns:a16="http://schemas.microsoft.com/office/drawing/2014/main" id="{468A01D4-51D4-0A40-35D0-9F9E6D8DAAC8}"/>
+              </a:ext>
+            </a:extLst>
+          </p:cNvPr>
+          <p:cNvPicPr>
+            <a:picLocks noChangeAspect="1" noChangeArrowheads="1"/>
+          </p:cNvPicPr>
+          <p:nvPr/>
+        </p:nvPicPr>
+        <p:blipFill rotWithShape="1">
+          <a:blip r:embed="rId3">
+            <a:extLst>
+              <a:ext uri="{28A0092B-C50C-407E-A947-70E740481C1C}">
+                <a14:useLocalDpi xmlns:a14="http://schemas.microsoft.com/office/drawing/2010/main" val="0"/>
+              </a:ext>
+            </a:extLst>
+          </a:blip>
+          <a:srcRect l="17067" t="10387" r="17511" b="10630"/>
+          <a:stretch/>
+        </p:blipFill>
+        <p:spPr bwMode="auto">
+          <a:xfrm>
+            <a:off x="10920518" y="5834633"/>
+            <a:ext cx="1271482" cy="1023367"/>
+          </a:xfrm>
+          <a:prstGeom prst="rect">
+            <a:avLst/>
+          </a:prstGeom>
+          <a:noFill/>
+          <a:extLst>
+            <a:ext uri="{909E8E84-426E-40DD-AFC4-6F175D3DCCD1}">
+              <a14:hiddenFill xmlns:a14="http://schemas.microsoft.com/office/drawing/2010/main">
+                <a:solidFill>
+                  <a:srgbClr val="FFFFFF"/>
+                </a:solidFill>
+              </a14:hiddenFill>
+            </a:ext>
+          </a:extLst>
+        </p:spPr>
+      </p:pic>
+      <p:sp>
+        <p:nvSpPr>
+          <p:cNvPr id="10" name="Rectangle 9">
+            <a:extLst>
+              <a:ext uri="{FF2B5EF4-FFF2-40B4-BE49-F238E27FC236}">
+                <a16:creationId xmlns:a16="http://schemas.microsoft.com/office/drawing/2014/main" id="{A05BCF04-BD26-F483-9706-74D68634BD67}"/>
+              </a:ext>
+            </a:extLst>
+          </p:cNvPr>
+          <p:cNvSpPr/>
+          <p:nvPr/>
+        </p:nvSpPr>
+        <p:spPr>
+          <a:xfrm>
+            <a:off x="396258" y="2018156"/>
+            <a:ext cx="7305022" cy="399033"/>
+          </a:xfrm>
+          <a:prstGeom prst="rect">
+            <a:avLst/>
+          </a:prstGeom>
+          <a:noFill/>
+          <a:ln w="28575">
+            <a:solidFill>
+              <a:srgbClr val="FF0000"/>
+            </a:solidFill>
+            <a:prstDash val="sysDash"/>
+          </a:ln>
+        </p:spPr>
+        <p:style>
+          <a:lnRef idx="2">
+            <a:schemeClr val="accent1">
+              <a:shade val="50000"/>
+            </a:schemeClr>
+          </a:lnRef>
+          <a:fillRef idx="1">
+            <a:schemeClr val="accent1"/>
+          </a:fillRef>
+          <a:effectRef idx="0">
+            <a:schemeClr val="accent1"/>
+          </a:effectRef>
+          <a:fontRef idx="minor">
+            <a:schemeClr val="lt1"/>
+          </a:fontRef>
+        </p:style>
+        <p:txBody>
+          <a:bodyPr rtlCol="0" anchor="ctr"/>
+          <a:lstStyle/>
+          <a:p>
+            <a:pPr algn="ctr"/>
+            <a:endParaRPr lang="fr-FR"/>
+          </a:p>
+        </p:txBody>
+      </p:sp>
+      <p:cxnSp>
+        <p:nvCxnSpPr>
+          <p:cNvPr id="13" name="Connecteur droit 12">
+            <a:extLst>
+              <a:ext uri="{FF2B5EF4-FFF2-40B4-BE49-F238E27FC236}">
+                <a16:creationId xmlns:a16="http://schemas.microsoft.com/office/drawing/2014/main" id="{15E9C97B-E532-4D0B-1005-48B7480C544A}"/>
+              </a:ext>
+            </a:extLst>
+          </p:cNvPr>
+          <p:cNvCxnSpPr>
+            <a:cxnSpLocks/>
+          </p:cNvCxnSpPr>
+          <p:nvPr/>
+        </p:nvCxnSpPr>
+        <p:spPr>
+          <a:xfrm flipH="1" flipV="1">
+            <a:off x="7701280" y="2417189"/>
+            <a:ext cx="633954" cy="244731"/>
+          </a:xfrm>
+          <a:prstGeom prst="line">
+            <a:avLst/>
+          </a:prstGeom>
+          <a:noFill/>
+          <a:ln w="28575">
+            <a:solidFill>
+              <a:srgbClr val="FF0000"/>
+            </a:solidFill>
+            <a:prstDash val="sysDash"/>
+          </a:ln>
+        </p:spPr>
+        <p:style>
+          <a:lnRef idx="2">
+            <a:schemeClr val="accent1">
+              <a:shade val="50000"/>
+            </a:schemeClr>
+          </a:lnRef>
+          <a:fillRef idx="1">
+            <a:schemeClr val="accent1"/>
+          </a:fillRef>
+          <a:effectRef idx="0">
+            <a:schemeClr val="accent1"/>
+          </a:effectRef>
+          <a:fontRef idx="minor">
+            <a:schemeClr val="lt1"/>
+          </a:fontRef>
+        </p:style>
+      </p:cxnSp>
+      <p:sp>
+        <p:nvSpPr>
+          <p:cNvPr id="14" name="Rectangle 13">
+            <a:extLst>
+              <a:ext uri="{FF2B5EF4-FFF2-40B4-BE49-F238E27FC236}">
+                <a16:creationId xmlns:a16="http://schemas.microsoft.com/office/drawing/2014/main" id="{FBD9AE31-6115-0CDB-AE23-704151EA6931}"/>
+              </a:ext>
+            </a:extLst>
+          </p:cNvPr>
+          <p:cNvSpPr/>
+          <p:nvPr/>
+        </p:nvSpPr>
+        <p:spPr>
+          <a:xfrm>
+            <a:off x="396258" y="2817503"/>
+            <a:ext cx="7305022" cy="3340979"/>
+          </a:xfrm>
+          <a:prstGeom prst="rect">
+            <a:avLst/>
+          </a:prstGeom>
+          <a:noFill/>
+          <a:ln w="28575">
+            <a:solidFill>
+              <a:srgbClr val="00B050"/>
+            </a:solidFill>
+            <a:prstDash val="sysDash"/>
+          </a:ln>
+        </p:spPr>
+        <p:style>
+          <a:lnRef idx="2">
+            <a:schemeClr val="accent1">
+              <a:shade val="50000"/>
+            </a:schemeClr>
+          </a:lnRef>
+          <a:fillRef idx="1">
+            <a:schemeClr val="accent1"/>
+          </a:fillRef>
+          <a:effectRef idx="0">
+            <a:schemeClr val="accent1"/>
+          </a:effectRef>
+          <a:fontRef idx="minor">
+            <a:schemeClr val="lt1"/>
+          </a:fontRef>
+        </p:style>
+        <p:txBody>
+          <a:bodyPr rtlCol="0" anchor="ctr"/>
+          <a:lstStyle/>
+          <a:p>
+            <a:pPr algn="ctr"/>
+            <a:endParaRPr lang="fr-FR"/>
+          </a:p>
+        </p:txBody>
+      </p:sp>
+      <p:pic>
+        <p:nvPicPr>
+          <p:cNvPr id="6" name="Image 5">
+            <a:extLst>
+              <a:ext uri="{FF2B5EF4-FFF2-40B4-BE49-F238E27FC236}">
+                <a16:creationId xmlns:a16="http://schemas.microsoft.com/office/drawing/2014/main" id="{95D8798B-49A5-4EC1-4C74-33C9EC271720}"/>
+              </a:ext>
+            </a:extLst>
+          </p:cNvPr>
+          <p:cNvPicPr>
+            <a:picLocks noChangeAspect="1"/>
+          </p:cNvPicPr>
+          <p:nvPr/>
+        </p:nvPicPr>
+        <p:blipFill>
+          <a:blip r:embed="rId4"/>
+          <a:stretch>
+            <a:fillRect/>
+          </a:stretch>
+        </p:blipFill>
+        <p:spPr>
+          <a:xfrm>
+            <a:off x="8335234" y="262426"/>
+            <a:ext cx="1641883" cy="2315720"/>
+          </a:xfrm>
+          <a:prstGeom prst="rect">
+            <a:avLst/>
+          </a:prstGeom>
+        </p:spPr>
+      </p:pic>
+      <p:pic>
+        <p:nvPicPr>
+          <p:cNvPr id="16" name="Image 15">
+            <a:extLst>
+              <a:ext uri="{FF2B5EF4-FFF2-40B4-BE49-F238E27FC236}">
+                <a16:creationId xmlns:a16="http://schemas.microsoft.com/office/drawing/2014/main" id="{DC1DD4F0-4EC3-0C6B-B350-63B7EB73B103}"/>
+              </a:ext>
+            </a:extLst>
+          </p:cNvPr>
+          <p:cNvPicPr>
+            <a:picLocks noChangeAspect="1"/>
+          </p:cNvPicPr>
+          <p:nvPr/>
+        </p:nvPicPr>
+        <p:blipFill>
+          <a:blip r:embed="rId5"/>
+          <a:stretch>
+            <a:fillRect/>
+          </a:stretch>
+        </p:blipFill>
+        <p:spPr>
+          <a:xfrm>
+            <a:off x="9987672" y="261016"/>
+            <a:ext cx="1729739" cy="2315720"/>
+          </a:xfrm>
+          <a:prstGeom prst="rect">
+            <a:avLst/>
+          </a:prstGeom>
+        </p:spPr>
+      </p:pic>
+      <p:sp>
+        <p:nvSpPr>
+          <p:cNvPr id="17" name="Rectangle 16">
+            <a:extLst>
+              <a:ext uri="{FF2B5EF4-FFF2-40B4-BE49-F238E27FC236}">
+                <a16:creationId xmlns:a16="http://schemas.microsoft.com/office/drawing/2014/main" id="{DDBAA062-E93A-3283-298F-749E8B06C63C}"/>
+              </a:ext>
+            </a:extLst>
+          </p:cNvPr>
+          <p:cNvSpPr/>
+          <p:nvPr/>
+        </p:nvSpPr>
+        <p:spPr>
+          <a:xfrm>
+            <a:off x="8335234" y="234833"/>
+            <a:ext cx="3440188" cy="2427087"/>
+          </a:xfrm>
+          <a:prstGeom prst="rect">
+            <a:avLst/>
+          </a:prstGeom>
+          <a:noFill/>
+          <a:ln w="28575">
+            <a:solidFill>
+              <a:srgbClr val="FF0000"/>
+            </a:solidFill>
+            <a:prstDash val="sysDash"/>
+          </a:ln>
+        </p:spPr>
+        <p:style>
+          <a:lnRef idx="2">
+            <a:schemeClr val="accent1">
+              <a:shade val="50000"/>
+            </a:schemeClr>
+          </a:lnRef>
+          <a:fillRef idx="1">
+            <a:schemeClr val="accent1"/>
+          </a:fillRef>
+          <a:effectRef idx="0">
+            <a:schemeClr val="accent1"/>
+          </a:effectRef>
+          <a:fontRef idx="minor">
+            <a:schemeClr val="lt1"/>
+          </a:fontRef>
+        </p:style>
+        <p:txBody>
+          <a:bodyPr rtlCol="0" anchor="ctr"/>
+          <a:lstStyle/>
+          <a:p>
+            <a:pPr algn="ctr"/>
+            <a:endParaRPr lang="fr-FR"/>
+          </a:p>
+        </p:txBody>
+      </p:sp>
+      <p:cxnSp>
+        <p:nvCxnSpPr>
+          <p:cNvPr id="20" name="Connecteur droit 19">
+            <a:extLst>
+              <a:ext uri="{FF2B5EF4-FFF2-40B4-BE49-F238E27FC236}">
+                <a16:creationId xmlns:a16="http://schemas.microsoft.com/office/drawing/2014/main" id="{2DBA0C89-AD78-B5B0-8A10-7BFCDB93558F}"/>
+              </a:ext>
+            </a:extLst>
+          </p:cNvPr>
+          <p:cNvCxnSpPr>
+            <a:cxnSpLocks/>
+          </p:cNvCxnSpPr>
+          <p:nvPr/>
+        </p:nvCxnSpPr>
+        <p:spPr>
+          <a:xfrm flipH="1">
+            <a:off x="7701280" y="234833"/>
+            <a:ext cx="623399" cy="1783323"/>
+          </a:xfrm>
+          <a:prstGeom prst="line">
+            <a:avLst/>
+          </a:prstGeom>
+          <a:noFill/>
+          <a:ln w="28575">
+            <a:solidFill>
+              <a:srgbClr val="FF0000"/>
+            </a:solidFill>
+            <a:prstDash val="sysDash"/>
+          </a:ln>
+        </p:spPr>
+        <p:style>
+          <a:lnRef idx="2">
+            <a:schemeClr val="accent1">
+              <a:shade val="50000"/>
+            </a:schemeClr>
+          </a:lnRef>
+          <a:fillRef idx="1">
+            <a:schemeClr val="accent1"/>
+          </a:fillRef>
+          <a:effectRef idx="0">
+            <a:schemeClr val="accent1"/>
+          </a:effectRef>
+          <a:fontRef idx="minor">
+            <a:schemeClr val="lt1"/>
+          </a:fontRef>
+        </p:style>
+      </p:cxnSp>
+      <p:sp>
+        <p:nvSpPr>
+          <p:cNvPr id="24" name="Rectangle 23">
+            <a:extLst>
+              <a:ext uri="{FF2B5EF4-FFF2-40B4-BE49-F238E27FC236}">
+                <a16:creationId xmlns:a16="http://schemas.microsoft.com/office/drawing/2014/main" id="{952496C7-AB58-EA0F-D2D8-8623553C31AA}"/>
+              </a:ext>
+            </a:extLst>
+          </p:cNvPr>
+          <p:cNvSpPr/>
+          <p:nvPr/>
+        </p:nvSpPr>
+        <p:spPr>
+          <a:xfrm>
+            <a:off x="8656320" y="2499360"/>
+            <a:ext cx="1026160" cy="103560"/>
+          </a:xfrm>
+          <a:prstGeom prst="rect">
+            <a:avLst/>
+          </a:prstGeom>
+          <a:noFill/>
+          <a:ln w="28575">
+            <a:solidFill>
+              <a:srgbClr val="FF0000"/>
+            </a:solidFill>
+            <a:prstDash val="solid"/>
+          </a:ln>
+        </p:spPr>
+        <p:style>
+          <a:lnRef idx="2">
+            <a:schemeClr val="accent1">
+              <a:shade val="50000"/>
+            </a:schemeClr>
+          </a:lnRef>
+          <a:fillRef idx="1">
+            <a:schemeClr val="accent1"/>
+          </a:fillRef>
+          <a:effectRef idx="0">
+            <a:schemeClr val="accent1"/>
+          </a:effectRef>
+          <a:fontRef idx="minor">
+            <a:schemeClr val="lt1"/>
+          </a:fontRef>
+        </p:style>
+        <p:txBody>
+          <a:bodyPr rtlCol="0" anchor="ctr"/>
+          <a:lstStyle/>
+          <a:p>
+            <a:pPr algn="ctr"/>
+            <a:endParaRPr lang="fr-FR"/>
+          </a:p>
+        </p:txBody>
+      </p:sp>
+      <p:sp>
+        <p:nvSpPr>
+          <p:cNvPr id="25" name="Rectangle 24">
+            <a:extLst>
+              <a:ext uri="{FF2B5EF4-FFF2-40B4-BE49-F238E27FC236}">
+                <a16:creationId xmlns:a16="http://schemas.microsoft.com/office/drawing/2014/main" id="{C05AAECF-492E-5D2E-B5FC-1E625E2EA7E9}"/>
+              </a:ext>
+            </a:extLst>
+          </p:cNvPr>
+          <p:cNvSpPr/>
+          <p:nvPr/>
+        </p:nvSpPr>
+        <p:spPr>
+          <a:xfrm>
+            <a:off x="5005727" y="2018157"/>
+            <a:ext cx="1405233" cy="206884"/>
+          </a:xfrm>
+          <a:prstGeom prst="rect">
+            <a:avLst/>
+          </a:prstGeom>
+          <a:noFill/>
+          <a:ln w="28575">
+            <a:solidFill>
+              <a:srgbClr val="7030A0"/>
+            </a:solidFill>
+            <a:prstDash val="sysDash"/>
+          </a:ln>
+        </p:spPr>
+        <p:style>
+          <a:lnRef idx="2">
+            <a:schemeClr val="accent1">
+              <a:shade val="50000"/>
+            </a:schemeClr>
+          </a:lnRef>
+          <a:fillRef idx="1">
+            <a:schemeClr val="accent1"/>
+          </a:fillRef>
+          <a:effectRef idx="0">
+            <a:schemeClr val="accent1"/>
+          </a:effectRef>
+          <a:fontRef idx="minor">
+            <a:schemeClr val="lt1"/>
+          </a:fontRef>
+        </p:style>
+        <p:txBody>
+          <a:bodyPr rtlCol="0" anchor="ctr"/>
+          <a:lstStyle/>
+          <a:p>
+            <a:pPr algn="ctr"/>
+            <a:endParaRPr lang="fr-FR">
+              <a:ln>
+                <a:solidFill>
+                  <a:sysClr val="windowText" lastClr="000000"/>
+                </a:solidFill>
+              </a:ln>
+            </a:endParaRPr>
+          </a:p>
+        </p:txBody>
+      </p:sp>
+      <p:sp>
+        <p:nvSpPr>
+          <p:cNvPr id="26" name="Rectangle 25">
+            <a:extLst>
+              <a:ext uri="{FF2B5EF4-FFF2-40B4-BE49-F238E27FC236}">
+                <a16:creationId xmlns:a16="http://schemas.microsoft.com/office/drawing/2014/main" id="{2018BC04-F087-D1A5-1FE9-C07E5372EEB5}"/>
+              </a:ext>
+            </a:extLst>
+          </p:cNvPr>
+          <p:cNvSpPr/>
+          <p:nvPr/>
+        </p:nvSpPr>
+        <p:spPr>
+          <a:xfrm>
+            <a:off x="9489440" y="234833"/>
+            <a:ext cx="565888" cy="202047"/>
+          </a:xfrm>
+          <a:prstGeom prst="rect">
+            <a:avLst/>
+          </a:prstGeom>
+          <a:noFill/>
+          <a:ln w="28575">
+            <a:solidFill>
+              <a:srgbClr val="7030A0"/>
+            </a:solidFill>
+            <a:prstDash val="sysDash"/>
+          </a:ln>
+        </p:spPr>
+        <p:style>
+          <a:lnRef idx="2">
+            <a:schemeClr val="accent1">
+              <a:shade val="50000"/>
+            </a:schemeClr>
+          </a:lnRef>
+          <a:fillRef idx="1">
+            <a:schemeClr val="accent1"/>
+          </a:fillRef>
+          <a:effectRef idx="0">
+            <a:schemeClr val="accent1"/>
+          </a:effectRef>
+          <a:fontRef idx="minor">
+            <a:schemeClr val="lt1"/>
+          </a:fontRef>
+        </p:style>
+        <p:txBody>
+          <a:bodyPr rtlCol="0" anchor="ctr"/>
+          <a:lstStyle/>
+          <a:p>
+            <a:pPr algn="ctr"/>
+            <a:endParaRPr lang="fr-FR">
+              <a:ln>
+                <a:solidFill>
+                  <a:sysClr val="windowText" lastClr="000000"/>
+                </a:solidFill>
+              </a:ln>
+            </a:endParaRPr>
+          </a:p>
+        </p:txBody>
+      </p:sp>
+      <p:cxnSp>
+        <p:nvCxnSpPr>
+          <p:cNvPr id="27" name="Connecteur droit 26">
+            <a:extLst>
+              <a:ext uri="{FF2B5EF4-FFF2-40B4-BE49-F238E27FC236}">
+                <a16:creationId xmlns:a16="http://schemas.microsoft.com/office/drawing/2014/main" id="{4B95D6F8-436B-2BAC-B922-C66D457BEDDE}"/>
+              </a:ext>
+            </a:extLst>
+          </p:cNvPr>
+          <p:cNvCxnSpPr>
+            <a:cxnSpLocks/>
+            <a:stCxn id="26" idx="1"/>
+          </p:cNvCxnSpPr>
+          <p:nvPr/>
+        </p:nvCxnSpPr>
+        <p:spPr>
+          <a:xfrm flipH="1">
+            <a:off x="6421515" y="335857"/>
+            <a:ext cx="3067925" cy="1834699"/>
+          </a:xfrm>
+          <a:prstGeom prst="line">
+            <a:avLst/>
+          </a:prstGeom>
+          <a:noFill/>
+          <a:ln w="28575">
+            <a:solidFill>
+              <a:srgbClr val="7030A0"/>
+            </a:solidFill>
+            <a:prstDash val="solid"/>
+            <a:headEnd type="stealth"/>
+            <a:tailEnd w="med" len="lg"/>
+          </a:ln>
+        </p:spPr>
+        <p:style>
+          <a:lnRef idx="2">
+            <a:schemeClr val="accent1">
+              <a:shade val="50000"/>
+            </a:schemeClr>
+          </a:lnRef>
+          <a:fillRef idx="1">
+            <a:schemeClr val="accent1"/>
+          </a:fillRef>
+          <a:effectRef idx="0">
+            <a:schemeClr val="accent1"/>
+          </a:effectRef>
+          <a:fontRef idx="minor">
+            <a:schemeClr val="lt1"/>
+          </a:fontRef>
+        </p:style>
+      </p:cxnSp>
+      <p:sp>
+        <p:nvSpPr>
+          <p:cNvPr id="30" name="ZoneTexte 29">
+            <a:extLst>
+              <a:ext uri="{FF2B5EF4-FFF2-40B4-BE49-F238E27FC236}">
+                <a16:creationId xmlns:a16="http://schemas.microsoft.com/office/drawing/2014/main" id="{C60089E0-047C-D422-DA79-A9A5BA2701CC}"/>
+              </a:ext>
+            </a:extLst>
+          </p:cNvPr>
+          <p:cNvSpPr txBox="1"/>
+          <p:nvPr/>
+        </p:nvSpPr>
+        <p:spPr>
+          <a:xfrm>
+            <a:off x="8355554" y="2688103"/>
+            <a:ext cx="3440188" cy="830997"/>
+          </a:xfrm>
+          <a:prstGeom prst="rect">
+            <a:avLst/>
+          </a:prstGeom>
+          <a:noFill/>
+        </p:spPr>
+        <p:txBody>
+          <a:bodyPr wrap="square" rtlCol="0">
+            <a:spAutoFit/>
+          </a:bodyPr>
+          <a:lstStyle/>
+          <a:p>
+            <a:r>
+              <a:rPr lang="fr-FR" sz="1600" b="1" dirty="0"/>
+              <a:t>Fiches en fin d’énoncé de TP</a:t>
+            </a:r>
+          </a:p>
+          <a:p>
+            <a:r>
+              <a:rPr lang="fr-FR" sz="1600" b="1" dirty="0"/>
+              <a:t>Appeler l’examinateur en cas de problème technique</a:t>
+            </a:r>
+          </a:p>
+        </p:txBody>
+      </p:sp>
+      <p:cxnSp>
+        <p:nvCxnSpPr>
+          <p:cNvPr id="31" name="Connecteur droit 30">
+            <a:extLst>
+              <a:ext uri="{FF2B5EF4-FFF2-40B4-BE49-F238E27FC236}">
+                <a16:creationId xmlns:a16="http://schemas.microsoft.com/office/drawing/2014/main" id="{E7EFA658-B119-BDFE-34D3-BA1F84F99465}"/>
+              </a:ext>
+            </a:extLst>
+          </p:cNvPr>
+          <p:cNvCxnSpPr>
+            <a:cxnSpLocks/>
+          </p:cNvCxnSpPr>
+          <p:nvPr/>
+        </p:nvCxnSpPr>
+        <p:spPr>
+          <a:xfrm flipH="1">
+            <a:off x="7680960" y="4687445"/>
+            <a:ext cx="643719" cy="0"/>
+          </a:xfrm>
+          <a:prstGeom prst="line">
+            <a:avLst/>
+          </a:prstGeom>
+          <a:noFill/>
+          <a:ln w="28575">
+            <a:solidFill>
+              <a:srgbClr val="00B050"/>
+            </a:solidFill>
+            <a:prstDash val="sysDash"/>
+          </a:ln>
+        </p:spPr>
+        <p:style>
+          <a:lnRef idx="2">
+            <a:schemeClr val="accent1">
+              <a:shade val="50000"/>
+            </a:schemeClr>
+          </a:lnRef>
+          <a:fillRef idx="1">
+            <a:schemeClr val="accent1"/>
+          </a:fillRef>
+          <a:effectRef idx="0">
+            <a:schemeClr val="accent1"/>
+          </a:effectRef>
+          <a:fontRef idx="minor">
+            <a:schemeClr val="lt1"/>
+          </a:fontRef>
+        </p:style>
+      </p:cxnSp>
+      <p:cxnSp>
+        <p:nvCxnSpPr>
+          <p:cNvPr id="34" name="Connecteur droit 33">
+            <a:extLst>
+              <a:ext uri="{FF2B5EF4-FFF2-40B4-BE49-F238E27FC236}">
+                <a16:creationId xmlns:a16="http://schemas.microsoft.com/office/drawing/2014/main" id="{B11C28AE-8013-7328-CC51-9AD0C654F28C}"/>
+              </a:ext>
+            </a:extLst>
+          </p:cNvPr>
+          <p:cNvCxnSpPr>
+            <a:cxnSpLocks/>
+          </p:cNvCxnSpPr>
+          <p:nvPr/>
+        </p:nvCxnSpPr>
+        <p:spPr>
+          <a:xfrm flipV="1">
+            <a:off x="8324679" y="3668233"/>
+            <a:ext cx="0" cy="1980727"/>
+          </a:xfrm>
+          <a:prstGeom prst="line">
+            <a:avLst/>
+          </a:prstGeom>
+          <a:noFill/>
+          <a:ln w="28575">
+            <a:solidFill>
+              <a:srgbClr val="00B050"/>
+            </a:solidFill>
+            <a:prstDash val="sysDash"/>
+          </a:ln>
+        </p:spPr>
+        <p:style>
+          <a:lnRef idx="2">
+            <a:schemeClr val="accent1">
+              <a:shade val="50000"/>
+            </a:schemeClr>
+          </a:lnRef>
+          <a:fillRef idx="1">
+            <a:schemeClr val="accent1"/>
+          </a:fillRef>
+          <a:effectRef idx="0">
+            <a:schemeClr val="accent1"/>
+          </a:effectRef>
+          <a:fontRef idx="minor">
+            <a:schemeClr val="lt1"/>
+          </a:fontRef>
+        </p:style>
+      </p:cxnSp>
+      <p:sp>
+        <p:nvSpPr>
+          <p:cNvPr id="36" name="ZoneTexte 35">
+            <a:extLst>
+              <a:ext uri="{FF2B5EF4-FFF2-40B4-BE49-F238E27FC236}">
+                <a16:creationId xmlns:a16="http://schemas.microsoft.com/office/drawing/2014/main" id="{161A5455-2C0B-96B0-65A3-7914DF9E01D2}"/>
+              </a:ext>
+            </a:extLst>
+          </p:cNvPr>
+          <p:cNvSpPr txBox="1"/>
+          <p:nvPr/>
+        </p:nvSpPr>
+        <p:spPr>
+          <a:xfrm>
+            <a:off x="8355554" y="3566549"/>
+            <a:ext cx="3836446" cy="2062103"/>
+          </a:xfrm>
+          <a:prstGeom prst="rect">
+            <a:avLst/>
+          </a:prstGeom>
+          <a:noFill/>
+        </p:spPr>
+        <p:txBody>
+          <a:bodyPr wrap="square" rtlCol="0">
+            <a:spAutoFit/>
+          </a:bodyPr>
+          <a:lstStyle/>
+          <a:p>
+            <a:pPr marL="285750" indent="-285750">
+              <a:buFont typeface="Arial" panose="020B0604020202020204" pitchFamily="34" charset="0"/>
+              <a:buChar char="•"/>
+            </a:pPr>
+            <a:r>
+              <a:rPr lang="fr-FR" sz="1600" dirty="0"/>
+              <a:t>Resituer le système dans son environnement d’utilisation normal.</a:t>
+            </a:r>
+          </a:p>
+          <a:p>
+            <a:pPr marL="285750" indent="-285750">
+              <a:buFont typeface="Arial" panose="020B0604020202020204" pitchFamily="34" charset="0"/>
+              <a:buChar char="•"/>
+            </a:pPr>
+            <a:r>
+              <a:rPr lang="fr-FR" sz="1600" dirty="0"/>
+              <a:t>Ne pas avoir « peur » du système.</a:t>
+            </a:r>
+          </a:p>
+          <a:p>
+            <a:pPr marL="285750" indent="-285750">
+              <a:buFont typeface="Arial" panose="020B0604020202020204" pitchFamily="34" charset="0"/>
+              <a:buChar char="•"/>
+            </a:pPr>
+            <a:r>
+              <a:rPr lang="fr-FR" sz="1600" b="1" dirty="0"/>
+              <a:t>Connaitre les composants de la chaine fonctionnelle.</a:t>
+            </a:r>
+          </a:p>
+          <a:p>
+            <a:pPr marL="285750" indent="-285750">
+              <a:buFont typeface="Arial" panose="020B0604020202020204" pitchFamily="34" charset="0"/>
+              <a:buChar char="•"/>
+            </a:pPr>
+            <a:r>
+              <a:rPr lang="fr-FR" sz="1600" dirty="0"/>
+              <a:t>Savoir mesurer expérimentalement un critère du cahier des charges.</a:t>
+            </a:r>
+          </a:p>
+          <a:p>
+            <a:pPr marL="285750" indent="-285750">
+              <a:buFont typeface="Arial" panose="020B0604020202020204" pitchFamily="34" charset="0"/>
+              <a:buChar char="•"/>
+            </a:pPr>
+            <a:r>
+              <a:rPr lang="fr-FR" sz="1600" dirty="0"/>
+              <a:t>Avoir un esprit de synthèse. </a:t>
+            </a:r>
+          </a:p>
+        </p:txBody>
+      </p:sp>
+    </p:spTree>
+    <p:extLst>
+      <p:ext uri="{BB962C8B-B14F-4D97-AF65-F5344CB8AC3E}">
+        <p14:creationId xmlns:p14="http://schemas.microsoft.com/office/powerpoint/2010/main" val="2449418085"/>
+      </p:ext>
+    </p:extLst>
+  </p:cSld>
+  <p:clrMapOvr>
+    <a:masterClrMapping/>
+  </p:clrMapOvr>
+</p:sld>
+</file>
+
+<file path=ppt/slides/slide22.xml><?xml version="1.0" encoding="utf-8"?>
+<p:sld xmlns:a="http://schemas.openxmlformats.org/drawingml/2006/main" xmlns:r="http://schemas.openxmlformats.org/officeDocument/2006/relationships" xmlns:p="http://schemas.openxmlformats.org/presentationml/2006/main">
+  <p:cSld>
+    <p:spTree>
+      <p:nvGrpSpPr>
+        <p:cNvPr id="1" name=""/>
+        <p:cNvGrpSpPr/>
+        <p:nvPr/>
+      </p:nvGrpSpPr>
+      <p:grpSpPr>
+        <a:xfrm>
+          <a:off x="0" y="0"/>
+          <a:ext cx="0" cy="0"/>
+          <a:chOff x="0" y="0"/>
+          <a:chExt cx="0" cy="0"/>
+        </a:xfrm>
+      </p:grpSpPr>
+      <p:sp>
+        <p:nvSpPr>
+          <p:cNvPr id="2" name="Titre 1">
+            <a:extLst>
+              <a:ext uri="{FF2B5EF4-FFF2-40B4-BE49-F238E27FC236}">
+                <a16:creationId xmlns:a16="http://schemas.microsoft.com/office/drawing/2014/main" id="{30B6DD50-A2AA-2D5C-C59E-85498275F546}"/>
+              </a:ext>
+            </a:extLst>
+          </p:cNvPr>
+          <p:cNvSpPr>
+            <a:spLocks noGrp="1"/>
+          </p:cNvSpPr>
+          <p:nvPr>
+            <p:ph type="title"/>
+          </p:nvPr>
+        </p:nvSpPr>
+        <p:spPr/>
+        <p:txBody>
+          <a:bodyPr/>
+          <a:lstStyle/>
+          <a:p>
+            <a:r>
+              <a:rPr lang="fr-FR" dirty="0" err="1"/>
+              <a:t>CCINP</a:t>
+            </a:r>
+            <a:r>
+              <a:rPr lang="fr-FR" dirty="0"/>
+              <a:t> – PSI – Exemple</a:t>
+            </a:r>
+          </a:p>
+        </p:txBody>
+      </p:sp>
+      <p:pic>
+        <p:nvPicPr>
+          <p:cNvPr id="6" name="Espace réservé du contenu 5">
+            <a:extLst>
+              <a:ext uri="{FF2B5EF4-FFF2-40B4-BE49-F238E27FC236}">
+                <a16:creationId xmlns:a16="http://schemas.microsoft.com/office/drawing/2014/main" id="{1DCF5478-A701-3F6E-108C-A53039C9794F}"/>
+              </a:ext>
+            </a:extLst>
+          </p:cNvPr>
+          <p:cNvPicPr>
+            <a:picLocks noGrp="1" noChangeAspect="1"/>
+          </p:cNvPicPr>
+          <p:nvPr>
+            <p:ph idx="1"/>
+          </p:nvPr>
+        </p:nvPicPr>
+        <p:blipFill>
+          <a:blip r:embed="rId2"/>
+          <a:stretch>
+            <a:fillRect/>
+          </a:stretch>
+        </p:blipFill>
+        <p:spPr>
+          <a:xfrm>
+            <a:off x="322105" y="2490733"/>
+            <a:ext cx="6111876" cy="1599468"/>
+          </a:xfrm>
+        </p:spPr>
+      </p:pic>
+      <p:sp>
+        <p:nvSpPr>
+          <p:cNvPr id="4" name="Espace réservé du pied de page 3">
+            <a:extLst>
+              <a:ext uri="{FF2B5EF4-FFF2-40B4-BE49-F238E27FC236}">
+                <a16:creationId xmlns:a16="http://schemas.microsoft.com/office/drawing/2014/main" id="{91BB15F0-CF5B-D64E-194B-67B3BF7B2614}"/>
+              </a:ext>
+            </a:extLst>
+          </p:cNvPr>
+          <p:cNvSpPr>
+            <a:spLocks noGrp="1"/>
+          </p:cNvSpPr>
+          <p:nvPr>
+            <p:ph type="ftr" sz="quarter" idx="11"/>
+          </p:nvPr>
+        </p:nvSpPr>
+        <p:spPr/>
+        <p:txBody>
+          <a:bodyPr/>
+          <a:lstStyle/>
+          <a:p>
+            <a:r>
+              <a:rPr lang="fr-FR"/>
+              <a:t>Xavier PESSOLES</a:t>
+            </a:r>
+          </a:p>
+        </p:txBody>
+      </p:sp>
+      <p:pic>
+        <p:nvPicPr>
+          <p:cNvPr id="7" name="Picture 6" descr="Concours commun Institut National Polytechnique (CCINP)/E3A - Vice-rectorat  de Polynésie française">
+            <a:extLst>
+              <a:ext uri="{FF2B5EF4-FFF2-40B4-BE49-F238E27FC236}">
+                <a16:creationId xmlns:a16="http://schemas.microsoft.com/office/drawing/2014/main" id="{FEBA051C-606E-96BC-2344-D2D89FC00385}"/>
+              </a:ext>
+            </a:extLst>
+          </p:cNvPr>
+          <p:cNvPicPr>
+            <a:picLocks noChangeAspect="1" noChangeArrowheads="1"/>
+          </p:cNvPicPr>
+          <p:nvPr/>
+        </p:nvPicPr>
+        <p:blipFill rotWithShape="1">
+          <a:blip r:embed="rId3">
+            <a:extLst>
+              <a:ext uri="{28A0092B-C50C-407E-A947-70E740481C1C}">
+                <a14:useLocalDpi xmlns:a14="http://schemas.microsoft.com/office/drawing/2010/main" val="0"/>
+              </a:ext>
+            </a:extLst>
+          </a:blip>
+          <a:srcRect l="17067" t="10387" r="17511" b="10630"/>
+          <a:stretch/>
+        </p:blipFill>
+        <p:spPr bwMode="auto">
+          <a:xfrm>
+            <a:off x="10920518" y="5834633"/>
+            <a:ext cx="1271482" cy="1023367"/>
+          </a:xfrm>
+          <a:prstGeom prst="rect">
+            <a:avLst/>
+          </a:prstGeom>
+          <a:noFill/>
+          <a:extLst>
+            <a:ext uri="{909E8E84-426E-40DD-AFC4-6F175D3DCCD1}">
+              <a14:hiddenFill xmlns:a14="http://schemas.microsoft.com/office/drawing/2010/main">
+                <a:solidFill>
+                  <a:srgbClr val="FFFFFF"/>
+                </a:solidFill>
+              </a14:hiddenFill>
+            </a:ext>
+          </a:extLst>
+        </p:spPr>
+      </p:pic>
+      <p:sp>
+        <p:nvSpPr>
+          <p:cNvPr id="8" name="ZoneTexte 7">
+            <a:extLst>
+              <a:ext uri="{FF2B5EF4-FFF2-40B4-BE49-F238E27FC236}">
+                <a16:creationId xmlns:a16="http://schemas.microsoft.com/office/drawing/2014/main" id="{13E6D55E-EF02-9F81-0144-4982EB2F1A94}"/>
+              </a:ext>
+            </a:extLst>
+          </p:cNvPr>
+          <p:cNvSpPr txBox="1"/>
+          <p:nvPr/>
+        </p:nvSpPr>
+        <p:spPr>
+          <a:xfrm>
+            <a:off x="6709144" y="2551407"/>
+            <a:ext cx="5284382" cy="1323439"/>
+          </a:xfrm>
+          <a:prstGeom prst="rect">
+            <a:avLst/>
+          </a:prstGeom>
+          <a:noFill/>
+        </p:spPr>
+        <p:txBody>
+          <a:bodyPr wrap="square" rtlCol="0">
+            <a:spAutoFit/>
+          </a:bodyPr>
+          <a:lstStyle/>
+          <a:p>
+            <a:pPr marL="285750" indent="-285750">
+              <a:buFont typeface="Arial" panose="020B0604020202020204" pitchFamily="34" charset="0"/>
+              <a:buChar char="•"/>
+            </a:pPr>
+            <a:r>
+              <a:rPr lang="fr-FR" sz="1600" dirty="0"/>
+              <a:t>Cette phase est courte (5 minutes). Il s’agit de bien se recentrer la problématique après avoir découvert le système.</a:t>
+            </a:r>
+          </a:p>
+          <a:p>
+            <a:pPr marL="285750" indent="-285750">
+              <a:buFont typeface="Arial" panose="020B0604020202020204" pitchFamily="34" charset="0"/>
+              <a:buChar char="•"/>
+            </a:pPr>
+            <a:r>
+              <a:rPr lang="fr-FR" sz="1600" dirty="0"/>
+              <a:t>Dans une majorité de TP, une des façons de répondre à la problématique et de s’aider des activités </a:t>
+            </a:r>
+            <a:r>
+              <a:rPr lang="fr-FR" sz="1600" dirty="0" err="1"/>
+              <a:t>suviantes</a:t>
+            </a:r>
+            <a:r>
+              <a:rPr lang="fr-FR" sz="1600" dirty="0"/>
+              <a:t>. </a:t>
+            </a:r>
+          </a:p>
+        </p:txBody>
+      </p:sp>
+    </p:spTree>
+    <p:extLst>
+      <p:ext uri="{BB962C8B-B14F-4D97-AF65-F5344CB8AC3E}">
+        <p14:creationId xmlns:p14="http://schemas.microsoft.com/office/powerpoint/2010/main" val="3785476383"/>
+      </p:ext>
+    </p:extLst>
+  </p:cSld>
+  <p:clrMapOvr>
+    <a:masterClrMapping/>
+  </p:clrMapOvr>
+</p:sld>
+</file>
+
+<file path=ppt/slides/slide23.xml><?xml version="1.0" encoding="utf-8"?>
+<p:sld xmlns:a="http://schemas.openxmlformats.org/drawingml/2006/main" xmlns:r="http://schemas.openxmlformats.org/officeDocument/2006/relationships" xmlns:p="http://schemas.openxmlformats.org/presentationml/2006/main">
+  <p:cSld>
+    <p:spTree>
+      <p:nvGrpSpPr>
+        <p:cNvPr id="1" name=""/>
+        <p:cNvGrpSpPr/>
+        <p:nvPr/>
+      </p:nvGrpSpPr>
+      <p:grpSpPr>
+        <a:xfrm>
+          <a:off x="0" y="0"/>
+          <a:ext cx="0" cy="0"/>
+          <a:chOff x="0" y="0"/>
+          <a:chExt cx="0" cy="0"/>
+        </a:xfrm>
+      </p:grpSpPr>
+      <p:sp>
+        <p:nvSpPr>
+          <p:cNvPr id="2" name="Titre 1">
+            <a:extLst>
+              <a:ext uri="{FF2B5EF4-FFF2-40B4-BE49-F238E27FC236}">
+                <a16:creationId xmlns:a16="http://schemas.microsoft.com/office/drawing/2014/main" id="{30B6DD50-A2AA-2D5C-C59E-85498275F546}"/>
+              </a:ext>
+            </a:extLst>
+          </p:cNvPr>
+          <p:cNvSpPr>
+            <a:spLocks noGrp="1"/>
+          </p:cNvSpPr>
+          <p:nvPr>
+            <p:ph type="title"/>
+          </p:nvPr>
+        </p:nvSpPr>
+        <p:spPr/>
+        <p:txBody>
+          <a:bodyPr/>
+          <a:lstStyle/>
+          <a:p>
+            <a:r>
+              <a:rPr lang="fr-FR" dirty="0" err="1"/>
+              <a:t>CCINP</a:t>
+            </a:r>
+            <a:r>
+              <a:rPr lang="fr-FR" dirty="0"/>
+              <a:t> – PSI – Exemple</a:t>
+            </a:r>
+          </a:p>
+        </p:txBody>
+      </p:sp>
+      <p:sp>
+        <p:nvSpPr>
+          <p:cNvPr id="4" name="Espace réservé du pied de page 3">
+            <a:extLst>
+              <a:ext uri="{FF2B5EF4-FFF2-40B4-BE49-F238E27FC236}">
+                <a16:creationId xmlns:a16="http://schemas.microsoft.com/office/drawing/2014/main" id="{91BB15F0-CF5B-D64E-194B-67B3BF7B2614}"/>
+              </a:ext>
+            </a:extLst>
+          </p:cNvPr>
+          <p:cNvSpPr>
+            <a:spLocks noGrp="1"/>
+          </p:cNvSpPr>
+          <p:nvPr>
+            <p:ph type="ftr" sz="quarter" idx="11"/>
+          </p:nvPr>
+        </p:nvSpPr>
+        <p:spPr/>
+        <p:txBody>
+          <a:bodyPr/>
+          <a:lstStyle/>
+          <a:p>
+            <a:r>
+              <a:rPr lang="fr-FR"/>
+              <a:t>Xavier PESSOLES</a:t>
+            </a:r>
+          </a:p>
+        </p:txBody>
+      </p:sp>
+      <p:pic>
+        <p:nvPicPr>
+          <p:cNvPr id="7" name="Picture 6" descr="Concours commun Institut National Polytechnique (CCINP)/E3A - Vice-rectorat  de Polynésie française">
+            <a:extLst>
+              <a:ext uri="{FF2B5EF4-FFF2-40B4-BE49-F238E27FC236}">
+                <a16:creationId xmlns:a16="http://schemas.microsoft.com/office/drawing/2014/main" id="{FEBA051C-606E-96BC-2344-D2D89FC00385}"/>
+              </a:ext>
+            </a:extLst>
+          </p:cNvPr>
+          <p:cNvPicPr>
+            <a:picLocks noChangeAspect="1" noChangeArrowheads="1"/>
+          </p:cNvPicPr>
+          <p:nvPr/>
+        </p:nvPicPr>
+        <p:blipFill rotWithShape="1">
+          <a:blip r:embed="rId2">
+            <a:extLst>
+              <a:ext uri="{28A0092B-C50C-407E-A947-70E740481C1C}">
+                <a14:useLocalDpi xmlns:a14="http://schemas.microsoft.com/office/drawing/2010/main" val="0"/>
+              </a:ext>
+            </a:extLst>
+          </a:blip>
+          <a:srcRect l="17067" t="10387" r="17511" b="10630"/>
+          <a:stretch/>
+        </p:blipFill>
+        <p:spPr bwMode="auto">
+          <a:xfrm>
+            <a:off x="10920518" y="5834633"/>
+            <a:ext cx="1271482" cy="1023367"/>
+          </a:xfrm>
+          <a:prstGeom prst="rect">
+            <a:avLst/>
+          </a:prstGeom>
+          <a:noFill/>
+          <a:extLst>
+            <a:ext uri="{909E8E84-426E-40DD-AFC4-6F175D3DCCD1}">
+              <a14:hiddenFill xmlns:a14="http://schemas.microsoft.com/office/drawing/2010/main">
+                <a:solidFill>
+                  <a:srgbClr val="FFFFFF"/>
+                </a:solidFill>
+              </a14:hiddenFill>
+            </a:ext>
+          </a:extLst>
+        </p:spPr>
+      </p:pic>
+      <p:sp>
+        <p:nvSpPr>
+          <p:cNvPr id="5" name="Espace réservé du contenu 4">
+            <a:extLst>
+              <a:ext uri="{FF2B5EF4-FFF2-40B4-BE49-F238E27FC236}">
+                <a16:creationId xmlns:a16="http://schemas.microsoft.com/office/drawing/2014/main" id="{5B4A8ED9-1586-5941-102B-981D95E51BE2}"/>
+              </a:ext>
+            </a:extLst>
+          </p:cNvPr>
+          <p:cNvSpPr>
+            <a:spLocks noGrp="1"/>
+          </p:cNvSpPr>
+          <p:nvPr>
+            <p:ph idx="1"/>
+          </p:nvPr>
+        </p:nvSpPr>
+        <p:spPr/>
+        <p:txBody>
+          <a:bodyPr/>
+          <a:lstStyle/>
+          <a:p>
+            <a:endParaRPr lang="fr-FR"/>
+          </a:p>
+        </p:txBody>
+      </p:sp>
+    </p:spTree>
+    <p:extLst>
+      <p:ext uri="{BB962C8B-B14F-4D97-AF65-F5344CB8AC3E}">
+        <p14:creationId xmlns:p14="http://schemas.microsoft.com/office/powerpoint/2010/main" val="4136273637"/>
+      </p:ext>
+    </p:extLst>
+  </p:cSld>
+  <p:clrMapOvr>
+    <a:masterClrMapping/>
+  </p:clrMapOvr>
+</p:sld>
+</file>
+
+<file path=ppt/slides/slide24.xml><?xml version="1.0" encoding="utf-8"?>
+<p:sld xmlns:a="http://schemas.openxmlformats.org/drawingml/2006/main" xmlns:r="http://schemas.openxmlformats.org/officeDocument/2006/relationships" xmlns:p="http://schemas.openxmlformats.org/presentationml/2006/main">
+  <p:cSld>
+    <p:spTree>
+      <p:nvGrpSpPr>
+        <p:cNvPr id="1" name=""/>
+        <p:cNvGrpSpPr/>
+        <p:nvPr/>
+      </p:nvGrpSpPr>
+      <p:grpSpPr>
+        <a:xfrm>
+          <a:off x="0" y="0"/>
+          <a:ext cx="0" cy="0"/>
+          <a:chOff x="0" y="0"/>
+          <a:chExt cx="0" cy="0"/>
+        </a:xfrm>
+      </p:grpSpPr>
+      <p:sp>
+        <p:nvSpPr>
+          <p:cNvPr id="2" name="Titre 1">
+            <a:extLst>
+              <a:ext uri="{FF2B5EF4-FFF2-40B4-BE49-F238E27FC236}">
+                <a16:creationId xmlns:a16="http://schemas.microsoft.com/office/drawing/2014/main" id="{30B6DD50-A2AA-2D5C-C59E-85498275F546}"/>
+              </a:ext>
+            </a:extLst>
+          </p:cNvPr>
+          <p:cNvSpPr>
+            <a:spLocks noGrp="1"/>
+          </p:cNvSpPr>
+          <p:nvPr>
+            <p:ph type="title"/>
+          </p:nvPr>
+        </p:nvSpPr>
+        <p:spPr/>
+        <p:txBody>
+          <a:bodyPr/>
+          <a:lstStyle/>
+          <a:p>
+            <a:r>
+              <a:rPr lang="fr-FR" dirty="0" err="1"/>
+              <a:t>CCINP</a:t>
+            </a:r>
+            <a:r>
+              <a:rPr lang="fr-FR" dirty="0"/>
+              <a:t> – PSI – Exemple</a:t>
+            </a:r>
+          </a:p>
+        </p:txBody>
+      </p:sp>
+      <p:sp>
+        <p:nvSpPr>
+          <p:cNvPr id="4" name="Espace réservé du pied de page 3">
+            <a:extLst>
+              <a:ext uri="{FF2B5EF4-FFF2-40B4-BE49-F238E27FC236}">
+                <a16:creationId xmlns:a16="http://schemas.microsoft.com/office/drawing/2014/main" id="{91BB15F0-CF5B-D64E-194B-67B3BF7B2614}"/>
+              </a:ext>
+            </a:extLst>
+          </p:cNvPr>
+          <p:cNvSpPr>
+            <a:spLocks noGrp="1"/>
+          </p:cNvSpPr>
+          <p:nvPr>
+            <p:ph type="ftr" sz="quarter" idx="11"/>
+          </p:nvPr>
+        </p:nvSpPr>
+        <p:spPr/>
+        <p:txBody>
+          <a:bodyPr/>
+          <a:lstStyle/>
+          <a:p>
+            <a:r>
+              <a:rPr lang="fr-FR"/>
+              <a:t>Xavier PESSOLES</a:t>
+            </a:r>
+          </a:p>
+        </p:txBody>
+      </p:sp>
+      <p:pic>
+        <p:nvPicPr>
+          <p:cNvPr id="7" name="Picture 6" descr="Concours commun Institut National Polytechnique (CCINP)/E3A - Vice-rectorat  de Polynésie française">
+            <a:extLst>
+              <a:ext uri="{FF2B5EF4-FFF2-40B4-BE49-F238E27FC236}">
+                <a16:creationId xmlns:a16="http://schemas.microsoft.com/office/drawing/2014/main" id="{FEBA051C-606E-96BC-2344-D2D89FC00385}"/>
+              </a:ext>
+            </a:extLst>
+          </p:cNvPr>
+          <p:cNvPicPr>
+            <a:picLocks noChangeAspect="1" noChangeArrowheads="1"/>
+          </p:cNvPicPr>
+          <p:nvPr/>
+        </p:nvPicPr>
+        <p:blipFill rotWithShape="1">
+          <a:blip r:embed="rId2">
+            <a:extLst>
+              <a:ext uri="{28A0092B-C50C-407E-A947-70E740481C1C}">
+                <a14:useLocalDpi xmlns:a14="http://schemas.microsoft.com/office/drawing/2010/main" val="0"/>
+              </a:ext>
+            </a:extLst>
+          </a:blip>
+          <a:srcRect l="17067" t="10387" r="17511" b="10630"/>
+          <a:stretch/>
+        </p:blipFill>
+        <p:spPr bwMode="auto">
+          <a:xfrm>
+            <a:off x="10920518" y="5834633"/>
+            <a:ext cx="1271482" cy="1023367"/>
+          </a:xfrm>
+          <a:prstGeom prst="rect">
+            <a:avLst/>
+          </a:prstGeom>
+          <a:noFill/>
+          <a:extLst>
+            <a:ext uri="{909E8E84-426E-40DD-AFC4-6F175D3DCCD1}">
+              <a14:hiddenFill xmlns:a14="http://schemas.microsoft.com/office/drawing/2010/main">
+                <a:solidFill>
+                  <a:srgbClr val="FFFFFF"/>
+                </a:solidFill>
+              </a14:hiddenFill>
+            </a:ext>
+          </a:extLst>
+        </p:spPr>
+      </p:pic>
+      <p:sp>
+        <p:nvSpPr>
+          <p:cNvPr id="5" name="Espace réservé du contenu 4">
+            <a:extLst>
+              <a:ext uri="{FF2B5EF4-FFF2-40B4-BE49-F238E27FC236}">
+                <a16:creationId xmlns:a16="http://schemas.microsoft.com/office/drawing/2014/main" id="{2E17A778-3514-680B-76DA-0C5E0ACF6969}"/>
+              </a:ext>
+            </a:extLst>
+          </p:cNvPr>
+          <p:cNvSpPr>
+            <a:spLocks noGrp="1"/>
+          </p:cNvSpPr>
+          <p:nvPr>
+            <p:ph idx="1"/>
+          </p:nvPr>
+        </p:nvSpPr>
+        <p:spPr/>
+        <p:txBody>
+          <a:bodyPr/>
+          <a:lstStyle/>
+          <a:p>
+            <a:endParaRPr lang="fr-FR"/>
+          </a:p>
+        </p:txBody>
+      </p:sp>
+    </p:spTree>
+    <p:extLst>
+      <p:ext uri="{BB962C8B-B14F-4D97-AF65-F5344CB8AC3E}">
+        <p14:creationId xmlns:p14="http://schemas.microsoft.com/office/powerpoint/2010/main" val="3176989018"/>
+      </p:ext>
+    </p:extLst>
+  </p:cSld>
+  <p:clrMapOvr>
+    <a:masterClrMapping/>
+  </p:clrMapOvr>
+</p:sld>
+</file>
+
+<file path=ppt/slides/slide25.xml><?xml version="1.0" encoding="utf-8"?>
+<p:sld xmlns:a="http://schemas.openxmlformats.org/drawingml/2006/main" xmlns:r="http://schemas.openxmlformats.org/officeDocument/2006/relationships" xmlns:p="http://schemas.openxmlformats.org/presentationml/2006/main">
+  <p:cSld>
+    <p:spTree>
+      <p:nvGrpSpPr>
+        <p:cNvPr id="1" name=""/>
+        <p:cNvGrpSpPr/>
+        <p:nvPr/>
+      </p:nvGrpSpPr>
+      <p:grpSpPr>
+        <a:xfrm>
+          <a:off x="0" y="0"/>
+          <a:ext cx="0" cy="0"/>
+          <a:chOff x="0" y="0"/>
+          <a:chExt cx="0" cy="0"/>
+        </a:xfrm>
+      </p:grpSpPr>
+      <p:sp>
+        <p:nvSpPr>
+          <p:cNvPr id="2" name="Titre 1">
+            <a:extLst>
+              <a:ext uri="{FF2B5EF4-FFF2-40B4-BE49-F238E27FC236}">
+                <a16:creationId xmlns:a16="http://schemas.microsoft.com/office/drawing/2014/main" id="{30B6DD50-A2AA-2D5C-C59E-85498275F546}"/>
+              </a:ext>
+            </a:extLst>
+          </p:cNvPr>
+          <p:cNvSpPr>
+            <a:spLocks noGrp="1"/>
+          </p:cNvSpPr>
+          <p:nvPr>
+            <p:ph type="title"/>
+          </p:nvPr>
+        </p:nvSpPr>
+        <p:spPr/>
+        <p:txBody>
+          <a:bodyPr/>
+          <a:lstStyle/>
+          <a:p>
+            <a:r>
+              <a:rPr lang="fr-FR" dirty="0" err="1"/>
+              <a:t>CCINP</a:t>
+            </a:r>
+            <a:r>
+              <a:rPr lang="fr-FR" dirty="0"/>
+              <a:t> – PSI – Exemple</a:t>
+            </a:r>
+          </a:p>
+        </p:txBody>
+      </p:sp>
+      <p:sp>
+        <p:nvSpPr>
+          <p:cNvPr id="4" name="Espace réservé du pied de page 3">
+            <a:extLst>
+              <a:ext uri="{FF2B5EF4-FFF2-40B4-BE49-F238E27FC236}">
+                <a16:creationId xmlns:a16="http://schemas.microsoft.com/office/drawing/2014/main" id="{91BB15F0-CF5B-D64E-194B-67B3BF7B2614}"/>
+              </a:ext>
+            </a:extLst>
+          </p:cNvPr>
+          <p:cNvSpPr>
+            <a:spLocks noGrp="1"/>
+          </p:cNvSpPr>
+          <p:nvPr>
+            <p:ph type="ftr" sz="quarter" idx="11"/>
+          </p:nvPr>
+        </p:nvSpPr>
+        <p:spPr/>
+        <p:txBody>
+          <a:bodyPr/>
+          <a:lstStyle/>
+          <a:p>
+            <a:r>
+              <a:rPr lang="fr-FR"/>
+              <a:t>Xavier PESSOLES</a:t>
+            </a:r>
+          </a:p>
+        </p:txBody>
+      </p:sp>
+      <p:pic>
+        <p:nvPicPr>
+          <p:cNvPr id="7" name="Picture 6" descr="Concours commun Institut National Polytechnique (CCINP)/E3A - Vice-rectorat  de Polynésie française">
+            <a:extLst>
+              <a:ext uri="{FF2B5EF4-FFF2-40B4-BE49-F238E27FC236}">
+                <a16:creationId xmlns:a16="http://schemas.microsoft.com/office/drawing/2014/main" id="{FEBA051C-606E-96BC-2344-D2D89FC00385}"/>
+              </a:ext>
+            </a:extLst>
+          </p:cNvPr>
+          <p:cNvPicPr>
+            <a:picLocks noChangeAspect="1" noChangeArrowheads="1"/>
+          </p:cNvPicPr>
+          <p:nvPr/>
+        </p:nvPicPr>
+        <p:blipFill rotWithShape="1">
+          <a:blip r:embed="rId2">
+            <a:extLst>
+              <a:ext uri="{28A0092B-C50C-407E-A947-70E740481C1C}">
+                <a14:useLocalDpi xmlns:a14="http://schemas.microsoft.com/office/drawing/2010/main" val="0"/>
+              </a:ext>
+            </a:extLst>
+          </a:blip>
+          <a:srcRect l="17067" t="10387" r="17511" b="10630"/>
+          <a:stretch/>
+        </p:blipFill>
+        <p:spPr bwMode="auto">
+          <a:xfrm>
+            <a:off x="10920518" y="5834633"/>
+            <a:ext cx="1271482" cy="1023367"/>
+          </a:xfrm>
+          <a:prstGeom prst="rect">
+            <a:avLst/>
+          </a:prstGeom>
+          <a:noFill/>
+          <a:extLst>
+            <a:ext uri="{909E8E84-426E-40DD-AFC4-6F175D3DCCD1}">
+              <a14:hiddenFill xmlns:a14="http://schemas.microsoft.com/office/drawing/2010/main">
+                <a:solidFill>
+                  <a:srgbClr val="FFFFFF"/>
+                </a:solidFill>
+              </a14:hiddenFill>
+            </a:ext>
+          </a:extLst>
+        </p:spPr>
+      </p:pic>
+      <p:sp>
+        <p:nvSpPr>
+          <p:cNvPr id="5" name="Espace réservé du contenu 4">
+            <a:extLst>
+              <a:ext uri="{FF2B5EF4-FFF2-40B4-BE49-F238E27FC236}">
+                <a16:creationId xmlns:a16="http://schemas.microsoft.com/office/drawing/2014/main" id="{377F3115-EA6C-00F2-6BD5-759F5F34B375}"/>
+              </a:ext>
+            </a:extLst>
+          </p:cNvPr>
+          <p:cNvSpPr>
+            <a:spLocks noGrp="1"/>
+          </p:cNvSpPr>
+          <p:nvPr>
+            <p:ph idx="1"/>
+          </p:nvPr>
+        </p:nvSpPr>
+        <p:spPr/>
+        <p:txBody>
+          <a:bodyPr/>
+          <a:lstStyle/>
+          <a:p>
+            <a:endParaRPr lang="fr-FR"/>
+          </a:p>
+        </p:txBody>
+      </p:sp>
+    </p:spTree>
+    <p:extLst>
+      <p:ext uri="{BB962C8B-B14F-4D97-AF65-F5344CB8AC3E}">
+        <p14:creationId xmlns:p14="http://schemas.microsoft.com/office/powerpoint/2010/main" val="171862101"/>
+      </p:ext>
+    </p:extLst>
+  </p:cSld>
+  <p:clrMapOvr>
+    <a:masterClrMapping/>
+  </p:clrMapOvr>
+</p:sld>
+</file>
+
+<file path=ppt/slides/slide26.xml><?xml version="1.0" encoding="utf-8"?>
 <p:sld xmlns:a="http://schemas.openxmlformats.org/drawingml/2006/main" xmlns:r="http://schemas.openxmlformats.org/officeDocument/2006/relationships" xmlns:p="http://schemas.openxmlformats.org/presentationml/2006/main">
   <p:cSld>
     <p:spTree>

--- a/A_Organisation/EpreuvesOralesCPGE.pptx
+++ b/A_Organisation/EpreuvesOralesCPGE.pptx
@@ -5,7 +5,7 @@
     <p:sldMasterId id="2147483648" r:id="rId1"/>
   </p:sldMasterIdLst>
   <p:notesMasterIdLst>
-    <p:notesMasterId r:id="rId28"/>
+    <p:notesMasterId r:id="rId29"/>
   </p:notesMasterIdLst>
   <p:sldIdLst>
     <p:sldId id="256" r:id="rId2"/>
@@ -20,20 +20,21 @@
     <p:sldId id="276" r:id="rId11"/>
     <p:sldId id="277" r:id="rId12"/>
     <p:sldId id="278" r:id="rId13"/>
-    <p:sldId id="270" r:id="rId14"/>
-    <p:sldId id="279" r:id="rId15"/>
-    <p:sldId id="280" r:id="rId16"/>
-    <p:sldId id="281" r:id="rId17"/>
-    <p:sldId id="282" r:id="rId18"/>
-    <p:sldId id="283" r:id="rId19"/>
-    <p:sldId id="284" r:id="rId20"/>
-    <p:sldId id="286" r:id="rId21"/>
-    <p:sldId id="287" r:id="rId22"/>
-    <p:sldId id="288" r:id="rId23"/>
-    <p:sldId id="289" r:id="rId24"/>
-    <p:sldId id="290" r:id="rId25"/>
-    <p:sldId id="291" r:id="rId26"/>
-    <p:sldId id="285" r:id="rId27"/>
+    <p:sldId id="294" r:id="rId14"/>
+    <p:sldId id="270" r:id="rId15"/>
+    <p:sldId id="279" r:id="rId16"/>
+    <p:sldId id="280" r:id="rId17"/>
+    <p:sldId id="281" r:id="rId18"/>
+    <p:sldId id="282" r:id="rId19"/>
+    <p:sldId id="283" r:id="rId20"/>
+    <p:sldId id="284" r:id="rId21"/>
+    <p:sldId id="286" r:id="rId22"/>
+    <p:sldId id="287" r:id="rId23"/>
+    <p:sldId id="288" r:id="rId24"/>
+    <p:sldId id="292" r:id="rId25"/>
+    <p:sldId id="293" r:id="rId26"/>
+    <p:sldId id="289" r:id="rId27"/>
+    <p:sldId id="285" r:id="rId28"/>
   </p:sldIdLst>
   <p:sldSz cx="12192000" cy="6858000"/>
   <p:notesSz cx="6858000" cy="9144000"/>
@@ -4632,6 +4633,202 @@
           <p:cNvPr id="2" name="Titre 1">
             <a:extLst>
               <a:ext uri="{FF2B5EF4-FFF2-40B4-BE49-F238E27FC236}">
+                <a16:creationId xmlns:a16="http://schemas.microsoft.com/office/drawing/2014/main" id="{7285F65A-67E6-4BF4-0B65-52321B5F5B56}"/>
+              </a:ext>
+            </a:extLst>
+          </p:cNvPr>
+          <p:cNvSpPr>
+            <a:spLocks noGrp="1"/>
+          </p:cNvSpPr>
+          <p:nvPr>
+            <p:ph type="title"/>
+          </p:nvPr>
+        </p:nvSpPr>
+        <p:spPr/>
+        <p:txBody>
+          <a:bodyPr/>
+          <a:lstStyle/>
+          <a:p>
+            <a:r>
+              <a:rPr lang="fr-FR" dirty="0"/>
+              <a:t>Compléments sur l’informatique (Python)</a:t>
+            </a:r>
+          </a:p>
+        </p:txBody>
+      </p:sp>
+      <p:sp>
+        <p:nvSpPr>
+          <p:cNvPr id="3" name="Espace réservé du contenu 2">
+            <a:extLst>
+              <a:ext uri="{FF2B5EF4-FFF2-40B4-BE49-F238E27FC236}">
+                <a16:creationId xmlns:a16="http://schemas.microsoft.com/office/drawing/2014/main" id="{67D4EB93-13FF-D074-5CB6-447764340054}"/>
+              </a:ext>
+            </a:extLst>
+          </p:cNvPr>
+          <p:cNvSpPr>
+            <a:spLocks noGrp="1"/>
+          </p:cNvSpPr>
+          <p:nvPr>
+            <p:ph idx="1"/>
+          </p:nvPr>
+        </p:nvSpPr>
+        <p:spPr/>
+        <p:txBody>
+          <a:bodyPr>
+            <a:normAutofit/>
+          </a:bodyPr>
+          <a:lstStyle/>
+          <a:p>
+            <a:r>
+              <a:rPr lang="fr-FR" dirty="0"/>
+              <a:t>Exemples de questions </a:t>
+            </a:r>
+          </a:p>
+          <a:p>
+            <a:pPr lvl="1"/>
+            <a:r>
+              <a:rPr lang="fr-FR" dirty="0"/>
+              <a:t>Savoir créer des listes dans le but de tracer des courbes (une loi entrée-sortie)</a:t>
+            </a:r>
+          </a:p>
+          <a:p>
+            <a:pPr lvl="1"/>
+            <a:r>
+              <a:rPr lang="fr-FR" dirty="0"/>
+              <a:t>Savoir lire les données d’un fichier dans le but de tracer une courbe</a:t>
+            </a:r>
+          </a:p>
+          <a:p>
+            <a:pPr lvl="1"/>
+            <a:r>
+              <a:rPr lang="fr-FR" dirty="0"/>
+              <a:t>Savoir réaliser une fonction à partir d’un algorigramme</a:t>
+            </a:r>
+          </a:p>
+          <a:p>
+            <a:pPr lvl="2"/>
+            <a:r>
+              <a:rPr lang="fr-FR" dirty="0"/>
+              <a:t>Implémenter un graphe d’état à partir de fonctions élémentaires</a:t>
+            </a:r>
+          </a:p>
+          <a:p>
+            <a:pPr lvl="2"/>
+            <a:r>
+              <a:rPr lang="fr-FR" dirty="0"/>
+              <a:t>Réaliser une régression linéaire</a:t>
+            </a:r>
+          </a:p>
+          <a:p>
+            <a:pPr lvl="2"/>
+            <a:r>
+              <a:rPr lang="fr-FR" dirty="0"/>
+              <a:t>Etc…</a:t>
+            </a:r>
+          </a:p>
+          <a:p>
+            <a:pPr lvl="2"/>
+            <a:endParaRPr lang="fr-FR" dirty="0"/>
+          </a:p>
+          <a:p>
+            <a:pPr lvl="2"/>
+            <a:endParaRPr lang="fr-FR" dirty="0"/>
+          </a:p>
+        </p:txBody>
+      </p:sp>
+      <p:sp>
+        <p:nvSpPr>
+          <p:cNvPr id="4" name="Espace réservé du pied de page 3">
+            <a:extLst>
+              <a:ext uri="{FF2B5EF4-FFF2-40B4-BE49-F238E27FC236}">
+                <a16:creationId xmlns:a16="http://schemas.microsoft.com/office/drawing/2014/main" id="{48AF39B6-B4AD-3E36-28EF-080519F55E2D}"/>
+              </a:ext>
+            </a:extLst>
+          </p:cNvPr>
+          <p:cNvSpPr>
+            <a:spLocks noGrp="1"/>
+          </p:cNvSpPr>
+          <p:nvPr>
+            <p:ph type="ftr" sz="quarter" idx="11"/>
+          </p:nvPr>
+        </p:nvSpPr>
+        <p:spPr/>
+        <p:txBody>
+          <a:bodyPr/>
+          <a:lstStyle/>
+          <a:p>
+            <a:r>
+              <a:rPr lang="fr-FR"/>
+              <a:t>Xavier PESSOLES</a:t>
+            </a:r>
+          </a:p>
+        </p:txBody>
+      </p:sp>
+      <p:pic>
+        <p:nvPicPr>
+          <p:cNvPr id="5" name="Image 4">
+            <a:extLst>
+              <a:ext uri="{FF2B5EF4-FFF2-40B4-BE49-F238E27FC236}">
+                <a16:creationId xmlns:a16="http://schemas.microsoft.com/office/drawing/2014/main" id="{437B1148-8323-E8E5-B0AB-1F0E58586489}"/>
+              </a:ext>
+            </a:extLst>
+          </p:cNvPr>
+          <p:cNvPicPr>
+            <a:picLocks noChangeAspect="1"/>
+          </p:cNvPicPr>
+          <p:nvPr/>
+        </p:nvPicPr>
+        <p:blipFill>
+          <a:blip r:embed="rId2"/>
+          <a:stretch>
+            <a:fillRect/>
+          </a:stretch>
+        </p:blipFill>
+        <p:spPr>
+          <a:xfrm>
+            <a:off x="0" y="5862320"/>
+            <a:ext cx="1044420" cy="995680"/>
+          </a:xfrm>
+          <a:prstGeom prst="rect">
+            <a:avLst/>
+          </a:prstGeom>
+        </p:spPr>
+      </p:pic>
+    </p:spTree>
+    <p:extLst>
+      <p:ext uri="{BB962C8B-B14F-4D97-AF65-F5344CB8AC3E}">
+        <p14:creationId xmlns:p14="http://schemas.microsoft.com/office/powerpoint/2010/main" val="2714492081"/>
+      </p:ext>
+    </p:extLst>
+  </p:cSld>
+  <p:clrMapOvr>
+    <a:masterClrMapping/>
+  </p:clrMapOvr>
+</p:sld>
+</file>
+
+<file path=ppt/slides/slide14.xml><?xml version="1.0" encoding="utf-8"?>
+<p:sld xmlns:a="http://schemas.openxmlformats.org/drawingml/2006/main" xmlns:r="http://schemas.openxmlformats.org/officeDocument/2006/relationships" xmlns:p="http://schemas.openxmlformats.org/presentationml/2006/main">
+  <p:cSld>
+    <p:spTree>
+      <p:nvGrpSpPr>
+        <p:cNvPr id="1" name=""/>
+        <p:cNvGrpSpPr/>
+        <p:nvPr/>
+      </p:nvGrpSpPr>
+      <p:grpSpPr>
+        <a:xfrm>
+          <a:off x="0" y="0"/>
+          <a:ext cx="0" cy="0"/>
+          <a:chOff x="0" y="0"/>
+          <a:chExt cx="0" cy="0"/>
+        </a:xfrm>
+      </p:grpSpPr>
+      <p:sp>
+        <p:nvSpPr>
+          <p:cNvPr id="2" name="Titre 1">
+            <a:extLst>
+              <a:ext uri="{FF2B5EF4-FFF2-40B4-BE49-F238E27FC236}">
                 <a16:creationId xmlns:a16="http://schemas.microsoft.com/office/drawing/2014/main" id="{A09B31E3-01AB-F935-FB8C-8F91AD78A038}"/>
               </a:ext>
             </a:extLst>
@@ -4788,7 +4985,7 @@
 </p:sld>
 </file>
 
-<file path=ppt/slides/slide14.xml><?xml version="1.0" encoding="utf-8"?>
+<file path=ppt/slides/slide15.xml><?xml version="1.0" encoding="utf-8"?>
 <p:sld xmlns:a="http://schemas.openxmlformats.org/drawingml/2006/main" xmlns:r="http://schemas.openxmlformats.org/officeDocument/2006/relationships" xmlns:p="http://schemas.openxmlformats.org/presentationml/2006/main">
   <p:cSld>
     <p:spTree>
@@ -5033,7 +5230,7 @@
 </p:sld>
 </file>
 
-<file path=ppt/slides/slide15.xml><?xml version="1.0" encoding="utf-8"?>
+<file path=ppt/slides/slide16.xml><?xml version="1.0" encoding="utf-8"?>
 <p:sld xmlns:a="http://schemas.openxmlformats.org/drawingml/2006/main" xmlns:r="http://schemas.openxmlformats.org/officeDocument/2006/relationships" xmlns:p="http://schemas.openxmlformats.org/presentationml/2006/main">
   <p:cSld>
     <p:spTree>
@@ -5189,7 +5386,7 @@
 </p:sld>
 </file>
 
-<file path=ppt/slides/slide16.xml><?xml version="1.0" encoding="utf-8"?>
+<file path=ppt/slides/slide17.xml><?xml version="1.0" encoding="utf-8"?>
 <p:sld xmlns:a="http://schemas.openxmlformats.org/drawingml/2006/main" xmlns:r="http://schemas.openxmlformats.org/officeDocument/2006/relationships" xmlns:p="http://schemas.openxmlformats.org/presentationml/2006/main">
   <p:cSld>
     <p:spTree>
@@ -5401,7 +5598,7 @@
 </p:sld>
 </file>
 
-<file path=ppt/slides/slide17.xml><?xml version="1.0" encoding="utf-8"?>
+<file path=ppt/slides/slide18.xml><?xml version="1.0" encoding="utf-8"?>
 <p:sld xmlns:a="http://schemas.openxmlformats.org/drawingml/2006/main" xmlns:r="http://schemas.openxmlformats.org/officeDocument/2006/relationships" xmlns:p="http://schemas.openxmlformats.org/presentationml/2006/main">
   <p:cSld>
     <p:spTree>
@@ -5803,7 +6000,7 @@
 </p:sld>
 </file>
 
-<file path=ppt/slides/slide18.xml><?xml version="1.0" encoding="utf-8"?>
+<file path=ppt/slides/slide19.xml><?xml version="1.0" encoding="utf-8"?>
 <p:sld xmlns:a="http://schemas.openxmlformats.org/drawingml/2006/main" xmlns:r="http://schemas.openxmlformats.org/officeDocument/2006/relationships" xmlns:p="http://schemas.openxmlformats.org/presentationml/2006/main">
   <p:cSld>
     <p:spTree>
@@ -6235,7 +6432,178 @@
 </p:sld>
 </file>
 
-<file path=ppt/slides/slide19.xml><?xml version="1.0" encoding="utf-8"?>
+<file path=ppt/slides/slide2.xml><?xml version="1.0" encoding="utf-8"?>
+<p:sld xmlns:a="http://schemas.openxmlformats.org/drawingml/2006/main" xmlns:r="http://schemas.openxmlformats.org/officeDocument/2006/relationships" xmlns:p="http://schemas.openxmlformats.org/presentationml/2006/main">
+  <p:cSld>
+    <p:spTree>
+      <p:nvGrpSpPr>
+        <p:cNvPr id="1" name=""/>
+        <p:cNvGrpSpPr/>
+        <p:nvPr/>
+      </p:nvGrpSpPr>
+      <p:grpSpPr>
+        <a:xfrm>
+          <a:off x="0" y="0"/>
+          <a:ext cx="0" cy="0"/>
+          <a:chOff x="0" y="0"/>
+          <a:chExt cx="0" cy="0"/>
+        </a:xfrm>
+      </p:grpSpPr>
+      <p:sp>
+        <p:nvSpPr>
+          <p:cNvPr id="2" name="Titre 1"/>
+          <p:cNvSpPr>
+            <a:spLocks noGrp="1"/>
+          </p:cNvSpPr>
+          <p:nvPr>
+            <p:ph type="title"/>
+          </p:nvPr>
+        </p:nvSpPr>
+        <p:spPr>
+          <a:xfrm>
+            <a:off x="396258" y="-11377"/>
+            <a:ext cx="11399484" cy="1021976"/>
+          </a:xfrm>
+        </p:spPr>
+        <p:txBody>
+          <a:bodyPr/>
+          <a:lstStyle/>
+          <a:p>
+            <a:r>
+              <a:rPr lang="fr-FR" dirty="0"/>
+              <a:t>Objectif général des épreuves pratiques</a:t>
+            </a:r>
+          </a:p>
+        </p:txBody>
+      </p:sp>
+      <p:sp>
+        <p:nvSpPr>
+          <p:cNvPr id="3" name="Espace réservé du contenu 2"/>
+          <p:cNvSpPr>
+            <a:spLocks noGrp="1"/>
+          </p:cNvSpPr>
+          <p:nvPr>
+            <p:ph idx="1"/>
+          </p:nvPr>
+        </p:nvSpPr>
+        <p:spPr/>
+        <p:txBody>
+          <a:bodyPr/>
+          <a:lstStyle/>
+          <a:p>
+            <a:r>
+              <a:rPr lang="fr-FR" dirty="0"/>
+              <a:t>Evaluation des compétences suivantes (extrait du Rapport Centrale </a:t>
+            </a:r>
+            <a:r>
+              <a:rPr lang="fr-FR" dirty="0" err="1"/>
+              <a:t>Supelec</a:t>
+            </a:r>
+            <a:r>
+              <a:rPr lang="fr-FR" dirty="0"/>
+              <a:t>)</a:t>
+            </a:r>
+          </a:p>
+          <a:p>
+            <a:pPr lvl="1"/>
+            <a:r>
+              <a:rPr lang="fr-FR" dirty="0"/>
+              <a:t>s’approprier le support matériel du TP ;</a:t>
+            </a:r>
+          </a:p>
+          <a:p>
+            <a:pPr lvl="1"/>
+            <a:r>
+              <a:rPr lang="fr-FR" dirty="0"/>
+              <a:t>analyser et s’approprier la problématique des activités proposées ;</a:t>
+            </a:r>
+          </a:p>
+          <a:p>
+            <a:pPr lvl="1"/>
+            <a:r>
+              <a:rPr lang="fr-FR" dirty="0"/>
+              <a:t>élaborer ou justifier, conduire et exploiter un protocole d’expérimentation ;</a:t>
+            </a:r>
+          </a:p>
+          <a:p>
+            <a:pPr lvl="1"/>
+            <a:r>
+              <a:rPr lang="fr-FR" dirty="0"/>
+              <a:t>modéliser ;</a:t>
+            </a:r>
+          </a:p>
+          <a:p>
+            <a:pPr lvl="1"/>
+            <a:r>
+              <a:rPr lang="fr-FR" dirty="0"/>
+              <a:t>valider ou recaler un modèle au regard des objectifs de la problématique abordée ;</a:t>
+            </a:r>
+          </a:p>
+          <a:p>
+            <a:pPr lvl="1"/>
+            <a:r>
+              <a:rPr lang="fr-FR" dirty="0"/>
+              <a:t>maitriser et conduire une simulation numérique et exploiter les résultats obtenus ;</a:t>
+            </a:r>
+          </a:p>
+          <a:p>
+            <a:pPr lvl="1"/>
+            <a:r>
+              <a:rPr lang="fr-FR" dirty="0"/>
+              <a:t>formuler des conclusions pour choisir et décider ;</a:t>
+            </a:r>
+          </a:p>
+          <a:p>
+            <a:pPr lvl="1"/>
+            <a:r>
+              <a:rPr lang="fr-FR" dirty="0"/>
+              <a:t>communiquer et savoir être (expliquer, écouter et assimiler ; évoluer avec autonomie ; réaliser une synthèse).</a:t>
+            </a:r>
+          </a:p>
+        </p:txBody>
+      </p:sp>
+      <p:sp>
+        <p:nvSpPr>
+          <p:cNvPr id="4" name="Espace réservé du pied de page 3">
+            <a:extLst>
+              <a:ext uri="{FF2B5EF4-FFF2-40B4-BE49-F238E27FC236}">
+                <a16:creationId xmlns:a16="http://schemas.microsoft.com/office/drawing/2014/main" id="{E32FAEC1-BF22-E3BC-A284-AC6E32752206}"/>
+              </a:ext>
+            </a:extLst>
+          </p:cNvPr>
+          <p:cNvSpPr>
+            <a:spLocks noGrp="1"/>
+          </p:cNvSpPr>
+          <p:nvPr>
+            <p:ph type="ftr" sz="quarter" idx="11"/>
+          </p:nvPr>
+        </p:nvSpPr>
+        <p:spPr/>
+        <p:txBody>
+          <a:bodyPr/>
+          <a:lstStyle/>
+          <a:p>
+            <a:r>
+              <a:rPr lang="fr-FR"/>
+              <a:t>Xavier PESSOLES</a:t>
+            </a:r>
+          </a:p>
+        </p:txBody>
+      </p:sp>
+    </p:spTree>
+    <p:extLst>
+      <p:ext uri="{BB962C8B-B14F-4D97-AF65-F5344CB8AC3E}">
+        <p14:creationId xmlns:p14="http://schemas.microsoft.com/office/powerpoint/2010/main" val="61539236"/>
+      </p:ext>
+    </p:extLst>
+  </p:cSld>
+  <p:clrMapOvr>
+    <a:masterClrMapping/>
+  </p:clrMapOvr>
+</p:sld>
+</file>
+
+<file path=ppt/slides/slide20.xml><?xml version="1.0" encoding="utf-8"?>
 <p:sld xmlns:a="http://schemas.openxmlformats.org/drawingml/2006/main" xmlns:r="http://schemas.openxmlformats.org/officeDocument/2006/relationships" xmlns:p="http://schemas.openxmlformats.org/presentationml/2006/main">
   <p:cSld>
     <p:spTree>
@@ -6436,178 +6804,7 @@
 </p:sld>
 </file>
 
-<file path=ppt/slides/slide2.xml><?xml version="1.0" encoding="utf-8"?>
-<p:sld xmlns:a="http://schemas.openxmlformats.org/drawingml/2006/main" xmlns:r="http://schemas.openxmlformats.org/officeDocument/2006/relationships" xmlns:p="http://schemas.openxmlformats.org/presentationml/2006/main">
-  <p:cSld>
-    <p:spTree>
-      <p:nvGrpSpPr>
-        <p:cNvPr id="1" name=""/>
-        <p:cNvGrpSpPr/>
-        <p:nvPr/>
-      </p:nvGrpSpPr>
-      <p:grpSpPr>
-        <a:xfrm>
-          <a:off x="0" y="0"/>
-          <a:ext cx="0" cy="0"/>
-          <a:chOff x="0" y="0"/>
-          <a:chExt cx="0" cy="0"/>
-        </a:xfrm>
-      </p:grpSpPr>
-      <p:sp>
-        <p:nvSpPr>
-          <p:cNvPr id="2" name="Titre 1"/>
-          <p:cNvSpPr>
-            <a:spLocks noGrp="1"/>
-          </p:cNvSpPr>
-          <p:nvPr>
-            <p:ph type="title"/>
-          </p:nvPr>
-        </p:nvSpPr>
-        <p:spPr>
-          <a:xfrm>
-            <a:off x="396258" y="-11377"/>
-            <a:ext cx="11399484" cy="1021976"/>
-          </a:xfrm>
-        </p:spPr>
-        <p:txBody>
-          <a:bodyPr/>
-          <a:lstStyle/>
-          <a:p>
-            <a:r>
-              <a:rPr lang="fr-FR" dirty="0"/>
-              <a:t>Objectif général des épreuves pratiques</a:t>
-            </a:r>
-          </a:p>
-        </p:txBody>
-      </p:sp>
-      <p:sp>
-        <p:nvSpPr>
-          <p:cNvPr id="3" name="Espace réservé du contenu 2"/>
-          <p:cNvSpPr>
-            <a:spLocks noGrp="1"/>
-          </p:cNvSpPr>
-          <p:nvPr>
-            <p:ph idx="1"/>
-          </p:nvPr>
-        </p:nvSpPr>
-        <p:spPr/>
-        <p:txBody>
-          <a:bodyPr/>
-          <a:lstStyle/>
-          <a:p>
-            <a:r>
-              <a:rPr lang="fr-FR" dirty="0"/>
-              <a:t>Evaluation des compétences suivantes (extrait du Rapport Centrale </a:t>
-            </a:r>
-            <a:r>
-              <a:rPr lang="fr-FR" dirty="0" err="1"/>
-              <a:t>Supelec</a:t>
-            </a:r>
-            <a:r>
-              <a:rPr lang="fr-FR" dirty="0"/>
-              <a:t>)</a:t>
-            </a:r>
-          </a:p>
-          <a:p>
-            <a:pPr lvl="1"/>
-            <a:r>
-              <a:rPr lang="fr-FR" dirty="0"/>
-              <a:t>s’approprier le support matériel du TP ;</a:t>
-            </a:r>
-          </a:p>
-          <a:p>
-            <a:pPr lvl="1"/>
-            <a:r>
-              <a:rPr lang="fr-FR" dirty="0"/>
-              <a:t>analyser et s’approprier la problématique des activités proposées ;</a:t>
-            </a:r>
-          </a:p>
-          <a:p>
-            <a:pPr lvl="1"/>
-            <a:r>
-              <a:rPr lang="fr-FR" dirty="0"/>
-              <a:t>élaborer ou justifier, conduire et exploiter un protocole d’expérimentation ;</a:t>
-            </a:r>
-          </a:p>
-          <a:p>
-            <a:pPr lvl="1"/>
-            <a:r>
-              <a:rPr lang="fr-FR" dirty="0"/>
-              <a:t>modéliser ;</a:t>
-            </a:r>
-          </a:p>
-          <a:p>
-            <a:pPr lvl="1"/>
-            <a:r>
-              <a:rPr lang="fr-FR" dirty="0"/>
-              <a:t>valider ou recaler un modèle au regard des objectifs de la problématique abordée ;</a:t>
-            </a:r>
-          </a:p>
-          <a:p>
-            <a:pPr lvl="1"/>
-            <a:r>
-              <a:rPr lang="fr-FR" dirty="0"/>
-              <a:t>maitriser et conduire une simulation numérique et exploiter les résultats obtenus ;</a:t>
-            </a:r>
-          </a:p>
-          <a:p>
-            <a:pPr lvl="1"/>
-            <a:r>
-              <a:rPr lang="fr-FR" dirty="0"/>
-              <a:t>formuler des conclusions pour choisir et décider ;</a:t>
-            </a:r>
-          </a:p>
-          <a:p>
-            <a:pPr lvl="1"/>
-            <a:r>
-              <a:rPr lang="fr-FR" dirty="0"/>
-              <a:t>communiquer et savoir être (expliquer, écouter et assimiler ; évoluer avec autonomie ; réaliser une synthèse).</a:t>
-            </a:r>
-          </a:p>
-        </p:txBody>
-      </p:sp>
-      <p:sp>
-        <p:nvSpPr>
-          <p:cNvPr id="4" name="Espace réservé du pied de page 3">
-            <a:extLst>
-              <a:ext uri="{FF2B5EF4-FFF2-40B4-BE49-F238E27FC236}">
-                <a16:creationId xmlns:a16="http://schemas.microsoft.com/office/drawing/2014/main" id="{E32FAEC1-BF22-E3BC-A284-AC6E32752206}"/>
-              </a:ext>
-            </a:extLst>
-          </p:cNvPr>
-          <p:cNvSpPr>
-            <a:spLocks noGrp="1"/>
-          </p:cNvSpPr>
-          <p:nvPr>
-            <p:ph type="ftr" sz="quarter" idx="11"/>
-          </p:nvPr>
-        </p:nvSpPr>
-        <p:spPr/>
-        <p:txBody>
-          <a:bodyPr/>
-          <a:lstStyle/>
-          <a:p>
-            <a:r>
-              <a:rPr lang="fr-FR"/>
-              <a:t>Xavier PESSOLES</a:t>
-            </a:r>
-          </a:p>
-        </p:txBody>
-      </p:sp>
-    </p:spTree>
-    <p:extLst>
-      <p:ext uri="{BB962C8B-B14F-4D97-AF65-F5344CB8AC3E}">
-        <p14:creationId xmlns:p14="http://schemas.microsoft.com/office/powerpoint/2010/main" val="61539236"/>
-      </p:ext>
-    </p:extLst>
-  </p:cSld>
-  <p:clrMapOvr>
-    <a:masterClrMapping/>
-  </p:clrMapOvr>
-</p:sld>
-</file>
-
-<file path=ppt/slides/slide20.xml><?xml version="1.0" encoding="utf-8"?>
+<file path=ppt/slides/slide21.xml><?xml version="1.0" encoding="utf-8"?>
 <p:sld xmlns:a="http://schemas.openxmlformats.org/drawingml/2006/main" xmlns:r="http://schemas.openxmlformats.org/officeDocument/2006/relationships" xmlns:p="http://schemas.openxmlformats.org/presentationml/2006/main">
   <p:cSld>
     <p:spTree>
@@ -7149,7 +7346,7 @@
 </p:sld>
 </file>
 
-<file path=ppt/slides/slide21.xml><?xml version="1.0" encoding="utf-8"?>
+<file path=ppt/slides/slide22.xml><?xml version="1.0" encoding="utf-8"?>
 <p:sld xmlns:a="http://schemas.openxmlformats.org/drawingml/2006/main" xmlns:r="http://schemas.openxmlformats.org/officeDocument/2006/relationships" xmlns:p="http://schemas.openxmlformats.org/presentationml/2006/main">
   <p:cSld>
     <p:spTree>
@@ -8061,7 +8258,7 @@
 </p:sld>
 </file>
 
-<file path=ppt/slides/slide22.xml><?xml version="1.0" encoding="utf-8"?>
+<file path=ppt/slides/slide23.xml><?xml version="1.0" encoding="utf-8"?>
 <p:sld xmlns:a="http://schemas.openxmlformats.org/drawingml/2006/main" xmlns:r="http://schemas.openxmlformats.org/officeDocument/2006/relationships" xmlns:p="http://schemas.openxmlformats.org/presentationml/2006/main">
   <p:cSld>
     <p:spTree>
@@ -8194,7 +8391,7 @@
         </p:blipFill>
         <p:spPr bwMode="auto">
           <a:xfrm>
-            <a:off x="10920518" y="5834633"/>
+            <a:off x="10920518" y="5844793"/>
             <a:ext cx="1271482" cy="1023367"/>
           </a:xfrm>
           <a:prstGeom prst="rect">
@@ -8273,166 +8470,6 @@
     <p:extLst>
       <p:ext uri="{BB962C8B-B14F-4D97-AF65-F5344CB8AC3E}">
         <p14:creationId xmlns:p14="http://schemas.microsoft.com/office/powerpoint/2010/main" val="3785476383"/>
-      </p:ext>
-    </p:extLst>
-  </p:cSld>
-  <p:clrMapOvr>
-    <a:masterClrMapping/>
-  </p:clrMapOvr>
-</p:sld>
-</file>
-
-<file path=ppt/slides/slide23.xml><?xml version="1.0" encoding="utf-8"?>
-<p:sld xmlns:a="http://schemas.openxmlformats.org/drawingml/2006/main" xmlns:r="http://schemas.openxmlformats.org/officeDocument/2006/relationships" xmlns:p="http://schemas.openxmlformats.org/presentationml/2006/main">
-  <p:cSld>
-    <p:spTree>
-      <p:nvGrpSpPr>
-        <p:cNvPr id="1" name=""/>
-        <p:cNvGrpSpPr/>
-        <p:nvPr/>
-      </p:nvGrpSpPr>
-      <p:grpSpPr>
-        <a:xfrm>
-          <a:off x="0" y="0"/>
-          <a:ext cx="0" cy="0"/>
-          <a:chOff x="0" y="0"/>
-          <a:chExt cx="0" cy="0"/>
-        </a:xfrm>
-      </p:grpSpPr>
-      <p:sp>
-        <p:nvSpPr>
-          <p:cNvPr id="2" name="Titre 1">
-            <a:extLst>
-              <a:ext uri="{FF2B5EF4-FFF2-40B4-BE49-F238E27FC236}">
-                <a16:creationId xmlns:a16="http://schemas.microsoft.com/office/drawing/2014/main" id="{30B6DD50-A2AA-2D5C-C59E-85498275F546}"/>
-              </a:ext>
-            </a:extLst>
-          </p:cNvPr>
-          <p:cNvSpPr>
-            <a:spLocks noGrp="1"/>
-          </p:cNvSpPr>
-          <p:nvPr>
-            <p:ph type="title"/>
-          </p:nvPr>
-        </p:nvSpPr>
-        <p:spPr/>
-        <p:txBody>
-          <a:bodyPr/>
-          <a:lstStyle/>
-          <a:p>
-            <a:r>
-              <a:rPr lang="fr-FR" dirty="0" err="1"/>
-              <a:t>CCINP</a:t>
-            </a:r>
-            <a:r>
-              <a:rPr lang="fr-FR" dirty="0"/>
-              <a:t> – PSI – Exemple</a:t>
-            </a:r>
-          </a:p>
-        </p:txBody>
-      </p:sp>
-      <p:sp>
-        <p:nvSpPr>
-          <p:cNvPr id="4" name="Espace réservé du pied de page 3">
-            <a:extLst>
-              <a:ext uri="{FF2B5EF4-FFF2-40B4-BE49-F238E27FC236}">
-                <a16:creationId xmlns:a16="http://schemas.microsoft.com/office/drawing/2014/main" id="{91BB15F0-CF5B-D64E-194B-67B3BF7B2614}"/>
-              </a:ext>
-            </a:extLst>
-          </p:cNvPr>
-          <p:cNvSpPr>
-            <a:spLocks noGrp="1"/>
-          </p:cNvSpPr>
-          <p:nvPr>
-            <p:ph type="ftr" sz="quarter" idx="11"/>
-          </p:nvPr>
-        </p:nvSpPr>
-        <p:spPr/>
-        <p:txBody>
-          <a:bodyPr/>
-          <a:lstStyle/>
-          <a:p>
-            <a:r>
-              <a:rPr lang="fr-FR"/>
-              <a:t>Xavier PESSOLES</a:t>
-            </a:r>
-          </a:p>
-        </p:txBody>
-      </p:sp>
-      <p:pic>
-        <p:nvPicPr>
-          <p:cNvPr id="7" name="Picture 6" descr="Concours commun Institut National Polytechnique (CCINP)/E3A - Vice-rectorat  de Polynésie française">
-            <a:extLst>
-              <a:ext uri="{FF2B5EF4-FFF2-40B4-BE49-F238E27FC236}">
-                <a16:creationId xmlns:a16="http://schemas.microsoft.com/office/drawing/2014/main" id="{FEBA051C-606E-96BC-2344-D2D89FC00385}"/>
-              </a:ext>
-            </a:extLst>
-          </p:cNvPr>
-          <p:cNvPicPr>
-            <a:picLocks noChangeAspect="1" noChangeArrowheads="1"/>
-          </p:cNvPicPr>
-          <p:nvPr/>
-        </p:nvPicPr>
-        <p:blipFill rotWithShape="1">
-          <a:blip r:embed="rId2">
-            <a:extLst>
-              <a:ext uri="{28A0092B-C50C-407E-A947-70E740481C1C}">
-                <a14:useLocalDpi xmlns:a14="http://schemas.microsoft.com/office/drawing/2010/main" val="0"/>
-              </a:ext>
-            </a:extLst>
-          </a:blip>
-          <a:srcRect l="17067" t="10387" r="17511" b="10630"/>
-          <a:stretch/>
-        </p:blipFill>
-        <p:spPr bwMode="auto">
-          <a:xfrm>
-            <a:off x="10920518" y="5834633"/>
-            <a:ext cx="1271482" cy="1023367"/>
-          </a:xfrm>
-          <a:prstGeom prst="rect">
-            <a:avLst/>
-          </a:prstGeom>
-          <a:noFill/>
-          <a:extLst>
-            <a:ext uri="{909E8E84-426E-40DD-AFC4-6F175D3DCCD1}">
-              <a14:hiddenFill xmlns:a14="http://schemas.microsoft.com/office/drawing/2010/main">
-                <a:solidFill>
-                  <a:srgbClr val="FFFFFF"/>
-                </a:solidFill>
-              </a14:hiddenFill>
-            </a:ext>
-          </a:extLst>
-        </p:spPr>
-      </p:pic>
-      <p:sp>
-        <p:nvSpPr>
-          <p:cNvPr id="5" name="Espace réservé du contenu 4">
-            <a:extLst>
-              <a:ext uri="{FF2B5EF4-FFF2-40B4-BE49-F238E27FC236}">
-                <a16:creationId xmlns:a16="http://schemas.microsoft.com/office/drawing/2014/main" id="{5B4A8ED9-1586-5941-102B-981D95E51BE2}"/>
-              </a:ext>
-            </a:extLst>
-          </p:cNvPr>
-          <p:cNvSpPr>
-            <a:spLocks noGrp="1"/>
-          </p:cNvSpPr>
-          <p:nvPr>
-            <p:ph idx="1"/>
-          </p:nvPr>
-        </p:nvSpPr>
-        <p:spPr/>
-        <p:txBody>
-          <a:bodyPr/>
-          <a:lstStyle/>
-          <a:p>
-            <a:endParaRPr lang="fr-FR"/>
-          </a:p>
-        </p:txBody>
-      </p:sp>
-    </p:spTree>
-    <p:extLst>
-      <p:ext uri="{BB962C8B-B14F-4D97-AF65-F5344CB8AC3E}">
-        <p14:creationId xmlns:p14="http://schemas.microsoft.com/office/powerpoint/2010/main" val="4136273637"/>
       </p:ext>
     </p:extLst>
   </p:cSld>
@@ -8464,7 +8501,7 @@
           <p:cNvPr id="2" name="Titre 1">
             <a:extLst>
               <a:ext uri="{FF2B5EF4-FFF2-40B4-BE49-F238E27FC236}">
-                <a16:creationId xmlns:a16="http://schemas.microsoft.com/office/drawing/2014/main" id="{30B6DD50-A2AA-2D5C-C59E-85498275F546}"/>
+                <a16:creationId xmlns:a16="http://schemas.microsoft.com/office/drawing/2014/main" id="{68792CDA-8062-723E-3BDE-1D0DE4828FC9}"/>
               </a:ext>
             </a:extLst>
           </p:cNvPr>
@@ -8491,12 +8528,40 @@
           </a:p>
         </p:txBody>
       </p:sp>
+      <p:pic>
+        <p:nvPicPr>
+          <p:cNvPr id="6" name="Espace réservé du contenu 5">
+            <a:extLst>
+              <a:ext uri="{FF2B5EF4-FFF2-40B4-BE49-F238E27FC236}">
+                <a16:creationId xmlns:a16="http://schemas.microsoft.com/office/drawing/2014/main" id="{7780CF0C-FE80-80EC-D8EF-3163F787577F}"/>
+              </a:ext>
+            </a:extLst>
+          </p:cNvPr>
+          <p:cNvPicPr>
+            <a:picLocks noGrp="1" noChangeAspect="1"/>
+          </p:cNvPicPr>
+          <p:nvPr>
+            <p:ph idx="1"/>
+          </p:nvPr>
+        </p:nvPicPr>
+        <p:blipFill rotWithShape="1">
+          <a:blip r:embed="rId2"/>
+          <a:srcRect b="52194"/>
+          <a:stretch/>
+        </p:blipFill>
+        <p:spPr>
+          <a:xfrm>
+            <a:off x="314978" y="1149069"/>
+            <a:ext cx="5378726" cy="2279931"/>
+          </a:xfrm>
+        </p:spPr>
+      </p:pic>
       <p:sp>
         <p:nvSpPr>
           <p:cNvPr id="4" name="Espace réservé du pied de page 3">
             <a:extLst>
               <a:ext uri="{FF2B5EF4-FFF2-40B4-BE49-F238E27FC236}">
-                <a16:creationId xmlns:a16="http://schemas.microsoft.com/office/drawing/2014/main" id="{91BB15F0-CF5B-D64E-194B-67B3BF7B2614}"/>
+                <a16:creationId xmlns:a16="http://schemas.microsoft.com/office/drawing/2014/main" id="{DA9686E4-FA85-9654-F879-403102C6CFC8}"/>
               </a:ext>
             </a:extLst>
           </p:cNvPr>
@@ -8521,10 +8586,39 @@
       </p:sp>
       <p:pic>
         <p:nvPicPr>
-          <p:cNvPr id="7" name="Picture 6" descr="Concours commun Institut National Polytechnique (CCINP)/E3A - Vice-rectorat  de Polynésie française">
-            <a:extLst>
-              <a:ext uri="{FF2B5EF4-FFF2-40B4-BE49-F238E27FC236}">
-                <a16:creationId xmlns:a16="http://schemas.microsoft.com/office/drawing/2014/main" id="{FEBA051C-606E-96BC-2344-D2D89FC00385}"/>
+          <p:cNvPr id="7" name="Espace réservé du contenu 5">
+            <a:extLst>
+              <a:ext uri="{FF2B5EF4-FFF2-40B4-BE49-F238E27FC236}">
+                <a16:creationId xmlns:a16="http://schemas.microsoft.com/office/drawing/2014/main" id="{F6571204-A574-72B2-0FA9-4442BBA4C96E}"/>
+              </a:ext>
+            </a:extLst>
+          </p:cNvPr>
+          <p:cNvPicPr>
+            <a:picLocks noChangeAspect="1"/>
+          </p:cNvPicPr>
+          <p:nvPr/>
+        </p:nvPicPr>
+        <p:blipFill rotWithShape="1">
+          <a:blip r:embed="rId2"/>
+          <a:srcRect t="86102"/>
+          <a:stretch/>
+        </p:blipFill>
+        <p:spPr>
+          <a:xfrm>
+            <a:off x="314978" y="3556092"/>
+            <a:ext cx="5378726" cy="662814"/>
+          </a:xfrm>
+          <a:prstGeom prst="rect">
+            <a:avLst/>
+          </a:prstGeom>
+        </p:spPr>
+      </p:pic>
+      <p:pic>
+        <p:nvPicPr>
+          <p:cNvPr id="12" name="Picture 6" descr="Concours commun Institut National Polytechnique (CCINP)/E3A - Vice-rectorat  de Polynésie française">
+            <a:extLst>
+              <a:ext uri="{FF2B5EF4-FFF2-40B4-BE49-F238E27FC236}">
+                <a16:creationId xmlns:a16="http://schemas.microsoft.com/office/drawing/2014/main" id="{4CCC2CA0-20D1-BCC4-58EB-BDB8D6638C06}"/>
               </a:ext>
             </a:extLst>
           </p:cNvPr>
@@ -8534,7 +8628,7 @@
           <p:nvPr/>
         </p:nvPicPr>
         <p:blipFill rotWithShape="1">
-          <a:blip r:embed="rId2">
+          <a:blip r:embed="rId3">
             <a:extLst>
               <a:ext uri="{28A0092B-C50C-407E-A947-70E740481C1C}">
                 <a14:useLocalDpi xmlns:a14="http://schemas.microsoft.com/office/drawing/2010/main" val="0"/>
@@ -8564,35 +8658,166 @@
           </a:extLst>
         </p:spPr>
       </p:pic>
-      <p:sp>
-        <p:nvSpPr>
-          <p:cNvPr id="5" name="Espace réservé du contenu 4">
-            <a:extLst>
-              <a:ext uri="{FF2B5EF4-FFF2-40B4-BE49-F238E27FC236}">
-                <a16:creationId xmlns:a16="http://schemas.microsoft.com/office/drawing/2014/main" id="{2E17A778-3514-680B-76DA-0C5E0ACF6969}"/>
-              </a:ext>
-            </a:extLst>
-          </p:cNvPr>
-          <p:cNvSpPr>
-            <a:spLocks noGrp="1"/>
-          </p:cNvSpPr>
-          <p:nvPr>
-            <p:ph idx="1"/>
-          </p:nvPr>
-        </p:nvSpPr>
-        <p:spPr/>
-        <p:txBody>
-          <a:bodyPr/>
-          <a:lstStyle/>
-          <a:p>
-            <a:endParaRPr lang="fr-FR"/>
+      <p:cxnSp>
+        <p:nvCxnSpPr>
+          <p:cNvPr id="13" name="Connecteur droit 12">
+            <a:extLst>
+              <a:ext uri="{FF2B5EF4-FFF2-40B4-BE49-F238E27FC236}">
+                <a16:creationId xmlns:a16="http://schemas.microsoft.com/office/drawing/2014/main" id="{C9549D42-BA90-DCC6-F493-325A668909D0}"/>
+              </a:ext>
+            </a:extLst>
+          </p:cNvPr>
+          <p:cNvCxnSpPr>
+            <a:cxnSpLocks/>
+          </p:cNvCxnSpPr>
+          <p:nvPr/>
+        </p:nvCxnSpPr>
+        <p:spPr>
+          <a:xfrm>
+            <a:off x="6096000" y="1443146"/>
+            <a:ext cx="0" cy="2661494"/>
+          </a:xfrm>
+          <a:prstGeom prst="line">
+            <a:avLst/>
+          </a:prstGeom>
+          <a:noFill/>
+          <a:ln w="28575">
+            <a:solidFill>
+              <a:srgbClr val="FF0000"/>
+            </a:solidFill>
+            <a:prstDash val="sysDash"/>
+          </a:ln>
+        </p:spPr>
+        <p:style>
+          <a:lnRef idx="2">
+            <a:schemeClr val="accent1">
+              <a:shade val="50000"/>
+            </a:schemeClr>
+          </a:lnRef>
+          <a:fillRef idx="1">
+            <a:schemeClr val="accent1"/>
+          </a:fillRef>
+          <a:effectRef idx="0">
+            <a:schemeClr val="accent1"/>
+          </a:effectRef>
+          <a:fontRef idx="minor">
+            <a:schemeClr val="lt1"/>
+          </a:fontRef>
+        </p:style>
+      </p:cxnSp>
+      <p:sp>
+        <p:nvSpPr>
+          <p:cNvPr id="14" name="ZoneTexte 13">
+            <a:extLst>
+              <a:ext uri="{FF2B5EF4-FFF2-40B4-BE49-F238E27FC236}">
+                <a16:creationId xmlns:a16="http://schemas.microsoft.com/office/drawing/2014/main" id="{0BDB13FF-0C0A-1555-1364-5D306376F3AF}"/>
+              </a:ext>
+            </a:extLst>
+          </p:cNvPr>
+          <p:cNvSpPr txBox="1"/>
+          <p:nvPr/>
+        </p:nvSpPr>
+        <p:spPr>
+          <a:xfrm>
+            <a:off x="6096000" y="1443146"/>
+            <a:ext cx="5730240" cy="2800767"/>
+          </a:xfrm>
+          <a:prstGeom prst="rect">
+            <a:avLst/>
+          </a:prstGeom>
+          <a:noFill/>
+        </p:spPr>
+        <p:txBody>
+          <a:bodyPr wrap="square" rtlCol="0">
+            <a:spAutoFit/>
+          </a:bodyPr>
+          <a:lstStyle/>
+          <a:p>
+            <a:pPr marL="285750" indent="-285750">
+              <a:buFont typeface="Wingdings" panose="05000000000000000000" pitchFamily="2" charset="2"/>
+              <a:buChar char="§"/>
+            </a:pPr>
+            <a:r>
+              <a:rPr lang="fr-FR" sz="1600" dirty="0"/>
+              <a:t>Savoir proposer un protocole expérimental </a:t>
+            </a:r>
+          </a:p>
+          <a:p>
+            <a:pPr marL="742950" lvl="1" indent="-285750">
+              <a:buFont typeface="Wingdings" panose="05000000000000000000" pitchFamily="2" charset="2"/>
+              <a:buChar char="§"/>
+            </a:pPr>
+            <a:r>
+              <a:rPr lang="fr-FR" sz="1600" dirty="0"/>
+              <a:t>Modèle utiliser pour déterminer un paramètre</a:t>
+            </a:r>
+          </a:p>
+          <a:p>
+            <a:pPr marL="742950" lvl="1" indent="-285750">
+              <a:buFont typeface="Wingdings" panose="05000000000000000000" pitchFamily="2" charset="2"/>
+              <a:buChar char="§"/>
+            </a:pPr>
+            <a:r>
+              <a:rPr lang="fr-FR" sz="1600" dirty="0"/>
+              <a:t>Proposer un type de mesures</a:t>
+            </a:r>
+          </a:p>
+          <a:p>
+            <a:pPr marL="742950" lvl="1" indent="-285750">
+              <a:buFont typeface="Wingdings" panose="05000000000000000000" pitchFamily="2" charset="2"/>
+              <a:buChar char="§"/>
+            </a:pPr>
+            <a:r>
+              <a:rPr lang="fr-FR" sz="1600" dirty="0"/>
+              <a:t>Proposer des sollicitations permettant d’extraire la grandeur souhaitée</a:t>
+            </a:r>
+          </a:p>
+          <a:p>
+            <a:pPr marL="285750" indent="-285750">
+              <a:buFont typeface="Wingdings" panose="05000000000000000000" pitchFamily="2" charset="2"/>
+              <a:buChar char="§"/>
+            </a:pPr>
+            <a:r>
+              <a:rPr lang="fr-FR" sz="1600" dirty="0"/>
+              <a:t>Mettre en œuvre le protocole expérimental si le temps le permet</a:t>
+            </a:r>
+          </a:p>
+          <a:p>
+            <a:pPr marL="285750" indent="-285750">
+              <a:buFont typeface="Wingdings" panose="05000000000000000000" pitchFamily="2" charset="2"/>
+              <a:buChar char="§"/>
+            </a:pPr>
+            <a:r>
+              <a:rPr lang="fr-FR" sz="1600" dirty="0"/>
+              <a:t>Penser à faire des moyennes de mesures</a:t>
+            </a:r>
+          </a:p>
+          <a:p>
+            <a:pPr marL="285750" indent="-285750">
+              <a:buFont typeface="Wingdings" panose="05000000000000000000" pitchFamily="2" charset="2"/>
+              <a:buChar char="§"/>
+            </a:pPr>
+            <a:r>
+              <a:rPr lang="fr-FR" sz="1600" dirty="0"/>
+              <a:t>Avoir un ordre de grandeur de la valeur à déterminer afin de critiquer le résultat</a:t>
+            </a:r>
+          </a:p>
+          <a:p>
+            <a:pPr marL="285750" indent="-285750">
+              <a:buFont typeface="Wingdings" panose="05000000000000000000" pitchFamily="2" charset="2"/>
+              <a:buChar char="§"/>
+            </a:pPr>
+            <a:r>
+              <a:rPr lang="fr-FR" sz="1600" dirty="0"/>
+              <a:t>Conclure sur une valeur chiffrée</a:t>
+            </a:r>
           </a:p>
         </p:txBody>
       </p:sp>
     </p:spTree>
     <p:extLst>
       <p:ext uri="{BB962C8B-B14F-4D97-AF65-F5344CB8AC3E}">
-        <p14:creationId xmlns:p14="http://schemas.microsoft.com/office/powerpoint/2010/main" val="3176989018"/>
+        <p14:creationId xmlns:p14="http://schemas.microsoft.com/office/powerpoint/2010/main" val="3122123840"/>
       </p:ext>
     </p:extLst>
   </p:cSld>
@@ -8624,7 +8849,7 @@
           <p:cNvPr id="2" name="Titre 1">
             <a:extLst>
               <a:ext uri="{FF2B5EF4-FFF2-40B4-BE49-F238E27FC236}">
-                <a16:creationId xmlns:a16="http://schemas.microsoft.com/office/drawing/2014/main" id="{30B6DD50-A2AA-2D5C-C59E-85498275F546}"/>
+                <a16:creationId xmlns:a16="http://schemas.microsoft.com/office/drawing/2014/main" id="{68792CDA-8062-723E-3BDE-1D0DE4828FC9}"/>
               </a:ext>
             </a:extLst>
           </p:cNvPr>
@@ -8656,7 +8881,7 @@
           <p:cNvPr id="4" name="Espace réservé du pied de page 3">
             <a:extLst>
               <a:ext uri="{FF2B5EF4-FFF2-40B4-BE49-F238E27FC236}">
-                <a16:creationId xmlns:a16="http://schemas.microsoft.com/office/drawing/2014/main" id="{91BB15F0-CF5B-D64E-194B-67B3BF7B2614}"/>
+                <a16:creationId xmlns:a16="http://schemas.microsoft.com/office/drawing/2014/main" id="{DA9686E4-FA85-9654-F879-403102C6CFC8}"/>
               </a:ext>
             </a:extLst>
           </p:cNvPr>
@@ -8681,10 +8906,70 @@
       </p:sp>
       <p:pic>
         <p:nvPicPr>
-          <p:cNvPr id="7" name="Picture 6" descr="Concours commun Institut National Polytechnique (CCINP)/E3A - Vice-rectorat  de Polynésie française">
-            <a:extLst>
-              <a:ext uri="{FF2B5EF4-FFF2-40B4-BE49-F238E27FC236}">
-                <a16:creationId xmlns:a16="http://schemas.microsoft.com/office/drawing/2014/main" id="{FEBA051C-606E-96BC-2344-D2D89FC00385}"/>
+          <p:cNvPr id="9" name="Image 8">
+            <a:extLst>
+              <a:ext uri="{FF2B5EF4-FFF2-40B4-BE49-F238E27FC236}">
+                <a16:creationId xmlns:a16="http://schemas.microsoft.com/office/drawing/2014/main" id="{CACFE1F3-DA17-FDC9-CB40-6369F50FCB71}"/>
+              </a:ext>
+            </a:extLst>
+          </p:cNvPr>
+          <p:cNvPicPr>
+            <a:picLocks noChangeAspect="1"/>
+          </p:cNvPicPr>
+          <p:nvPr/>
+        </p:nvPicPr>
+        <p:blipFill>
+          <a:blip r:embed="rId2"/>
+          <a:stretch>
+            <a:fillRect/>
+          </a:stretch>
+        </p:blipFill>
+        <p:spPr>
+          <a:xfrm>
+            <a:off x="168147" y="1203403"/>
+            <a:ext cx="5245370" cy="3321221"/>
+          </a:xfrm>
+          <a:prstGeom prst="rect">
+            <a:avLst/>
+          </a:prstGeom>
+        </p:spPr>
+      </p:pic>
+      <p:pic>
+        <p:nvPicPr>
+          <p:cNvPr id="11" name="Image 10">
+            <a:extLst>
+              <a:ext uri="{FF2B5EF4-FFF2-40B4-BE49-F238E27FC236}">
+                <a16:creationId xmlns:a16="http://schemas.microsoft.com/office/drawing/2014/main" id="{A3D44136-6BE4-79BE-8A31-65C7016C954A}"/>
+              </a:ext>
+            </a:extLst>
+          </p:cNvPr>
+          <p:cNvPicPr>
+            <a:picLocks noChangeAspect="1"/>
+          </p:cNvPicPr>
+          <p:nvPr/>
+        </p:nvPicPr>
+        <p:blipFill>
+          <a:blip r:embed="rId3"/>
+          <a:stretch>
+            <a:fillRect/>
+          </a:stretch>
+        </p:blipFill>
+        <p:spPr>
+          <a:xfrm>
+            <a:off x="193549" y="4763973"/>
+            <a:ext cx="5219968" cy="1454225"/>
+          </a:xfrm>
+          <a:prstGeom prst="rect">
+            <a:avLst/>
+          </a:prstGeom>
+        </p:spPr>
+      </p:pic>
+      <p:pic>
+        <p:nvPicPr>
+          <p:cNvPr id="12" name="Picture 6" descr="Concours commun Institut National Polytechnique (CCINP)/E3A - Vice-rectorat  de Polynésie française">
+            <a:extLst>
+              <a:ext uri="{FF2B5EF4-FFF2-40B4-BE49-F238E27FC236}">
+                <a16:creationId xmlns:a16="http://schemas.microsoft.com/office/drawing/2014/main" id="{4CCC2CA0-20D1-BCC4-58EB-BDB8D6638C06}"/>
               </a:ext>
             </a:extLst>
           </p:cNvPr>
@@ -8694,7 +8979,7 @@
           <p:nvPr/>
         </p:nvPicPr>
         <p:blipFill rotWithShape="1">
-          <a:blip r:embed="rId2">
+          <a:blip r:embed="rId4">
             <a:extLst>
               <a:ext uri="{28A0092B-C50C-407E-A947-70E740481C1C}">
                 <a14:useLocalDpi xmlns:a14="http://schemas.microsoft.com/office/drawing/2010/main" val="0"/>
@@ -8724,35 +9009,182 @@
           </a:extLst>
         </p:spPr>
       </p:pic>
-      <p:sp>
-        <p:nvSpPr>
-          <p:cNvPr id="5" name="Espace réservé du contenu 4">
-            <a:extLst>
-              <a:ext uri="{FF2B5EF4-FFF2-40B4-BE49-F238E27FC236}">
-                <a16:creationId xmlns:a16="http://schemas.microsoft.com/office/drawing/2014/main" id="{377F3115-EA6C-00F2-6BD5-759F5F34B375}"/>
-              </a:ext>
-            </a:extLst>
-          </p:cNvPr>
-          <p:cNvSpPr>
-            <a:spLocks noGrp="1"/>
-          </p:cNvSpPr>
-          <p:nvPr>
-            <p:ph idx="1"/>
-          </p:nvPr>
-        </p:nvSpPr>
-        <p:spPr/>
-        <p:txBody>
-          <a:bodyPr/>
-          <a:lstStyle/>
-          <a:p>
-            <a:endParaRPr lang="fr-FR"/>
+      <p:cxnSp>
+        <p:nvCxnSpPr>
+          <p:cNvPr id="13" name="Connecteur droit 12">
+            <a:extLst>
+              <a:ext uri="{FF2B5EF4-FFF2-40B4-BE49-F238E27FC236}">
+                <a16:creationId xmlns:a16="http://schemas.microsoft.com/office/drawing/2014/main" id="{B4300E40-7586-4EB4-6163-C5B465732EC0}"/>
+              </a:ext>
+            </a:extLst>
+          </p:cNvPr>
+          <p:cNvCxnSpPr>
+            <a:cxnSpLocks/>
+          </p:cNvCxnSpPr>
+          <p:nvPr/>
+        </p:nvCxnSpPr>
+        <p:spPr>
+          <a:xfrm>
+            <a:off x="5882640" y="1402506"/>
+            <a:ext cx="0" cy="4278094"/>
+          </a:xfrm>
+          <a:prstGeom prst="line">
+            <a:avLst/>
+          </a:prstGeom>
+          <a:noFill/>
+          <a:ln w="28575">
+            <a:solidFill>
+              <a:srgbClr val="FF0000"/>
+            </a:solidFill>
+            <a:prstDash val="sysDash"/>
+          </a:ln>
+        </p:spPr>
+        <p:style>
+          <a:lnRef idx="2">
+            <a:schemeClr val="accent1">
+              <a:shade val="50000"/>
+            </a:schemeClr>
+          </a:lnRef>
+          <a:fillRef idx="1">
+            <a:schemeClr val="accent1"/>
+          </a:fillRef>
+          <a:effectRef idx="0">
+            <a:schemeClr val="accent1"/>
+          </a:effectRef>
+          <a:fontRef idx="minor">
+            <a:schemeClr val="lt1"/>
+          </a:fontRef>
+        </p:style>
+      </p:cxnSp>
+      <p:sp>
+        <p:nvSpPr>
+          <p:cNvPr id="14" name="ZoneTexte 13">
+            <a:extLst>
+              <a:ext uri="{FF2B5EF4-FFF2-40B4-BE49-F238E27FC236}">
+                <a16:creationId xmlns:a16="http://schemas.microsoft.com/office/drawing/2014/main" id="{E9D0C207-0669-DE96-DAFE-B0B5263048F2}"/>
+              </a:ext>
+            </a:extLst>
+          </p:cNvPr>
+          <p:cNvSpPr txBox="1"/>
+          <p:nvPr/>
+        </p:nvSpPr>
+        <p:spPr>
+          <a:xfrm>
+            <a:off x="5882640" y="1402506"/>
+            <a:ext cx="5730240" cy="4278094"/>
+          </a:xfrm>
+          <a:prstGeom prst="rect">
+            <a:avLst/>
+          </a:prstGeom>
+          <a:noFill/>
+        </p:spPr>
+        <p:txBody>
+          <a:bodyPr wrap="square" rtlCol="0">
+            <a:spAutoFit/>
+          </a:bodyPr>
+          <a:lstStyle/>
+          <a:p>
+            <a:pPr marL="285750" indent="-285750">
+              <a:buFont typeface="Wingdings" panose="05000000000000000000" pitchFamily="2" charset="2"/>
+              <a:buChar char="§"/>
+            </a:pPr>
+            <a:r>
+              <a:rPr lang="fr-FR" sz="1600" dirty="0"/>
+              <a:t>Il n’est pas nécessaire d’avoir des connaissances sur </a:t>
+            </a:r>
+            <a:r>
+              <a:rPr lang="fr-FR" sz="1600" dirty="0" err="1"/>
+              <a:t>Maltab</a:t>
+            </a:r>
+            <a:r>
+              <a:rPr lang="fr-FR" sz="1600" dirty="0"/>
+              <a:t> et/ou Scilab pour réaliser cette partie….</a:t>
+            </a:r>
+          </a:p>
+          <a:p>
+            <a:pPr marL="742950" lvl="1" indent="-285750">
+              <a:buFont typeface="Wingdings" panose="05000000000000000000" pitchFamily="2" charset="2"/>
+              <a:buChar char="§"/>
+            </a:pPr>
+            <a:r>
+              <a:rPr lang="fr-FR" sz="1600" dirty="0"/>
+              <a:t>Mais il est quand même plus facile d’utiliser un logiciel qu’on a déjà utilisé…</a:t>
+            </a:r>
+          </a:p>
+          <a:p>
+            <a:pPr marL="742950" lvl="1" indent="-285750">
+              <a:buFont typeface="Wingdings" panose="05000000000000000000" pitchFamily="2" charset="2"/>
+              <a:buChar char="§"/>
+            </a:pPr>
+            <a:endParaRPr lang="fr-FR" sz="1600" dirty="0"/>
+          </a:p>
+          <a:p>
+            <a:pPr marL="285750" indent="-285750">
+              <a:buFont typeface="Wingdings" panose="05000000000000000000" pitchFamily="2" charset="2"/>
+              <a:buChar char="§"/>
+            </a:pPr>
+            <a:r>
+              <a:rPr lang="fr-FR" sz="1600" dirty="0"/>
+              <a:t>Il est important de savoir resituer les composants dans le modèle par rapport au système réel (où est le moteur, le correcteur, le transmetteur ? Comment sont-ils modélisés ?...)</a:t>
+            </a:r>
+          </a:p>
+          <a:p>
+            <a:pPr marL="285750" indent="-285750">
+              <a:buFont typeface="Wingdings" panose="05000000000000000000" pitchFamily="2" charset="2"/>
+              <a:buChar char="§"/>
+            </a:pPr>
+            <a:endParaRPr lang="fr-FR" sz="1600" dirty="0"/>
+          </a:p>
+          <a:p>
+            <a:pPr marL="285750" indent="-285750">
+              <a:buFont typeface="Wingdings" panose="05000000000000000000" pitchFamily="2" charset="2"/>
+              <a:buChar char="§"/>
+            </a:pPr>
+            <a:r>
+              <a:rPr lang="fr-FR" sz="1600" dirty="0"/>
+              <a:t>Vérifier que le modèle correspond aux essais qui ont été réalisés (même type d’entrée, échelon, rampe, sinusoïde ? Même valeur de l’échelon, de la pente etc…)</a:t>
+            </a:r>
+          </a:p>
+          <a:p>
+            <a:pPr marL="285750" indent="-285750">
+              <a:buFont typeface="Wingdings" panose="05000000000000000000" pitchFamily="2" charset="2"/>
+              <a:buChar char="§"/>
+            </a:pPr>
+            <a:endParaRPr lang="fr-FR" sz="1600" dirty="0"/>
+          </a:p>
+          <a:p>
+            <a:pPr marL="285750" indent="-285750">
+              <a:buFont typeface="Wingdings" panose="05000000000000000000" pitchFamily="2" charset="2"/>
+              <a:buChar char="§"/>
+            </a:pPr>
+            <a:r>
+              <a:rPr lang="fr-FR" sz="1600" dirty="0"/>
+              <a:t>Savoir compléter un modèle ou modifier des valeurs</a:t>
+            </a:r>
+          </a:p>
+          <a:p>
+            <a:pPr marL="285750" indent="-285750">
+              <a:buFont typeface="Wingdings" panose="05000000000000000000" pitchFamily="2" charset="2"/>
+              <a:buChar char="§"/>
+            </a:pPr>
+            <a:endParaRPr lang="fr-FR" sz="1600" dirty="0"/>
+          </a:p>
+          <a:p>
+            <a:pPr marL="285750" indent="-285750">
+              <a:buFont typeface="Wingdings" panose="05000000000000000000" pitchFamily="2" charset="2"/>
+              <a:buChar char="§"/>
+            </a:pPr>
+            <a:r>
+              <a:rPr lang="fr-FR" sz="1600" dirty="0"/>
+              <a:t>Savoir lancer plusieurs simulation pour donner l’effet d’un paramètre</a:t>
+            </a:r>
           </a:p>
         </p:txBody>
       </p:sp>
     </p:spTree>
     <p:extLst>
       <p:ext uri="{BB962C8B-B14F-4D97-AF65-F5344CB8AC3E}">
-        <p14:creationId xmlns:p14="http://schemas.microsoft.com/office/powerpoint/2010/main" val="171862101"/>
+        <p14:creationId xmlns:p14="http://schemas.microsoft.com/office/powerpoint/2010/main" val="2673367368"/>
       </p:ext>
     </p:extLst>
   </p:cSld>
@@ -8763,6 +9195,372 @@
 </file>
 
 <file path=ppt/slides/slide26.xml><?xml version="1.0" encoding="utf-8"?>
+<p:sld xmlns:a="http://schemas.openxmlformats.org/drawingml/2006/main" xmlns:r="http://schemas.openxmlformats.org/officeDocument/2006/relationships" xmlns:p="http://schemas.openxmlformats.org/presentationml/2006/main">
+  <p:cSld>
+    <p:spTree>
+      <p:nvGrpSpPr>
+        <p:cNvPr id="1" name=""/>
+        <p:cNvGrpSpPr/>
+        <p:nvPr/>
+      </p:nvGrpSpPr>
+      <p:grpSpPr>
+        <a:xfrm>
+          <a:off x="0" y="0"/>
+          <a:ext cx="0" cy="0"/>
+          <a:chOff x="0" y="0"/>
+          <a:chExt cx="0" cy="0"/>
+        </a:xfrm>
+      </p:grpSpPr>
+      <p:sp>
+        <p:nvSpPr>
+          <p:cNvPr id="2" name="Titre 1">
+            <a:extLst>
+              <a:ext uri="{FF2B5EF4-FFF2-40B4-BE49-F238E27FC236}">
+                <a16:creationId xmlns:a16="http://schemas.microsoft.com/office/drawing/2014/main" id="{30B6DD50-A2AA-2D5C-C59E-85498275F546}"/>
+              </a:ext>
+            </a:extLst>
+          </p:cNvPr>
+          <p:cNvSpPr>
+            <a:spLocks noGrp="1"/>
+          </p:cNvSpPr>
+          <p:nvPr>
+            <p:ph type="title"/>
+          </p:nvPr>
+        </p:nvSpPr>
+        <p:spPr/>
+        <p:txBody>
+          <a:bodyPr/>
+          <a:lstStyle/>
+          <a:p>
+            <a:r>
+              <a:rPr lang="fr-FR" dirty="0" err="1"/>
+              <a:t>CCINP</a:t>
+            </a:r>
+            <a:r>
+              <a:rPr lang="fr-FR" dirty="0"/>
+              <a:t> – PSI – Exemple</a:t>
+            </a:r>
+          </a:p>
+        </p:txBody>
+      </p:sp>
+      <p:sp>
+        <p:nvSpPr>
+          <p:cNvPr id="4" name="Espace réservé du pied de page 3">
+            <a:extLst>
+              <a:ext uri="{FF2B5EF4-FFF2-40B4-BE49-F238E27FC236}">
+                <a16:creationId xmlns:a16="http://schemas.microsoft.com/office/drawing/2014/main" id="{91BB15F0-CF5B-D64E-194B-67B3BF7B2614}"/>
+              </a:ext>
+            </a:extLst>
+          </p:cNvPr>
+          <p:cNvSpPr>
+            <a:spLocks noGrp="1"/>
+          </p:cNvSpPr>
+          <p:nvPr>
+            <p:ph type="ftr" sz="quarter" idx="11"/>
+          </p:nvPr>
+        </p:nvSpPr>
+        <p:spPr/>
+        <p:txBody>
+          <a:bodyPr/>
+          <a:lstStyle/>
+          <a:p>
+            <a:r>
+              <a:rPr lang="fr-FR"/>
+              <a:t>Xavier PESSOLES</a:t>
+            </a:r>
+          </a:p>
+        </p:txBody>
+      </p:sp>
+      <p:pic>
+        <p:nvPicPr>
+          <p:cNvPr id="7" name="Picture 6" descr="Concours commun Institut National Polytechnique (CCINP)/E3A - Vice-rectorat  de Polynésie française">
+            <a:extLst>
+              <a:ext uri="{FF2B5EF4-FFF2-40B4-BE49-F238E27FC236}">
+                <a16:creationId xmlns:a16="http://schemas.microsoft.com/office/drawing/2014/main" id="{FEBA051C-606E-96BC-2344-D2D89FC00385}"/>
+              </a:ext>
+            </a:extLst>
+          </p:cNvPr>
+          <p:cNvPicPr>
+            <a:picLocks noChangeAspect="1" noChangeArrowheads="1"/>
+          </p:cNvPicPr>
+          <p:nvPr/>
+        </p:nvPicPr>
+        <p:blipFill rotWithShape="1">
+          <a:blip r:embed="rId2">
+            <a:extLst>
+              <a:ext uri="{28A0092B-C50C-407E-A947-70E740481C1C}">
+                <a14:useLocalDpi xmlns:a14="http://schemas.microsoft.com/office/drawing/2010/main" val="0"/>
+              </a:ext>
+            </a:extLst>
+          </a:blip>
+          <a:srcRect l="17067" t="10387" r="17511" b="10630"/>
+          <a:stretch/>
+        </p:blipFill>
+        <p:spPr bwMode="auto">
+          <a:xfrm>
+            <a:off x="10920518" y="5834633"/>
+            <a:ext cx="1271482" cy="1023367"/>
+          </a:xfrm>
+          <a:prstGeom prst="rect">
+            <a:avLst/>
+          </a:prstGeom>
+          <a:noFill/>
+          <a:extLst>
+            <a:ext uri="{909E8E84-426E-40DD-AFC4-6F175D3DCCD1}">
+              <a14:hiddenFill xmlns:a14="http://schemas.microsoft.com/office/drawing/2010/main">
+                <a:solidFill>
+                  <a:srgbClr val="FFFFFF"/>
+                </a:solidFill>
+              </a14:hiddenFill>
+            </a:ext>
+          </a:extLst>
+        </p:spPr>
+      </p:pic>
+      <p:pic>
+        <p:nvPicPr>
+          <p:cNvPr id="6" name="Espace réservé du contenu 5">
+            <a:extLst>
+              <a:ext uri="{FF2B5EF4-FFF2-40B4-BE49-F238E27FC236}">
+                <a16:creationId xmlns:a16="http://schemas.microsoft.com/office/drawing/2014/main" id="{B3320E11-3249-DA14-C667-FE1D49037CC3}"/>
+              </a:ext>
+            </a:extLst>
+          </p:cNvPr>
+          <p:cNvPicPr>
+            <a:picLocks noGrp="1" noChangeAspect="1"/>
+          </p:cNvPicPr>
+          <p:nvPr>
+            <p:ph idx="1"/>
+          </p:nvPr>
+        </p:nvPicPr>
+        <p:blipFill>
+          <a:blip r:embed="rId3"/>
+          <a:stretch>
+            <a:fillRect/>
+          </a:stretch>
+        </p:blipFill>
+        <p:spPr>
+          <a:xfrm>
+            <a:off x="396258" y="2535363"/>
+            <a:ext cx="5283472" cy="1295467"/>
+          </a:xfrm>
+        </p:spPr>
+      </p:pic>
+      <p:cxnSp>
+        <p:nvCxnSpPr>
+          <p:cNvPr id="8" name="Connecteur droit 7">
+            <a:extLst>
+              <a:ext uri="{FF2B5EF4-FFF2-40B4-BE49-F238E27FC236}">
+                <a16:creationId xmlns:a16="http://schemas.microsoft.com/office/drawing/2014/main" id="{A40ACD98-E7BE-17AB-A07F-50B3A45FAAB7}"/>
+              </a:ext>
+            </a:extLst>
+          </p:cNvPr>
+          <p:cNvCxnSpPr>
+            <a:cxnSpLocks/>
+          </p:cNvCxnSpPr>
+          <p:nvPr/>
+        </p:nvCxnSpPr>
+        <p:spPr>
+          <a:xfrm>
+            <a:off x="5882640" y="1402506"/>
+            <a:ext cx="0" cy="4278094"/>
+          </a:xfrm>
+          <a:prstGeom prst="line">
+            <a:avLst/>
+          </a:prstGeom>
+          <a:noFill/>
+          <a:ln w="28575">
+            <a:solidFill>
+              <a:srgbClr val="FF0000"/>
+            </a:solidFill>
+            <a:prstDash val="sysDash"/>
+          </a:ln>
+        </p:spPr>
+        <p:style>
+          <a:lnRef idx="2">
+            <a:schemeClr val="accent1">
+              <a:shade val="50000"/>
+            </a:schemeClr>
+          </a:lnRef>
+          <a:fillRef idx="1">
+            <a:schemeClr val="accent1"/>
+          </a:fillRef>
+          <a:effectRef idx="0">
+            <a:schemeClr val="accent1"/>
+          </a:effectRef>
+          <a:fontRef idx="minor">
+            <a:schemeClr val="lt1"/>
+          </a:fontRef>
+        </p:style>
+      </p:cxnSp>
+      <p:sp>
+        <p:nvSpPr>
+          <p:cNvPr id="9" name="ZoneTexte 8">
+            <a:extLst>
+              <a:ext uri="{FF2B5EF4-FFF2-40B4-BE49-F238E27FC236}">
+                <a16:creationId xmlns:a16="http://schemas.microsoft.com/office/drawing/2014/main" id="{06BEC163-3160-7D5E-67CD-337C0B73FA7F}"/>
+              </a:ext>
+            </a:extLst>
+          </p:cNvPr>
+          <p:cNvSpPr txBox="1"/>
+          <p:nvPr/>
+        </p:nvSpPr>
+        <p:spPr>
+          <a:xfrm>
+            <a:off x="5882640" y="1402506"/>
+            <a:ext cx="5730240" cy="4524315"/>
+          </a:xfrm>
+          <a:prstGeom prst="rect">
+            <a:avLst/>
+          </a:prstGeom>
+          <a:noFill/>
+        </p:spPr>
+        <p:txBody>
+          <a:bodyPr wrap="square" rtlCol="0">
+            <a:spAutoFit/>
+          </a:bodyPr>
+          <a:lstStyle/>
+          <a:p>
+            <a:pPr marL="285750" indent="-285750">
+              <a:buFont typeface="Wingdings" panose="05000000000000000000" pitchFamily="2" charset="2"/>
+              <a:buChar char="§"/>
+            </a:pPr>
+            <a:r>
+              <a:rPr lang="fr-FR" sz="1600" dirty="0"/>
+              <a:t>Une synthèse n’est pas un rappel de toutes les tâches effectuées.</a:t>
+            </a:r>
+          </a:p>
+          <a:p>
+            <a:pPr marL="285750" indent="-285750">
+              <a:buFont typeface="Wingdings" panose="05000000000000000000" pitchFamily="2" charset="2"/>
+              <a:buChar char="§"/>
+            </a:pPr>
+            <a:endParaRPr lang="fr-FR" sz="1600" dirty="0"/>
+          </a:p>
+          <a:p>
+            <a:pPr marL="285750" indent="-285750">
+              <a:buFont typeface="Wingdings" panose="05000000000000000000" pitchFamily="2" charset="2"/>
+              <a:buChar char="§"/>
+            </a:pPr>
+            <a:r>
+              <a:rPr lang="fr-FR" sz="1600" dirty="0"/>
+              <a:t>Il faut rappeler la problématique. </a:t>
+            </a:r>
+          </a:p>
+          <a:p>
+            <a:pPr marL="285750" indent="-285750">
+              <a:buFont typeface="Wingdings" panose="05000000000000000000" pitchFamily="2" charset="2"/>
+              <a:buChar char="§"/>
+            </a:pPr>
+            <a:endParaRPr lang="fr-FR" sz="1600" dirty="0"/>
+          </a:p>
+          <a:p>
+            <a:pPr marL="285750" indent="-285750">
+              <a:buFont typeface="Wingdings" panose="05000000000000000000" pitchFamily="2" charset="2"/>
+              <a:buChar char="§"/>
+            </a:pPr>
+            <a:r>
+              <a:rPr lang="fr-FR" sz="1600" dirty="0"/>
+              <a:t>Il faut évaluer les écarts entre le cahier des charges et le modèle (ou le réel) avant le TP.</a:t>
+            </a:r>
+          </a:p>
+          <a:p>
+            <a:pPr marL="285750" indent="-285750">
+              <a:buFont typeface="Wingdings" panose="05000000000000000000" pitchFamily="2" charset="2"/>
+              <a:buChar char="§"/>
+            </a:pPr>
+            <a:endParaRPr lang="fr-FR" sz="1600" dirty="0"/>
+          </a:p>
+          <a:p>
+            <a:pPr marL="285750" indent="-285750">
+              <a:buFont typeface="Wingdings" panose="05000000000000000000" pitchFamily="2" charset="2"/>
+              <a:buChar char="§"/>
+            </a:pPr>
+            <a:r>
+              <a:rPr lang="fr-FR" sz="1600" dirty="0"/>
+              <a:t>Le TP a-t-il permis de réduire ces écarts ?</a:t>
+            </a:r>
+          </a:p>
+          <a:p>
+            <a:pPr marL="285750" indent="-285750">
+              <a:buFont typeface="Wingdings" panose="05000000000000000000" pitchFamily="2" charset="2"/>
+              <a:buChar char="§"/>
+            </a:pPr>
+            <a:endParaRPr lang="fr-FR" sz="1600" dirty="0"/>
+          </a:p>
+          <a:p>
+            <a:pPr marL="285750" indent="-285750">
+              <a:buFont typeface="Wingdings" panose="05000000000000000000" pitchFamily="2" charset="2"/>
+              <a:buChar char="§"/>
+            </a:pPr>
+            <a:r>
+              <a:rPr lang="fr-FR" sz="1600" dirty="0"/>
+              <a:t>Indiquer les principales démarches mises en œuvres pour réduire les écarts ?</a:t>
+            </a:r>
+          </a:p>
+          <a:p>
+            <a:pPr marL="285750" indent="-285750">
+              <a:buFont typeface="Wingdings" panose="05000000000000000000" pitchFamily="2" charset="2"/>
+              <a:buChar char="§"/>
+            </a:pPr>
+            <a:endParaRPr lang="fr-FR" sz="1600" dirty="0"/>
+          </a:p>
+          <a:p>
+            <a:pPr marL="285750" indent="-285750">
+              <a:buFont typeface="Wingdings" panose="05000000000000000000" pitchFamily="2" charset="2"/>
+              <a:buChar char="§"/>
+            </a:pPr>
+            <a:r>
+              <a:rPr lang="fr-FR" sz="1600" dirty="0"/>
+              <a:t>Proposer des améliorations, d’autres méthodes.</a:t>
+            </a:r>
+          </a:p>
+          <a:p>
+            <a:pPr marL="285750" indent="-285750">
+              <a:buFont typeface="Wingdings" panose="05000000000000000000" pitchFamily="2" charset="2"/>
+              <a:buChar char="§"/>
+            </a:pPr>
+            <a:endParaRPr lang="fr-FR" sz="1600" dirty="0"/>
+          </a:p>
+          <a:p>
+            <a:pPr marL="285750" indent="-285750">
+              <a:buFont typeface="Wingdings" panose="05000000000000000000" pitchFamily="2" charset="2"/>
+              <a:buChar char="§"/>
+            </a:pPr>
+            <a:r>
+              <a:rPr lang="fr-FR" sz="1600" dirty="0"/>
+              <a:t>Proposer un poster « graphique » illustrant les différents écarts</a:t>
+            </a:r>
+          </a:p>
+          <a:p>
+            <a:pPr marL="285750" indent="-285750">
+              <a:buFont typeface="Wingdings" panose="05000000000000000000" pitchFamily="2" charset="2"/>
+              <a:buChar char="§"/>
+            </a:pPr>
+            <a:endParaRPr lang="fr-FR" sz="1600" dirty="0"/>
+          </a:p>
+          <a:p>
+            <a:pPr marL="285750" indent="-285750">
+              <a:buFont typeface="Wingdings" panose="05000000000000000000" pitchFamily="2" charset="2"/>
+              <a:buChar char="§"/>
+            </a:pPr>
+            <a:endParaRPr lang="fr-FR" sz="1600" dirty="0"/>
+          </a:p>
+        </p:txBody>
+      </p:sp>
+    </p:spTree>
+    <p:extLst>
+      <p:ext uri="{BB962C8B-B14F-4D97-AF65-F5344CB8AC3E}">
+        <p14:creationId xmlns:p14="http://schemas.microsoft.com/office/powerpoint/2010/main" val="4136273637"/>
+      </p:ext>
+    </p:extLst>
+  </p:cSld>
+  <p:clrMapOvr>
+    <a:masterClrMapping/>
+  </p:clrMapOvr>
+</p:sld>
+</file>
+
+<file path=ppt/slides/slide27.xml><?xml version="1.0" encoding="utf-8"?>
 <p:sld xmlns:a="http://schemas.openxmlformats.org/drawingml/2006/main" xmlns:r="http://schemas.openxmlformats.org/officeDocument/2006/relationships" xmlns:p="http://schemas.openxmlformats.org/presentationml/2006/main">
   <p:cSld>
     <p:spTree>

--- a/A_Organisation/EpreuvesOralesCPGE.pptx
+++ b/A_Organisation/EpreuvesOralesCPGE.pptx
@@ -11519,95 +11519,6 @@
       </p:sp>
       <p:sp>
         <p:nvSpPr>
-          <p:cNvPr id="3" name="Espace réservé du contenu 2">
-            <a:extLst>
-              <a:ext uri="{FF2B5EF4-FFF2-40B4-BE49-F238E27FC236}">
-                <a16:creationId xmlns:a16="http://schemas.microsoft.com/office/drawing/2014/main" id="{A1D22856-8BC0-7B23-0524-876617F889B5}"/>
-              </a:ext>
-            </a:extLst>
-          </p:cNvPr>
-          <p:cNvSpPr>
-            <a:spLocks noGrp="1"/>
-          </p:cNvSpPr>
-          <p:nvPr>
-            <p:ph idx="1"/>
-          </p:nvPr>
-        </p:nvSpPr>
-        <p:spPr/>
-        <p:txBody>
-          <a:bodyPr/>
-          <a:lstStyle/>
-          <a:p>
-            <a:r>
-              <a:rPr lang="fr-FR" dirty="0"/>
-              <a:t>Analyser un système</a:t>
-            </a:r>
-          </a:p>
-          <a:p>
-            <a:pPr lvl="1"/>
-            <a:r>
-              <a:rPr lang="fr-FR" dirty="0"/>
-              <a:t>Présenter le système</a:t>
-            </a:r>
-          </a:p>
-          <a:p>
-            <a:pPr lvl="1"/>
-            <a:r>
-              <a:rPr lang="fr-FR" dirty="0"/>
-              <a:t>Réaliser la chaîne fonctionnelle</a:t>
-            </a:r>
-          </a:p>
-          <a:p>
-            <a:pPr lvl="2"/>
-            <a:r>
-              <a:rPr lang="fr-FR" dirty="0"/>
-              <a:t>Monter les capteurs, les convertisseurs, les transmetteurs</a:t>
-            </a:r>
-          </a:p>
-          <a:p>
-            <a:pPr lvl="2"/>
-            <a:r>
-              <a:rPr lang="fr-FR" dirty="0"/>
-              <a:t>Donner leur fonctionnement (type de signal de sorties, propriétés)</a:t>
-            </a:r>
-          </a:p>
-          <a:p>
-            <a:r>
-              <a:rPr lang="fr-FR" dirty="0"/>
-              <a:t>Vérifier une ou plusieurs exigences</a:t>
-            </a:r>
-          </a:p>
-          <a:p>
-            <a:pPr lvl="1"/>
-            <a:r>
-              <a:rPr lang="fr-FR" dirty="0"/>
-              <a:t>Evaluer les écarts entre le cahier des charges et les performances du système (mesure ou simulation)</a:t>
-            </a:r>
-          </a:p>
-          <a:p>
-            <a:pPr lvl="1"/>
-            <a:endParaRPr lang="fr-FR" dirty="0"/>
-          </a:p>
-          <a:p>
-            <a:r>
-              <a:rPr lang="fr-FR" dirty="0"/>
-              <a:t>S’approprier la problématique</a:t>
-            </a:r>
-          </a:p>
-          <a:p>
-            <a:pPr lvl="1"/>
-            <a:endParaRPr lang="fr-FR" dirty="0"/>
-          </a:p>
-          <a:p>
-            <a:endParaRPr lang="fr-FR" dirty="0"/>
-          </a:p>
-          <a:p>
-            <a:endParaRPr lang="fr-FR" dirty="0"/>
-          </a:p>
-        </p:txBody>
-      </p:sp>
-      <p:sp>
-        <p:nvSpPr>
           <p:cNvPr id="4" name="Espace réservé du pied de page 3">
             <a:extLst>
               <a:ext uri="{FF2B5EF4-FFF2-40B4-BE49-F238E27FC236}">
@@ -11664,6 +11575,110 @@
           </a:prstGeom>
         </p:spPr>
       </p:pic>
+      <p:sp>
+        <p:nvSpPr>
+          <p:cNvPr id="3" name="Espace réservé du contenu 2">
+            <a:extLst>
+              <a:ext uri="{FF2B5EF4-FFF2-40B4-BE49-F238E27FC236}">
+                <a16:creationId xmlns:a16="http://schemas.microsoft.com/office/drawing/2014/main" id="{A1D22856-8BC0-7B23-0524-876617F889B5}"/>
+              </a:ext>
+            </a:extLst>
+          </p:cNvPr>
+          <p:cNvSpPr>
+            <a:spLocks noGrp="1"/>
+          </p:cNvSpPr>
+          <p:nvPr>
+            <p:ph idx="1"/>
+          </p:nvPr>
+        </p:nvSpPr>
+        <p:spPr/>
+        <p:txBody>
+          <a:bodyPr/>
+          <a:lstStyle/>
+          <a:p>
+            <a:r>
+              <a:rPr lang="fr-FR" dirty="0"/>
+              <a:t>Analyser un système</a:t>
+            </a:r>
+          </a:p>
+          <a:p>
+            <a:pPr lvl="1"/>
+            <a:r>
+              <a:rPr lang="fr-FR" dirty="0"/>
+              <a:t>Présenter le système</a:t>
+            </a:r>
+          </a:p>
+          <a:p>
+            <a:pPr lvl="1"/>
+            <a:r>
+              <a:rPr lang="fr-FR" dirty="0"/>
+              <a:t>Réaliser la chaîne fonctionnelle</a:t>
+            </a:r>
+          </a:p>
+          <a:p>
+            <a:pPr lvl="2"/>
+            <a:r>
+              <a:rPr lang="fr-FR" dirty="0"/>
+              <a:t>Monter les capteurs, les convertisseurs, les transmetteurs</a:t>
+            </a:r>
+          </a:p>
+          <a:p>
+            <a:pPr lvl="2"/>
+            <a:r>
+              <a:rPr lang="fr-FR" dirty="0"/>
+              <a:t>Donner leur fonctionnement (type de signal de sorties, propriétés)</a:t>
+            </a:r>
+          </a:p>
+          <a:p>
+            <a:r>
+              <a:rPr lang="fr-FR" dirty="0"/>
+              <a:t>Vérifier une ou plusieurs exigences</a:t>
+            </a:r>
+          </a:p>
+          <a:p>
+            <a:pPr lvl="1"/>
+            <a:r>
+              <a:rPr lang="fr-FR" dirty="0"/>
+              <a:t>Evaluer les écarts entre le cahier des charges et les performances du système (mesure ou simulation)</a:t>
+            </a:r>
+          </a:p>
+          <a:p>
+            <a:pPr lvl="1"/>
+            <a:endParaRPr lang="fr-FR" dirty="0"/>
+          </a:p>
+          <a:p>
+            <a:r>
+              <a:rPr lang="fr-FR" dirty="0"/>
+              <a:t>S’approprier la problématique</a:t>
+            </a:r>
+          </a:p>
+          <a:p>
+            <a:endParaRPr lang="fr-FR" dirty="0"/>
+          </a:p>
+          <a:p>
+            <a:r>
+              <a:rPr lang="fr-FR" dirty="0"/>
+              <a:t>Restitution : 5 minutes</a:t>
+            </a:r>
+          </a:p>
+          <a:p>
+            <a:pPr marL="0" indent="0">
+              <a:buNone/>
+            </a:pPr>
+            <a:endParaRPr lang="fr-FR" dirty="0"/>
+          </a:p>
+          <a:p>
+            <a:pPr lvl="1"/>
+            <a:endParaRPr lang="fr-FR" dirty="0"/>
+          </a:p>
+          <a:p>
+            <a:endParaRPr lang="fr-FR" dirty="0"/>
+          </a:p>
+          <a:p>
+            <a:endParaRPr lang="fr-FR" dirty="0"/>
+          </a:p>
+        </p:txBody>
+      </p:sp>
     </p:spTree>
     <p:extLst>
       <p:ext uri="{BB962C8B-B14F-4D97-AF65-F5344CB8AC3E}">
@@ -11741,7 +11756,7 @@
         <p:spPr/>
         <p:txBody>
           <a:bodyPr>
-            <a:normAutofit/>
+            <a:normAutofit lnSpcReduction="10000"/>
           </a:bodyPr>
           <a:lstStyle/>
           <a:p>
@@ -11830,12 +11845,22 @@
             <a:pPr lvl="1"/>
             <a:r>
               <a:rPr lang="fr-FR" dirty="0"/>
-              <a:t>Enrichissement ou raffinement d’un modèle en ajoutant des éléments fonctionnels complémentaires (capteurs, actionneurs </a:t>
-            </a:r>
-            <a:r>
-              <a:rPr lang="fr-FR" dirty="0" err="1"/>
-              <a:t>etc</a:t>
-            </a:r>
+              <a:t>Enrichissement ou raffinement d’un modèle en ajoutant des éléments fonctionnels complémentaires (capteurs, actionneurs etc..)</a:t>
+            </a:r>
+          </a:p>
+          <a:p>
+            <a:pPr lvl="1"/>
+            <a:endParaRPr lang="fr-FR" dirty="0"/>
+          </a:p>
+          <a:p>
+            <a:pPr lvl="1"/>
+            <a:r>
+              <a:rPr lang="fr-FR" dirty="0"/>
+              <a:t>Restitution finale : 5 minutes</a:t>
+            </a:r>
+          </a:p>
+          <a:p>
+            <a:pPr lvl="1"/>
             <a:endParaRPr lang="fr-FR" dirty="0"/>
           </a:p>
           <a:p>
@@ -12030,6 +12055,21 @@
             <a:endParaRPr lang="fr-FR" dirty="0"/>
           </a:p>
           <a:p>
+            <a:r>
+              <a:rPr lang="fr-FR" dirty="0"/>
+              <a:t>Echanges réguliers </a:t>
+            </a:r>
+            <a:r>
+              <a:rPr lang="fr-FR"/>
+              <a:t>avec l’examinateur</a:t>
+            </a:r>
+            <a:endParaRPr lang="fr-FR" dirty="0"/>
+          </a:p>
+          <a:p>
+            <a:pPr lvl="1"/>
+            <a:endParaRPr lang="fr-FR" dirty="0"/>
+          </a:p>
+          <a:p>
             <a:endParaRPr lang="fr-FR" dirty="0"/>
           </a:p>
           <a:p>
@@ -12221,7 +12261,10 @@
           </a:p>
           <a:p>
             <a:pPr lvl="1"/>
-            <a:endParaRPr lang="fr-FR" dirty="0"/>
+            <a:r>
+              <a:rPr lang="fr-FR" dirty="0"/>
+              <a:t>L’examinateur est différent du reste du TP</a:t>
+            </a:r>
           </a:p>
           <a:p>
             <a:r>
